--- a/PPT.pptx
+++ b/PPT.pptx
@@ -111,6 +111,11 @@
       </a:defRPr>
     </a:lvl9pPr>
   </p:defaultTextStyle>
+  <p:extLst>
+    <p:ext uri="{EFAFB233-063F-42B5-8137-9DF3F51BA10A}">
+      <p15:sldGuideLst xmlns:p15="http://schemas.microsoft.com/office/powerpoint/2012/main"/>
+    </p:ext>
+  </p:extLst>
 </p:presentation>
 </file>
 
@@ -263,7 +268,7 @@
           <a:p>
             <a:fld id="{C5561683-9DF0-4C61-92F4-E9C0FFEDD9BD}" type="datetimeFigureOut">
               <a:rPr lang="en-ID" smtClean="0"/>
-              <a:t>24/06/2023</a:t>
+              <a:t>25/06/2023</a:t>
             </a:fld>
             <a:endParaRPr lang="en-ID"/>
           </a:p>
@@ -463,7 +468,7 @@
           <a:p>
             <a:fld id="{C5561683-9DF0-4C61-92F4-E9C0FFEDD9BD}" type="datetimeFigureOut">
               <a:rPr lang="en-ID" smtClean="0"/>
-              <a:t>24/06/2023</a:t>
+              <a:t>25/06/2023</a:t>
             </a:fld>
             <a:endParaRPr lang="en-ID"/>
           </a:p>
@@ -673,7 +678,7 @@
           <a:p>
             <a:fld id="{C5561683-9DF0-4C61-92F4-E9C0FFEDD9BD}" type="datetimeFigureOut">
               <a:rPr lang="en-ID" smtClean="0"/>
-              <a:t>24/06/2023</a:t>
+              <a:t>25/06/2023</a:t>
             </a:fld>
             <a:endParaRPr lang="en-ID"/>
           </a:p>
@@ -873,7 +878,7 @@
           <a:p>
             <a:fld id="{C5561683-9DF0-4C61-92F4-E9C0FFEDD9BD}" type="datetimeFigureOut">
               <a:rPr lang="en-ID" smtClean="0"/>
-              <a:t>24/06/2023</a:t>
+              <a:t>25/06/2023</a:t>
             </a:fld>
             <a:endParaRPr lang="en-ID"/>
           </a:p>
@@ -1149,7 +1154,7 @@
           <a:p>
             <a:fld id="{C5561683-9DF0-4C61-92F4-E9C0FFEDD9BD}" type="datetimeFigureOut">
               <a:rPr lang="en-ID" smtClean="0"/>
-              <a:t>24/06/2023</a:t>
+              <a:t>25/06/2023</a:t>
             </a:fld>
             <a:endParaRPr lang="en-ID"/>
           </a:p>
@@ -1417,7 +1422,7 @@
           <a:p>
             <a:fld id="{C5561683-9DF0-4C61-92F4-E9C0FFEDD9BD}" type="datetimeFigureOut">
               <a:rPr lang="en-ID" smtClean="0"/>
-              <a:t>24/06/2023</a:t>
+              <a:t>25/06/2023</a:t>
             </a:fld>
             <a:endParaRPr lang="en-ID"/>
           </a:p>
@@ -1832,7 +1837,7 @@
           <a:p>
             <a:fld id="{C5561683-9DF0-4C61-92F4-E9C0FFEDD9BD}" type="datetimeFigureOut">
               <a:rPr lang="en-ID" smtClean="0"/>
-              <a:t>24/06/2023</a:t>
+              <a:t>25/06/2023</a:t>
             </a:fld>
             <a:endParaRPr lang="en-ID"/>
           </a:p>
@@ -1974,7 +1979,7 @@
           <a:p>
             <a:fld id="{C5561683-9DF0-4C61-92F4-E9C0FFEDD9BD}" type="datetimeFigureOut">
               <a:rPr lang="en-ID" smtClean="0"/>
-              <a:t>24/06/2023</a:t>
+              <a:t>25/06/2023</a:t>
             </a:fld>
             <a:endParaRPr lang="en-ID"/>
           </a:p>
@@ -2087,7 +2092,7 @@
           <a:p>
             <a:fld id="{C5561683-9DF0-4C61-92F4-E9C0FFEDD9BD}" type="datetimeFigureOut">
               <a:rPr lang="en-ID" smtClean="0"/>
-              <a:t>24/06/2023</a:t>
+              <a:t>25/06/2023</a:t>
             </a:fld>
             <a:endParaRPr lang="en-ID"/>
           </a:p>
@@ -2400,7 +2405,7 @@
           <a:p>
             <a:fld id="{C5561683-9DF0-4C61-92F4-E9C0FFEDD9BD}" type="datetimeFigureOut">
               <a:rPr lang="en-ID" smtClean="0"/>
-              <a:t>24/06/2023</a:t>
+              <a:t>25/06/2023</a:t>
             </a:fld>
             <a:endParaRPr lang="en-ID"/>
           </a:p>
@@ -2689,7 +2694,7 @@
           <a:p>
             <a:fld id="{C5561683-9DF0-4C61-92F4-E9C0FFEDD9BD}" type="datetimeFigureOut">
               <a:rPr lang="en-ID" smtClean="0"/>
-              <a:t>24/06/2023</a:t>
+              <a:t>25/06/2023</a:t>
             </a:fld>
             <a:endParaRPr lang="en-ID"/>
           </a:p>
@@ -2932,7 +2937,7 @@
           <a:p>
             <a:fld id="{C5561683-9DF0-4C61-92F4-E9C0FFEDD9BD}" type="datetimeFigureOut">
               <a:rPr lang="en-ID" smtClean="0"/>
-              <a:t>24/06/2023</a:t>
+              <a:t>25/06/2023</a:t>
             </a:fld>
             <a:endParaRPr lang="en-ID"/>
           </a:p>
@@ -4745,11 +4750,11 @@
   <p:clrMapOvr>
     <a:masterClrMapping/>
   </p:clrMapOvr>
-  <mc:AlternateContent xmlns:mc="http://schemas.openxmlformats.org/markup-compatibility/2006">
-    <mc:Choice xmlns:p14="http://schemas.microsoft.com/office/powerpoint/2010/main" Requires="p14">
+  <mc:AlternateContent xmlns:mc="http://schemas.openxmlformats.org/markup-compatibility/2006" xmlns:p14="http://schemas.microsoft.com/office/powerpoint/2010/main">
+    <mc:Choice Requires="p14">
       <p:transition spd="slow" p14:dur="1500"/>
     </mc:Choice>
-    <mc:Fallback>
+    <mc:Fallback xmlns="">
       <p:transition spd="slow"/>
     </mc:Fallback>
   </mc:AlternateContent>
@@ -8212,13 +8217,13 @@
   <p:clrMapOvr>
     <a:masterClrMapping/>
   </p:clrMapOvr>
-  <mc:AlternateContent xmlns:mc="http://schemas.openxmlformats.org/markup-compatibility/2006">
-    <mc:Choice xmlns:p159="http://schemas.microsoft.com/office/powerpoint/2015/09/main" Requires="p159">
+  <mc:AlternateContent xmlns:mc="http://schemas.openxmlformats.org/markup-compatibility/2006" xmlns:p159="http://schemas.microsoft.com/office/powerpoint/2015/09/main">
+    <mc:Choice Requires="p159">
       <p:transition xmlns:p14="http://schemas.microsoft.com/office/powerpoint/2010/main" spd="slow" p14:dur="1500">
         <p159:morph option="byObject"/>
       </p:transition>
     </mc:Choice>
-    <mc:Fallback>
+    <mc:Fallback xmlns="">
       <p:transition spd="slow">
         <p:fade/>
       </p:transition>
@@ -11458,13 +11463,13 @@
   <p:clrMapOvr>
     <a:masterClrMapping/>
   </p:clrMapOvr>
-  <mc:AlternateContent xmlns:mc="http://schemas.openxmlformats.org/markup-compatibility/2006">
-    <mc:Choice xmlns:p159="http://schemas.microsoft.com/office/powerpoint/2015/09/main" Requires="p159">
+  <mc:AlternateContent xmlns:mc="http://schemas.openxmlformats.org/markup-compatibility/2006" xmlns:p159="http://schemas.microsoft.com/office/powerpoint/2015/09/main">
+    <mc:Choice Requires="p159">
       <p:transition xmlns:p14="http://schemas.microsoft.com/office/powerpoint/2010/main" spd="slow" p14:dur="1500">
         <p159:morph option="byObject"/>
       </p:transition>
     </mc:Choice>
-    <mc:Fallback>
+    <mc:Fallback xmlns="">
       <p:transition spd="slow">
         <p:fade/>
       </p:transition>
@@ -11624,6 +11629,7 @@
           </a:bodyPr>
           <a:lstStyle/>
           <a:p>
+            <a:pPr algn="ctr"/>
             <a:r>
               <a:rPr lang="en-US" sz="1600" dirty="0" err="1">
                 <a:solidFill>
@@ -12013,468 +12019,6 @@
       </p:cxnSp>
       <p:sp>
         <p:nvSpPr>
-          <p:cNvPr id="12" name="TextBox 11">
-            <a:extLst>
-              <a:ext uri="{FF2B5EF4-FFF2-40B4-BE49-F238E27FC236}">
-                <a16:creationId xmlns:a16="http://schemas.microsoft.com/office/drawing/2014/main" id="{06557B77-9331-1F85-3A8C-5FAD0815332C}"/>
-              </a:ext>
-            </a:extLst>
-          </p:cNvPr>
-          <p:cNvSpPr txBox="1"/>
-          <p:nvPr/>
-        </p:nvSpPr>
-        <p:spPr>
-          <a:xfrm>
-            <a:off x="753850" y="-4003088"/>
-            <a:ext cx="6231092" cy="1569660"/>
-          </a:xfrm>
-          <a:prstGeom prst="rect">
-            <a:avLst/>
-          </a:prstGeom>
-          <a:noFill/>
-        </p:spPr>
-        <p:txBody>
-          <a:bodyPr wrap="square" rtlCol="0">
-            <a:spAutoFit/>
-          </a:bodyPr>
-          <a:lstStyle/>
-          <a:p>
-            <a:r>
-              <a:rPr lang="en-ID" sz="1600" dirty="0" err="1">
-                <a:solidFill>
-                  <a:schemeClr val="bg1"/>
-                </a:solidFill>
-                <a:latin typeface="Inter" panose="020F0502020204030204" pitchFamily="2" charset="0"/>
-                <a:ea typeface="Inter" panose="020F0502020204030204" pitchFamily="2" charset="0"/>
-              </a:rPr>
-              <a:t>Untuk</a:t>
-            </a:r>
-            <a:r>
-              <a:rPr lang="en-ID" sz="1600" dirty="0">
-                <a:solidFill>
-                  <a:schemeClr val="bg1"/>
-                </a:solidFill>
-                <a:latin typeface="Inter" panose="020F0502020204030204" pitchFamily="2" charset="0"/>
-                <a:ea typeface="Inter" panose="020F0502020204030204" pitchFamily="2" charset="0"/>
-              </a:rPr>
-              <a:t> </a:t>
-            </a:r>
-            <a:r>
-              <a:rPr lang="en-ID" sz="1600" dirty="0" err="1">
-                <a:solidFill>
-                  <a:schemeClr val="bg1"/>
-                </a:solidFill>
-                <a:latin typeface="Inter" panose="020F0502020204030204" pitchFamily="2" charset="0"/>
-                <a:ea typeface="Inter" panose="020F0502020204030204" pitchFamily="2" charset="0"/>
-              </a:rPr>
-              <a:t>pengembangan</a:t>
-            </a:r>
-            <a:r>
-              <a:rPr lang="en-ID" sz="1600" dirty="0">
-                <a:solidFill>
-                  <a:schemeClr val="bg1"/>
-                </a:solidFill>
-                <a:latin typeface="Inter" panose="020F0502020204030204" pitchFamily="2" charset="0"/>
-                <a:ea typeface="Inter" panose="020F0502020204030204" pitchFamily="2" charset="0"/>
-              </a:rPr>
-              <a:t> </a:t>
-            </a:r>
-            <a:r>
-              <a:rPr lang="en-ID" sz="1600" dirty="0" err="1">
-                <a:solidFill>
-                  <a:schemeClr val="bg1"/>
-                </a:solidFill>
-                <a:latin typeface="Inter" panose="020F0502020204030204" pitchFamily="2" charset="0"/>
-                <a:ea typeface="Inter" panose="020F0502020204030204" pitchFamily="2" charset="0"/>
-              </a:rPr>
-              <a:t>selanjutnya</a:t>
-            </a:r>
-            <a:r>
-              <a:rPr lang="en-ID" sz="1600" dirty="0">
-                <a:solidFill>
-                  <a:schemeClr val="bg1"/>
-                </a:solidFill>
-                <a:latin typeface="Inter" panose="020F0502020204030204" pitchFamily="2" charset="0"/>
-                <a:ea typeface="Inter" panose="020F0502020204030204" pitchFamily="2" charset="0"/>
-              </a:rPr>
-              <a:t>, </a:t>
-            </a:r>
-            <a:r>
-              <a:rPr lang="en-ID" sz="1600" dirty="0" err="1">
-                <a:solidFill>
-                  <a:schemeClr val="bg1"/>
-                </a:solidFill>
-                <a:latin typeface="Inter" panose="020F0502020204030204" pitchFamily="2" charset="0"/>
-                <a:ea typeface="Inter" panose="020F0502020204030204" pitchFamily="2" charset="0"/>
-              </a:rPr>
-              <a:t>Learniverse</a:t>
-            </a:r>
-            <a:r>
-              <a:rPr lang="en-ID" sz="1600" dirty="0">
-                <a:solidFill>
-                  <a:schemeClr val="bg1"/>
-                </a:solidFill>
-                <a:latin typeface="Inter" panose="020F0502020204030204" pitchFamily="2" charset="0"/>
-                <a:ea typeface="Inter" panose="020F0502020204030204" pitchFamily="2" charset="0"/>
-              </a:rPr>
-              <a:t> </a:t>
-            </a:r>
-            <a:r>
-              <a:rPr lang="en-ID" sz="1600" dirty="0" err="1">
-                <a:solidFill>
-                  <a:schemeClr val="bg1"/>
-                </a:solidFill>
-                <a:latin typeface="Inter" panose="020F0502020204030204" pitchFamily="2" charset="0"/>
-                <a:ea typeface="Inter" panose="020F0502020204030204" pitchFamily="2" charset="0"/>
-              </a:rPr>
-              <a:t>dapat</a:t>
-            </a:r>
-            <a:r>
-              <a:rPr lang="en-ID" sz="1600" dirty="0">
-                <a:solidFill>
-                  <a:schemeClr val="bg1"/>
-                </a:solidFill>
-                <a:latin typeface="Inter" panose="020F0502020204030204" pitchFamily="2" charset="0"/>
-                <a:ea typeface="Inter" panose="020F0502020204030204" pitchFamily="2" charset="0"/>
-              </a:rPr>
-              <a:t> </a:t>
-            </a:r>
-            <a:r>
-              <a:rPr lang="en-ID" sz="1600" dirty="0" err="1">
-                <a:solidFill>
-                  <a:schemeClr val="bg1"/>
-                </a:solidFill>
-                <a:latin typeface="Inter" panose="020F0502020204030204" pitchFamily="2" charset="0"/>
-                <a:ea typeface="Inter" panose="020F0502020204030204" pitchFamily="2" charset="0"/>
-              </a:rPr>
-              <a:t>mempertimbangkan</a:t>
-            </a:r>
-            <a:r>
-              <a:rPr lang="en-ID" sz="1600" dirty="0">
-                <a:solidFill>
-                  <a:schemeClr val="bg1"/>
-                </a:solidFill>
-                <a:latin typeface="Inter" panose="020F0502020204030204" pitchFamily="2" charset="0"/>
-                <a:ea typeface="Inter" panose="020F0502020204030204" pitchFamily="2" charset="0"/>
-              </a:rPr>
-              <a:t> </a:t>
-            </a:r>
-            <a:r>
-              <a:rPr lang="en-ID" sz="1600" dirty="0" err="1">
-                <a:solidFill>
-                  <a:schemeClr val="bg1"/>
-                </a:solidFill>
-                <a:latin typeface="Inter" panose="020F0502020204030204" pitchFamily="2" charset="0"/>
-                <a:ea typeface="Inter" panose="020F0502020204030204" pitchFamily="2" charset="0"/>
-              </a:rPr>
-              <a:t>fitur-fitur</a:t>
-            </a:r>
-            <a:r>
-              <a:rPr lang="en-ID" sz="1600" dirty="0">
-                <a:solidFill>
-                  <a:schemeClr val="bg1"/>
-                </a:solidFill>
-                <a:latin typeface="Inter" panose="020F0502020204030204" pitchFamily="2" charset="0"/>
-                <a:ea typeface="Inter" panose="020F0502020204030204" pitchFamily="2" charset="0"/>
-              </a:rPr>
-              <a:t> </a:t>
-            </a:r>
-            <a:r>
-              <a:rPr lang="en-ID" sz="1600" dirty="0" err="1">
-                <a:solidFill>
-                  <a:schemeClr val="bg1"/>
-                </a:solidFill>
-                <a:latin typeface="Inter" panose="020F0502020204030204" pitchFamily="2" charset="0"/>
-                <a:ea typeface="Inter" panose="020F0502020204030204" pitchFamily="2" charset="0"/>
-              </a:rPr>
-              <a:t>berikut</a:t>
-            </a:r>
-            <a:r>
-              <a:rPr lang="en-ID" sz="1600" dirty="0">
-                <a:solidFill>
-                  <a:schemeClr val="bg1"/>
-                </a:solidFill>
-                <a:latin typeface="Inter" panose="020F0502020204030204" pitchFamily="2" charset="0"/>
-                <a:ea typeface="Inter" panose="020F0502020204030204" pitchFamily="2" charset="0"/>
-              </a:rPr>
-              <a:t>:</a:t>
-            </a:r>
-          </a:p>
-          <a:p>
-            <a:endParaRPr lang="en-ID" sz="1600" dirty="0">
-              <a:solidFill>
-                <a:schemeClr val="bg1"/>
-              </a:solidFill>
-              <a:latin typeface="Inter" panose="020F0502020204030204" pitchFamily="2" charset="0"/>
-              <a:ea typeface="Inter" panose="020F0502020204030204" pitchFamily="2" charset="0"/>
-            </a:endParaRPr>
-          </a:p>
-          <a:p>
-            <a:r>
-              <a:rPr lang="en-ID" sz="1600" b="1" dirty="0" err="1">
-                <a:solidFill>
-                  <a:schemeClr val="bg1"/>
-                </a:solidFill>
-                <a:latin typeface="Inter" panose="020F0502020204030204" pitchFamily="2" charset="0"/>
-                <a:ea typeface="Inter" panose="020F0502020204030204" pitchFamily="2" charset="0"/>
-              </a:rPr>
-              <a:t>Validasi</a:t>
-            </a:r>
-            <a:r>
-              <a:rPr lang="en-ID" sz="1600" b="1" dirty="0">
-                <a:solidFill>
-                  <a:schemeClr val="bg1"/>
-                </a:solidFill>
-                <a:latin typeface="Inter" panose="020F0502020204030204" pitchFamily="2" charset="0"/>
-                <a:ea typeface="Inter" panose="020F0502020204030204" pitchFamily="2" charset="0"/>
-              </a:rPr>
-              <a:t> Input: </a:t>
-            </a:r>
-            <a:r>
-              <a:rPr lang="en-ID" sz="1600" dirty="0" err="1">
-                <a:solidFill>
-                  <a:schemeClr val="bg1"/>
-                </a:solidFill>
-                <a:latin typeface="Inter" panose="020F0502020204030204" pitchFamily="2" charset="0"/>
-                <a:ea typeface="Inter" panose="020F0502020204030204" pitchFamily="2" charset="0"/>
-              </a:rPr>
-              <a:t>Menambahkan</a:t>
-            </a:r>
-            <a:r>
-              <a:rPr lang="en-ID" sz="1600" dirty="0">
-                <a:solidFill>
-                  <a:schemeClr val="bg1"/>
-                </a:solidFill>
-                <a:latin typeface="Inter" panose="020F0502020204030204" pitchFamily="2" charset="0"/>
-                <a:ea typeface="Inter" panose="020F0502020204030204" pitchFamily="2" charset="0"/>
-              </a:rPr>
-              <a:t> </a:t>
-            </a:r>
-            <a:r>
-              <a:rPr lang="en-ID" sz="1600" dirty="0" err="1">
-                <a:solidFill>
-                  <a:schemeClr val="bg1"/>
-                </a:solidFill>
-                <a:latin typeface="Inter" panose="020F0502020204030204" pitchFamily="2" charset="0"/>
-                <a:ea typeface="Inter" panose="020F0502020204030204" pitchFamily="2" charset="0"/>
-              </a:rPr>
-              <a:t>fitur</a:t>
-            </a:r>
-            <a:r>
-              <a:rPr lang="en-ID" sz="1600" dirty="0">
-                <a:solidFill>
-                  <a:schemeClr val="bg1"/>
-                </a:solidFill>
-                <a:latin typeface="Inter" panose="020F0502020204030204" pitchFamily="2" charset="0"/>
-                <a:ea typeface="Inter" panose="020F0502020204030204" pitchFamily="2" charset="0"/>
-              </a:rPr>
-              <a:t> </a:t>
-            </a:r>
-            <a:r>
-              <a:rPr lang="en-ID" sz="1600" dirty="0" err="1">
-                <a:solidFill>
-                  <a:schemeClr val="bg1"/>
-                </a:solidFill>
-                <a:latin typeface="Inter" panose="020F0502020204030204" pitchFamily="2" charset="0"/>
-                <a:ea typeface="Inter" panose="020F0502020204030204" pitchFamily="2" charset="0"/>
-              </a:rPr>
-              <a:t>validasi</a:t>
-            </a:r>
-            <a:r>
-              <a:rPr lang="en-ID" sz="1600" dirty="0">
-                <a:solidFill>
-                  <a:schemeClr val="bg1"/>
-                </a:solidFill>
-                <a:latin typeface="Inter" panose="020F0502020204030204" pitchFamily="2" charset="0"/>
-                <a:ea typeface="Inter" panose="020F0502020204030204" pitchFamily="2" charset="0"/>
-              </a:rPr>
-              <a:t> input pada platform </a:t>
-            </a:r>
-            <a:r>
-              <a:rPr lang="en-ID" sz="1600" dirty="0" err="1">
-                <a:solidFill>
-                  <a:schemeClr val="bg1"/>
-                </a:solidFill>
-                <a:latin typeface="Inter" panose="020F0502020204030204" pitchFamily="2" charset="0"/>
-                <a:ea typeface="Inter" panose="020F0502020204030204" pitchFamily="2" charset="0"/>
-              </a:rPr>
-              <a:t>akan</a:t>
-            </a:r>
-            <a:r>
-              <a:rPr lang="en-ID" sz="1600" dirty="0">
-                <a:solidFill>
-                  <a:schemeClr val="bg1"/>
-                </a:solidFill>
-                <a:latin typeface="Inter" panose="020F0502020204030204" pitchFamily="2" charset="0"/>
-                <a:ea typeface="Inter" panose="020F0502020204030204" pitchFamily="2" charset="0"/>
-              </a:rPr>
-              <a:t> </a:t>
-            </a:r>
-            <a:r>
-              <a:rPr lang="en-ID" sz="1600" dirty="0" err="1">
-                <a:solidFill>
-                  <a:schemeClr val="bg1"/>
-                </a:solidFill>
-                <a:latin typeface="Inter" panose="020F0502020204030204" pitchFamily="2" charset="0"/>
-                <a:ea typeface="Inter" panose="020F0502020204030204" pitchFamily="2" charset="0"/>
-              </a:rPr>
-              <a:t>membantu</a:t>
-            </a:r>
-            <a:r>
-              <a:rPr lang="en-ID" sz="1600" dirty="0">
-                <a:solidFill>
-                  <a:schemeClr val="bg1"/>
-                </a:solidFill>
-                <a:latin typeface="Inter" panose="020F0502020204030204" pitchFamily="2" charset="0"/>
-                <a:ea typeface="Inter" panose="020F0502020204030204" pitchFamily="2" charset="0"/>
-              </a:rPr>
-              <a:t> </a:t>
-            </a:r>
-            <a:r>
-              <a:rPr lang="en-ID" sz="1600" dirty="0" err="1">
-                <a:solidFill>
-                  <a:schemeClr val="bg1"/>
-                </a:solidFill>
-                <a:latin typeface="Inter" panose="020F0502020204030204" pitchFamily="2" charset="0"/>
-                <a:ea typeface="Inter" panose="020F0502020204030204" pitchFamily="2" charset="0"/>
-              </a:rPr>
-              <a:t>pengguna</a:t>
-            </a:r>
-            <a:r>
-              <a:rPr lang="en-ID" sz="1600" dirty="0">
-                <a:solidFill>
-                  <a:schemeClr val="bg1"/>
-                </a:solidFill>
-                <a:latin typeface="Inter" panose="020F0502020204030204" pitchFamily="2" charset="0"/>
-                <a:ea typeface="Inter" panose="020F0502020204030204" pitchFamily="2" charset="0"/>
-              </a:rPr>
-              <a:t> </a:t>
-            </a:r>
-            <a:r>
-              <a:rPr lang="en-ID" sz="1600" dirty="0" err="1">
-                <a:solidFill>
-                  <a:schemeClr val="bg1"/>
-                </a:solidFill>
-                <a:latin typeface="Inter" panose="020F0502020204030204" pitchFamily="2" charset="0"/>
-                <a:ea typeface="Inter" panose="020F0502020204030204" pitchFamily="2" charset="0"/>
-              </a:rPr>
-              <a:t>dalam</a:t>
-            </a:r>
-            <a:r>
-              <a:rPr lang="en-ID" sz="1600" dirty="0">
-                <a:solidFill>
-                  <a:schemeClr val="bg1"/>
-                </a:solidFill>
-                <a:latin typeface="Inter" panose="020F0502020204030204" pitchFamily="2" charset="0"/>
-                <a:ea typeface="Inter" panose="020F0502020204030204" pitchFamily="2" charset="0"/>
-              </a:rPr>
-              <a:t> </a:t>
-            </a:r>
-            <a:r>
-              <a:rPr lang="en-ID" sz="1600" dirty="0" err="1">
-                <a:solidFill>
-                  <a:schemeClr val="bg1"/>
-                </a:solidFill>
-                <a:latin typeface="Inter" panose="020F0502020204030204" pitchFamily="2" charset="0"/>
-                <a:ea typeface="Inter" panose="020F0502020204030204" pitchFamily="2" charset="0"/>
-              </a:rPr>
-              <a:t>memasukkan</a:t>
-            </a:r>
-            <a:r>
-              <a:rPr lang="en-ID" sz="1600" dirty="0">
-                <a:solidFill>
-                  <a:schemeClr val="bg1"/>
-                </a:solidFill>
-                <a:latin typeface="Inter" panose="020F0502020204030204" pitchFamily="2" charset="0"/>
-                <a:ea typeface="Inter" panose="020F0502020204030204" pitchFamily="2" charset="0"/>
-              </a:rPr>
-              <a:t> data </a:t>
-            </a:r>
-            <a:r>
-              <a:rPr lang="en-ID" sz="1600" dirty="0" err="1">
-                <a:solidFill>
-                  <a:schemeClr val="bg1"/>
-                </a:solidFill>
-                <a:latin typeface="Inter" panose="020F0502020204030204" pitchFamily="2" charset="0"/>
-                <a:ea typeface="Inter" panose="020F0502020204030204" pitchFamily="2" charset="0"/>
-              </a:rPr>
-              <a:t>dengan</a:t>
-            </a:r>
-            <a:r>
-              <a:rPr lang="en-ID" sz="1600" dirty="0">
-                <a:solidFill>
-                  <a:schemeClr val="bg1"/>
-                </a:solidFill>
-                <a:latin typeface="Inter" panose="020F0502020204030204" pitchFamily="2" charset="0"/>
-                <a:ea typeface="Inter" panose="020F0502020204030204" pitchFamily="2" charset="0"/>
-              </a:rPr>
-              <a:t> </a:t>
-            </a:r>
-            <a:r>
-              <a:rPr lang="en-ID" sz="1600" dirty="0" err="1">
-                <a:solidFill>
-                  <a:schemeClr val="bg1"/>
-                </a:solidFill>
-                <a:latin typeface="Inter" panose="020F0502020204030204" pitchFamily="2" charset="0"/>
-                <a:ea typeface="Inter" panose="020F0502020204030204" pitchFamily="2" charset="0"/>
-              </a:rPr>
-              <a:t>benar</a:t>
-            </a:r>
-            <a:r>
-              <a:rPr lang="en-ID" sz="1600" dirty="0">
-                <a:solidFill>
-                  <a:schemeClr val="bg1"/>
-                </a:solidFill>
-                <a:latin typeface="Inter" panose="020F0502020204030204" pitchFamily="2" charset="0"/>
-                <a:ea typeface="Inter" panose="020F0502020204030204" pitchFamily="2" charset="0"/>
-              </a:rPr>
-              <a:t> dan </a:t>
-            </a:r>
-            <a:r>
-              <a:rPr lang="en-ID" sz="1600" dirty="0" err="1">
-                <a:solidFill>
-                  <a:schemeClr val="bg1"/>
-                </a:solidFill>
-                <a:latin typeface="Inter" panose="020F0502020204030204" pitchFamily="2" charset="0"/>
-                <a:ea typeface="Inter" panose="020F0502020204030204" pitchFamily="2" charset="0"/>
-              </a:rPr>
-              <a:t>menghindari</a:t>
-            </a:r>
-            <a:r>
-              <a:rPr lang="en-ID" sz="1600" dirty="0">
-                <a:solidFill>
-                  <a:schemeClr val="bg1"/>
-                </a:solidFill>
-                <a:latin typeface="Inter" panose="020F0502020204030204" pitchFamily="2" charset="0"/>
-                <a:ea typeface="Inter" panose="020F0502020204030204" pitchFamily="2" charset="0"/>
-              </a:rPr>
-              <a:t> </a:t>
-            </a:r>
-            <a:r>
-              <a:rPr lang="en-ID" sz="1600" dirty="0" err="1">
-                <a:solidFill>
-                  <a:schemeClr val="bg1"/>
-                </a:solidFill>
-                <a:latin typeface="Inter" panose="020F0502020204030204" pitchFamily="2" charset="0"/>
-                <a:ea typeface="Inter" panose="020F0502020204030204" pitchFamily="2" charset="0"/>
-              </a:rPr>
-              <a:t>kesalahan</a:t>
-            </a:r>
-            <a:r>
-              <a:rPr lang="en-ID" sz="1600" dirty="0">
-                <a:solidFill>
-                  <a:schemeClr val="bg1"/>
-                </a:solidFill>
-                <a:latin typeface="Inter" panose="020F0502020204030204" pitchFamily="2" charset="0"/>
-                <a:ea typeface="Inter" panose="020F0502020204030204" pitchFamily="2" charset="0"/>
-              </a:rPr>
-              <a:t>.</a:t>
-            </a:r>
-          </a:p>
-        </p:txBody>
-      </p:sp>
-      <p:sp>
-        <p:nvSpPr>
           <p:cNvPr id="13" name="TextBox 12">
             <a:extLst>
               <a:ext uri="{FF2B5EF4-FFF2-40B4-BE49-F238E27FC236}">
@@ -12521,10 +12065,10 @@
       </p:sp>
       <p:sp>
         <p:nvSpPr>
-          <p:cNvPr id="16" name="TextBox 15">
-            <a:extLst>
-              <a:ext uri="{FF2B5EF4-FFF2-40B4-BE49-F238E27FC236}">
-                <a16:creationId xmlns:a16="http://schemas.microsoft.com/office/drawing/2014/main" id="{40B9401E-2CD2-05B8-7DAC-E15E8380F5E0}"/>
+          <p:cNvPr id="4" name="TextBox 3">
+            <a:extLst>
+              <a:ext uri="{FF2B5EF4-FFF2-40B4-BE49-F238E27FC236}">
+                <a16:creationId xmlns:a16="http://schemas.microsoft.com/office/drawing/2014/main" id="{3392EE6B-6768-8945-A4E5-023A8A33BFC4}"/>
               </a:ext>
             </a:extLst>
           </p:cNvPr>
@@ -12533,8 +12077,8 @@
         </p:nvSpPr>
         <p:spPr>
           <a:xfrm>
-            <a:off x="3143283" y="-2289756"/>
-            <a:ext cx="6231092" cy="1815882"/>
+            <a:off x="735038" y="-3088511"/>
+            <a:ext cx="5073392" cy="1569660"/>
           </a:xfrm>
           <a:prstGeom prst="rect">
             <a:avLst/>
@@ -12548,7 +12092,17 @@
           <a:lstStyle/>
           <a:p>
             <a:r>
-              <a:rPr lang="en-ID" sz="1600" b="1" dirty="0" err="1">
+              <a:rPr lang="en-ID" sz="1600" dirty="0">
+                <a:solidFill>
+                  <a:schemeClr val="bg1"/>
+                </a:solidFill>
+                <a:latin typeface="Inter" panose="020F0502020204030204" pitchFamily="2" charset="0"/>
+                <a:ea typeface="Inter" panose="020F0502020204030204" pitchFamily="2" charset="0"/>
+              </a:rPr>
+              <a:t>1. </a:t>
+            </a:r>
+            <a:r>
+              <a:rPr lang="en-ID" sz="1600" dirty="0" err="1">
                 <a:solidFill>
                   <a:schemeClr val="bg1"/>
                 </a:solidFill>
@@ -12558,7 +12112,7 @@
               <a:t>Pengembangan</a:t>
             </a:r>
             <a:r>
-              <a:rPr lang="en-ID" sz="1600" b="1" dirty="0">
+              <a:rPr lang="en-ID" sz="1600" dirty="0">
                 <a:solidFill>
                   <a:schemeClr val="bg1"/>
                 </a:solidFill>
@@ -12568,7 +12122,7 @@
               <a:t> Fitur </a:t>
             </a:r>
             <a:r>
-              <a:rPr lang="en-ID" sz="1600" b="1" dirty="0" err="1">
+              <a:rPr lang="en-ID" sz="1600" dirty="0" err="1">
                 <a:solidFill>
                   <a:schemeClr val="bg1"/>
                 </a:solidFill>
@@ -12577,248 +12131,6 @@
               </a:rPr>
               <a:t>Rekomendasi</a:t>
             </a:r>
-            <a:r>
-              <a:rPr lang="en-ID" sz="1600" b="1" dirty="0">
-                <a:solidFill>
-                  <a:schemeClr val="bg1"/>
-                </a:solidFill>
-                <a:latin typeface="Inter" panose="020F0502020204030204" pitchFamily="2" charset="0"/>
-                <a:ea typeface="Inter" panose="020F0502020204030204" pitchFamily="2" charset="0"/>
-              </a:rPr>
-              <a:t>:</a:t>
-            </a:r>
-            <a:r>
-              <a:rPr lang="en-ID" sz="1600" dirty="0">
-                <a:solidFill>
-                  <a:schemeClr val="bg1"/>
-                </a:solidFill>
-                <a:latin typeface="Inter" panose="020F0502020204030204" pitchFamily="2" charset="0"/>
-                <a:ea typeface="Inter" panose="020F0502020204030204" pitchFamily="2" charset="0"/>
-              </a:rPr>
-              <a:t> </a:t>
-            </a:r>
-            <a:r>
-              <a:rPr lang="en-ID" sz="1600" dirty="0" err="1">
-                <a:solidFill>
-                  <a:schemeClr val="bg1"/>
-                </a:solidFill>
-                <a:latin typeface="Inter" panose="020F0502020204030204" pitchFamily="2" charset="0"/>
-                <a:ea typeface="Inter" panose="020F0502020204030204" pitchFamily="2" charset="0"/>
-              </a:rPr>
-              <a:t>Melanjutkan</a:t>
-            </a:r>
-            <a:r>
-              <a:rPr lang="en-ID" sz="1600" dirty="0">
-                <a:solidFill>
-                  <a:schemeClr val="bg1"/>
-                </a:solidFill>
-                <a:latin typeface="Inter" panose="020F0502020204030204" pitchFamily="2" charset="0"/>
-                <a:ea typeface="Inter" panose="020F0502020204030204" pitchFamily="2" charset="0"/>
-              </a:rPr>
-              <a:t> </a:t>
-            </a:r>
-            <a:r>
-              <a:rPr lang="en-ID" sz="1600" dirty="0" err="1">
-                <a:solidFill>
-                  <a:schemeClr val="bg1"/>
-                </a:solidFill>
-                <a:latin typeface="Inter" panose="020F0502020204030204" pitchFamily="2" charset="0"/>
-                <a:ea typeface="Inter" panose="020F0502020204030204" pitchFamily="2" charset="0"/>
-              </a:rPr>
-              <a:t>pengembangan</a:t>
-            </a:r>
-            <a:r>
-              <a:rPr lang="en-ID" sz="1600" dirty="0">
-                <a:solidFill>
-                  <a:schemeClr val="bg1"/>
-                </a:solidFill>
-                <a:latin typeface="Inter" panose="020F0502020204030204" pitchFamily="2" charset="0"/>
-                <a:ea typeface="Inter" panose="020F0502020204030204" pitchFamily="2" charset="0"/>
-              </a:rPr>
-              <a:t> </a:t>
-            </a:r>
-            <a:r>
-              <a:rPr lang="en-ID" sz="1600" dirty="0" err="1">
-                <a:solidFill>
-                  <a:schemeClr val="bg1"/>
-                </a:solidFill>
-                <a:latin typeface="Inter" panose="020F0502020204030204" pitchFamily="2" charset="0"/>
-                <a:ea typeface="Inter" panose="020F0502020204030204" pitchFamily="2" charset="0"/>
-              </a:rPr>
-              <a:t>fitur</a:t>
-            </a:r>
-            <a:r>
-              <a:rPr lang="en-ID" sz="1600" dirty="0">
-                <a:solidFill>
-                  <a:schemeClr val="bg1"/>
-                </a:solidFill>
-                <a:latin typeface="Inter" panose="020F0502020204030204" pitchFamily="2" charset="0"/>
-                <a:ea typeface="Inter" panose="020F0502020204030204" pitchFamily="2" charset="0"/>
-              </a:rPr>
-              <a:t> </a:t>
-            </a:r>
-            <a:r>
-              <a:rPr lang="en-ID" sz="1600" dirty="0" err="1">
-                <a:solidFill>
-                  <a:schemeClr val="bg1"/>
-                </a:solidFill>
-                <a:latin typeface="Inter" panose="020F0502020204030204" pitchFamily="2" charset="0"/>
-                <a:ea typeface="Inter" panose="020F0502020204030204" pitchFamily="2" charset="0"/>
-              </a:rPr>
-              <a:t>rekomendasi</a:t>
-            </a:r>
-            <a:r>
-              <a:rPr lang="en-ID" sz="1600" dirty="0">
-                <a:solidFill>
-                  <a:schemeClr val="bg1"/>
-                </a:solidFill>
-                <a:latin typeface="Inter" panose="020F0502020204030204" pitchFamily="2" charset="0"/>
-                <a:ea typeface="Inter" panose="020F0502020204030204" pitchFamily="2" charset="0"/>
-              </a:rPr>
-              <a:t> </a:t>
-            </a:r>
-            <a:r>
-              <a:rPr lang="en-ID" sz="1600" dirty="0" err="1">
-                <a:solidFill>
-                  <a:schemeClr val="bg1"/>
-                </a:solidFill>
-                <a:latin typeface="Inter" panose="020F0502020204030204" pitchFamily="2" charset="0"/>
-                <a:ea typeface="Inter" panose="020F0502020204030204" pitchFamily="2" charset="0"/>
-              </a:rPr>
-              <a:t>dapat</a:t>
-            </a:r>
-            <a:r>
-              <a:rPr lang="en-ID" sz="1600" dirty="0">
-                <a:solidFill>
-                  <a:schemeClr val="bg1"/>
-                </a:solidFill>
-                <a:latin typeface="Inter" panose="020F0502020204030204" pitchFamily="2" charset="0"/>
-                <a:ea typeface="Inter" panose="020F0502020204030204" pitchFamily="2" charset="0"/>
-              </a:rPr>
-              <a:t> </a:t>
-            </a:r>
-            <a:r>
-              <a:rPr lang="en-ID" sz="1600" dirty="0" err="1">
-                <a:solidFill>
-                  <a:schemeClr val="bg1"/>
-                </a:solidFill>
-                <a:latin typeface="Inter" panose="020F0502020204030204" pitchFamily="2" charset="0"/>
-                <a:ea typeface="Inter" panose="020F0502020204030204" pitchFamily="2" charset="0"/>
-              </a:rPr>
-              <a:t>meningkatkan</a:t>
-            </a:r>
-            <a:r>
-              <a:rPr lang="en-ID" sz="1600" dirty="0">
-                <a:solidFill>
-                  <a:schemeClr val="bg1"/>
-                </a:solidFill>
-                <a:latin typeface="Inter" panose="020F0502020204030204" pitchFamily="2" charset="0"/>
-                <a:ea typeface="Inter" panose="020F0502020204030204" pitchFamily="2" charset="0"/>
-              </a:rPr>
-              <a:t> </a:t>
-            </a:r>
-            <a:r>
-              <a:rPr lang="en-ID" sz="1600" dirty="0" err="1">
-                <a:solidFill>
-                  <a:schemeClr val="bg1"/>
-                </a:solidFill>
-                <a:latin typeface="Inter" panose="020F0502020204030204" pitchFamily="2" charset="0"/>
-                <a:ea typeface="Inter" panose="020F0502020204030204" pitchFamily="2" charset="0"/>
-              </a:rPr>
-              <a:t>personalisasi</a:t>
-            </a:r>
-            <a:r>
-              <a:rPr lang="en-ID" sz="1600" dirty="0">
-                <a:solidFill>
-                  <a:schemeClr val="bg1"/>
-                </a:solidFill>
-                <a:latin typeface="Inter" panose="020F0502020204030204" pitchFamily="2" charset="0"/>
-                <a:ea typeface="Inter" panose="020F0502020204030204" pitchFamily="2" charset="0"/>
-              </a:rPr>
-              <a:t> dan </a:t>
-            </a:r>
-            <a:r>
-              <a:rPr lang="en-ID" sz="1600" dirty="0" err="1">
-                <a:solidFill>
-                  <a:schemeClr val="bg1"/>
-                </a:solidFill>
-                <a:latin typeface="Inter" panose="020F0502020204030204" pitchFamily="2" charset="0"/>
-                <a:ea typeface="Inter" panose="020F0502020204030204" pitchFamily="2" charset="0"/>
-              </a:rPr>
-              <a:t>kualitas</a:t>
-            </a:r>
-            <a:r>
-              <a:rPr lang="en-ID" sz="1600" dirty="0">
-                <a:solidFill>
-                  <a:schemeClr val="bg1"/>
-                </a:solidFill>
-                <a:latin typeface="Inter" panose="020F0502020204030204" pitchFamily="2" charset="0"/>
-                <a:ea typeface="Inter" panose="020F0502020204030204" pitchFamily="2" charset="0"/>
-              </a:rPr>
-              <a:t> </a:t>
-            </a:r>
-            <a:r>
-              <a:rPr lang="en-ID" sz="1600" dirty="0" err="1">
-                <a:solidFill>
-                  <a:schemeClr val="bg1"/>
-                </a:solidFill>
-                <a:latin typeface="Inter" panose="020F0502020204030204" pitchFamily="2" charset="0"/>
-                <a:ea typeface="Inter" panose="020F0502020204030204" pitchFamily="2" charset="0"/>
-              </a:rPr>
-              <a:t>rekomendasi</a:t>
-            </a:r>
-            <a:r>
-              <a:rPr lang="en-ID" sz="1600" dirty="0">
-                <a:solidFill>
-                  <a:schemeClr val="bg1"/>
-                </a:solidFill>
-                <a:latin typeface="Inter" panose="020F0502020204030204" pitchFamily="2" charset="0"/>
-                <a:ea typeface="Inter" panose="020F0502020204030204" pitchFamily="2" charset="0"/>
-              </a:rPr>
-              <a:t> </a:t>
-            </a:r>
-            <a:r>
-              <a:rPr lang="en-ID" sz="1600" dirty="0" err="1">
-                <a:solidFill>
-                  <a:schemeClr val="bg1"/>
-                </a:solidFill>
-                <a:latin typeface="Inter" panose="020F0502020204030204" pitchFamily="2" charset="0"/>
-                <a:ea typeface="Inter" panose="020F0502020204030204" pitchFamily="2" charset="0"/>
-              </a:rPr>
-              <a:t>modul</a:t>
-            </a:r>
-            <a:r>
-              <a:rPr lang="en-ID" sz="1600" dirty="0">
-                <a:solidFill>
-                  <a:schemeClr val="bg1"/>
-                </a:solidFill>
-                <a:latin typeface="Inter" panose="020F0502020204030204" pitchFamily="2" charset="0"/>
-                <a:ea typeface="Inter" panose="020F0502020204030204" pitchFamily="2" charset="0"/>
-              </a:rPr>
-              <a:t> </a:t>
-            </a:r>
-            <a:r>
-              <a:rPr lang="en-ID" sz="1600" dirty="0" err="1">
-                <a:solidFill>
-                  <a:schemeClr val="bg1"/>
-                </a:solidFill>
-                <a:latin typeface="Inter" panose="020F0502020204030204" pitchFamily="2" charset="0"/>
-                <a:ea typeface="Inter" panose="020F0502020204030204" pitchFamily="2" charset="0"/>
-              </a:rPr>
-              <a:t>pembelajaran</a:t>
-            </a:r>
-            <a:r>
-              <a:rPr lang="en-ID" sz="1600" dirty="0">
-                <a:solidFill>
-                  <a:schemeClr val="bg1"/>
-                </a:solidFill>
-                <a:latin typeface="Inter" panose="020F0502020204030204" pitchFamily="2" charset="0"/>
-                <a:ea typeface="Inter" panose="020F0502020204030204" pitchFamily="2" charset="0"/>
-              </a:rPr>
-              <a:t>.</a:t>
-            </a:r>
-          </a:p>
-          <a:p>
             <a:endParaRPr lang="en-ID" sz="1600" dirty="0">
               <a:solidFill>
                 <a:schemeClr val="bg1"/>
@@ -12829,7 +12141,17 @@
           </a:p>
           <a:p>
             <a:r>
-              <a:rPr lang="en-ID" sz="1600" b="1" dirty="0" err="1">
+              <a:rPr lang="en-ID" sz="1600" dirty="0">
+                <a:solidFill>
+                  <a:schemeClr val="bg1"/>
+                </a:solidFill>
+                <a:latin typeface="Inter" panose="020F0502020204030204" pitchFamily="2" charset="0"/>
+                <a:ea typeface="Inter" panose="020F0502020204030204" pitchFamily="2" charset="0"/>
+              </a:rPr>
+              <a:t>2. </a:t>
+            </a:r>
+            <a:r>
+              <a:rPr lang="en-ID" sz="1600" dirty="0" err="1">
                 <a:solidFill>
                   <a:schemeClr val="bg1"/>
                 </a:solidFill>
@@ -12839,164 +12161,190 @@
               <a:t>Pemperbaikan</a:t>
             </a:r>
             <a:r>
-              <a:rPr lang="en-ID" sz="1600" b="1" dirty="0">
-                <a:solidFill>
-                  <a:schemeClr val="bg1"/>
-                </a:solidFill>
-                <a:latin typeface="Inter" panose="020F0502020204030204" pitchFamily="2" charset="0"/>
-                <a:ea typeface="Inter" panose="020F0502020204030204" pitchFamily="2" charset="0"/>
-              </a:rPr>
-              <a:t> UI/UX Desain:</a:t>
-            </a:r>
-            <a:r>
-              <a:rPr lang="en-ID" sz="1600" dirty="0">
-                <a:solidFill>
-                  <a:schemeClr val="bg1"/>
-                </a:solidFill>
-                <a:latin typeface="Inter" panose="020F0502020204030204" pitchFamily="2" charset="0"/>
-                <a:ea typeface="Inter" panose="020F0502020204030204" pitchFamily="2" charset="0"/>
-              </a:rPr>
-              <a:t> </a:t>
-            </a:r>
-            <a:r>
-              <a:rPr lang="en-ID" sz="1600" dirty="0" err="1">
-                <a:solidFill>
-                  <a:schemeClr val="bg1"/>
-                </a:solidFill>
-                <a:latin typeface="Inter" panose="020F0502020204030204" pitchFamily="2" charset="0"/>
-                <a:ea typeface="Inter" panose="020F0502020204030204" pitchFamily="2" charset="0"/>
-              </a:rPr>
-              <a:t>Fokus</a:t>
-            </a:r>
-            <a:r>
-              <a:rPr lang="en-ID" sz="1600" dirty="0">
-                <a:solidFill>
-                  <a:schemeClr val="bg1"/>
-                </a:solidFill>
-                <a:latin typeface="Inter" panose="020F0502020204030204" pitchFamily="2" charset="0"/>
-                <a:ea typeface="Inter" panose="020F0502020204030204" pitchFamily="2" charset="0"/>
-              </a:rPr>
-              <a:t> pada </a:t>
-            </a:r>
-            <a:r>
-              <a:rPr lang="en-ID" sz="1600" dirty="0" err="1">
-                <a:solidFill>
-                  <a:schemeClr val="bg1"/>
-                </a:solidFill>
-                <a:latin typeface="Inter" panose="020F0502020204030204" pitchFamily="2" charset="0"/>
-                <a:ea typeface="Inter" panose="020F0502020204030204" pitchFamily="2" charset="0"/>
-              </a:rPr>
-              <a:t>pemperbaikan</a:t>
-            </a:r>
-            <a:r>
-              <a:rPr lang="en-ID" sz="1600" dirty="0">
-                <a:solidFill>
-                  <a:schemeClr val="bg1"/>
-                </a:solidFill>
-                <a:latin typeface="Inter" panose="020F0502020204030204" pitchFamily="2" charset="0"/>
-                <a:ea typeface="Inter" panose="020F0502020204030204" pitchFamily="2" charset="0"/>
-              </a:rPr>
-              <a:t> UI/UX </a:t>
-            </a:r>
-            <a:r>
-              <a:rPr lang="en-ID" sz="1600" dirty="0" err="1">
-                <a:solidFill>
-                  <a:schemeClr val="bg1"/>
-                </a:solidFill>
-                <a:latin typeface="Inter" panose="020F0502020204030204" pitchFamily="2" charset="0"/>
-                <a:ea typeface="Inter" panose="020F0502020204030204" pitchFamily="2" charset="0"/>
-              </a:rPr>
-              <a:t>desain</a:t>
-            </a:r>
-            <a:r>
-              <a:rPr lang="en-ID" sz="1600" dirty="0">
-                <a:solidFill>
-                  <a:schemeClr val="bg1"/>
-                </a:solidFill>
-                <a:latin typeface="Inter" panose="020F0502020204030204" pitchFamily="2" charset="0"/>
-                <a:ea typeface="Inter" panose="020F0502020204030204" pitchFamily="2" charset="0"/>
-              </a:rPr>
-              <a:t> </a:t>
-            </a:r>
-            <a:r>
-              <a:rPr lang="en-ID" sz="1600" dirty="0" err="1">
-                <a:solidFill>
-                  <a:schemeClr val="bg1"/>
-                </a:solidFill>
-                <a:latin typeface="Inter" panose="020F0502020204030204" pitchFamily="2" charset="0"/>
-                <a:ea typeface="Inter" panose="020F0502020204030204" pitchFamily="2" charset="0"/>
-              </a:rPr>
-              <a:t>akan</a:t>
-            </a:r>
-            <a:r>
-              <a:rPr lang="en-ID" sz="1600" dirty="0">
-                <a:solidFill>
-                  <a:schemeClr val="bg1"/>
-                </a:solidFill>
-                <a:latin typeface="Inter" panose="020F0502020204030204" pitchFamily="2" charset="0"/>
-                <a:ea typeface="Inter" panose="020F0502020204030204" pitchFamily="2" charset="0"/>
-              </a:rPr>
-              <a:t> </a:t>
-            </a:r>
-            <a:r>
-              <a:rPr lang="en-ID" sz="1600" dirty="0" err="1">
-                <a:solidFill>
-                  <a:schemeClr val="bg1"/>
-                </a:solidFill>
-                <a:latin typeface="Inter" panose="020F0502020204030204" pitchFamily="2" charset="0"/>
-                <a:ea typeface="Inter" panose="020F0502020204030204" pitchFamily="2" charset="0"/>
-              </a:rPr>
-              <a:t>meningkatkan</a:t>
-            </a:r>
-            <a:r>
-              <a:rPr lang="en-ID" sz="1600" dirty="0">
-                <a:solidFill>
-                  <a:schemeClr val="bg1"/>
-                </a:solidFill>
-                <a:latin typeface="Inter" panose="020F0502020204030204" pitchFamily="2" charset="0"/>
-                <a:ea typeface="Inter" panose="020F0502020204030204" pitchFamily="2" charset="0"/>
-              </a:rPr>
-              <a:t> </a:t>
-            </a:r>
-            <a:r>
-              <a:rPr lang="en-ID" sz="1600" dirty="0" err="1">
-                <a:solidFill>
-                  <a:schemeClr val="bg1"/>
-                </a:solidFill>
-                <a:latin typeface="Inter" panose="020F0502020204030204" pitchFamily="2" charset="0"/>
-                <a:ea typeface="Inter" panose="020F0502020204030204" pitchFamily="2" charset="0"/>
-              </a:rPr>
-              <a:t>pengalaman</a:t>
-            </a:r>
-            <a:r>
-              <a:rPr lang="en-ID" sz="1600" dirty="0">
-                <a:solidFill>
-                  <a:schemeClr val="bg1"/>
-                </a:solidFill>
-                <a:latin typeface="Inter" panose="020F0502020204030204" pitchFamily="2" charset="0"/>
-                <a:ea typeface="Inter" panose="020F0502020204030204" pitchFamily="2" charset="0"/>
-              </a:rPr>
-              <a:t> </a:t>
-            </a:r>
-            <a:r>
-              <a:rPr lang="en-ID" sz="1600" dirty="0" err="1">
-                <a:solidFill>
-                  <a:schemeClr val="bg1"/>
-                </a:solidFill>
-                <a:latin typeface="Inter" panose="020F0502020204030204" pitchFamily="2" charset="0"/>
-                <a:ea typeface="Inter" panose="020F0502020204030204" pitchFamily="2" charset="0"/>
-              </a:rPr>
-              <a:t>pengguna</a:t>
-            </a:r>
-            <a:r>
-              <a:rPr lang="en-ID" sz="1600" dirty="0">
-                <a:solidFill>
-                  <a:schemeClr val="bg1"/>
-                </a:solidFill>
-                <a:latin typeface="Inter" panose="020F0502020204030204" pitchFamily="2" charset="0"/>
-                <a:ea typeface="Inter" panose="020F0502020204030204" pitchFamily="2" charset="0"/>
-              </a:rPr>
-              <a:t> di </a:t>
+              <a:rPr lang="en-ID" sz="1600" dirty="0">
+                <a:solidFill>
+                  <a:schemeClr val="bg1"/>
+                </a:solidFill>
+                <a:latin typeface="Inter" panose="020F0502020204030204" pitchFamily="2" charset="0"/>
+                <a:ea typeface="Inter" panose="020F0502020204030204" pitchFamily="2" charset="0"/>
+              </a:rPr>
+              <a:t> UI/UX Desain</a:t>
+            </a:r>
+          </a:p>
+          <a:p>
+            <a:r>
+              <a:rPr lang="en-ID" sz="1600" dirty="0">
+                <a:solidFill>
+                  <a:schemeClr val="bg1"/>
+                </a:solidFill>
+                <a:latin typeface="Inter" panose="020F0502020204030204" pitchFamily="2" charset="0"/>
+                <a:ea typeface="Inter" panose="020F0502020204030204" pitchFamily="2" charset="0"/>
+              </a:rPr>
+              <a:t>3. Update Profile</a:t>
+            </a:r>
+          </a:p>
+          <a:p>
+            <a:r>
+              <a:rPr lang="en-ID" sz="1600" dirty="0">
+                <a:solidFill>
+                  <a:schemeClr val="bg1"/>
+                </a:solidFill>
+                <a:latin typeface="Inter" panose="020F0502020204030204" pitchFamily="2" charset="0"/>
+                <a:ea typeface="Inter" panose="020F0502020204030204" pitchFamily="2" charset="0"/>
+              </a:rPr>
+              <a:t>4. Search Modul</a:t>
+            </a:r>
+          </a:p>
+          <a:p>
+            <a:r>
+              <a:rPr lang="en-ID" sz="1600" dirty="0">
+                <a:solidFill>
+                  <a:schemeClr val="bg1"/>
+                </a:solidFill>
+                <a:latin typeface="Inter" panose="020F0502020204030204" pitchFamily="2" charset="0"/>
+                <a:ea typeface="Inter" panose="020F0502020204030204" pitchFamily="2" charset="0"/>
+              </a:rPr>
+              <a:t>5. Latihan </a:t>
+            </a:r>
+            <a:r>
+              <a:rPr lang="en-ID" sz="1600" dirty="0" err="1">
+                <a:solidFill>
+                  <a:schemeClr val="bg1"/>
+                </a:solidFill>
+                <a:latin typeface="Inter" panose="020F0502020204030204" pitchFamily="2" charset="0"/>
+                <a:ea typeface="Inter" panose="020F0502020204030204" pitchFamily="2" charset="0"/>
+              </a:rPr>
+              <a:t>Soal</a:t>
+            </a:r>
+            <a:endParaRPr lang="en-ID" sz="1600" dirty="0">
+              <a:solidFill>
+                <a:schemeClr val="bg1"/>
+              </a:solidFill>
+              <a:latin typeface="Inter" panose="020F0502020204030204" pitchFamily="2" charset="0"/>
+              <a:ea typeface="Inter" panose="020F0502020204030204" pitchFamily="2" charset="0"/>
+            </a:endParaRPr>
+          </a:p>
+          <a:p>
+            <a:r>
+              <a:rPr lang="en-ID" sz="1600" dirty="0">
+                <a:solidFill>
+                  <a:schemeClr val="bg1"/>
+                </a:solidFill>
+                <a:latin typeface="Inter" panose="020F0502020204030204" pitchFamily="2" charset="0"/>
+                <a:ea typeface="Inter" panose="020F0502020204030204" pitchFamily="2" charset="0"/>
+              </a:rPr>
+              <a:t>6. </a:t>
+            </a:r>
+            <a:r>
+              <a:rPr lang="en-ID" sz="1600" dirty="0" err="1">
+                <a:solidFill>
+                  <a:schemeClr val="bg1"/>
+                </a:solidFill>
+                <a:latin typeface="Inter" panose="020F0502020204030204" pitchFamily="2" charset="0"/>
+                <a:ea typeface="Inter" panose="020F0502020204030204" pitchFamily="2" charset="0"/>
+              </a:rPr>
+              <a:t>Manajemen</a:t>
+            </a:r>
+            <a:r>
+              <a:rPr lang="en-ID" sz="1600" dirty="0">
+                <a:solidFill>
+                  <a:schemeClr val="bg1"/>
+                </a:solidFill>
+                <a:latin typeface="Inter" panose="020F0502020204030204" pitchFamily="2" charset="0"/>
+                <a:ea typeface="Inter" panose="020F0502020204030204" pitchFamily="2" charset="0"/>
+              </a:rPr>
+              <a:t> User oleh Admin</a:t>
+            </a:r>
+          </a:p>
+        </p:txBody>
+      </p:sp>
+      <p:sp>
+        <p:nvSpPr>
+          <p:cNvPr id="10" name="TextBox 9">
+            <a:extLst>
+              <a:ext uri="{FF2B5EF4-FFF2-40B4-BE49-F238E27FC236}">
+                <a16:creationId xmlns:a16="http://schemas.microsoft.com/office/drawing/2014/main" id="{CF4DD92D-6E35-03F8-C985-4BBC247063AC}"/>
+              </a:ext>
+            </a:extLst>
+          </p:cNvPr>
+          <p:cNvSpPr txBox="1"/>
+          <p:nvPr/>
+        </p:nvSpPr>
+        <p:spPr>
+          <a:xfrm>
+            <a:off x="735038" y="-3847315"/>
+            <a:ext cx="5073392" cy="584775"/>
+          </a:xfrm>
+          <a:prstGeom prst="rect">
+            <a:avLst/>
+          </a:prstGeom>
+          <a:noFill/>
+        </p:spPr>
+        <p:txBody>
+          <a:bodyPr wrap="square" rtlCol="0">
+            <a:spAutoFit/>
+          </a:bodyPr>
+          <a:lstStyle/>
+          <a:p>
+            <a:r>
+              <a:rPr lang="en-ID" sz="1600" dirty="0" err="1">
+                <a:solidFill>
+                  <a:schemeClr val="bg1"/>
+                </a:solidFill>
+                <a:latin typeface="Inter" panose="020F0502020204030204" pitchFamily="2" charset="0"/>
+                <a:ea typeface="Inter" panose="020F0502020204030204" pitchFamily="2" charset="0"/>
+              </a:rPr>
+              <a:t>Untuk</a:t>
+            </a:r>
+            <a:r>
+              <a:rPr lang="en-ID" sz="1600" dirty="0">
+                <a:solidFill>
+                  <a:schemeClr val="bg1"/>
+                </a:solidFill>
+                <a:latin typeface="Inter" panose="020F0502020204030204" pitchFamily="2" charset="0"/>
+                <a:ea typeface="Inter" panose="020F0502020204030204" pitchFamily="2" charset="0"/>
+              </a:rPr>
+              <a:t> </a:t>
+            </a:r>
+            <a:r>
+              <a:rPr lang="en-ID" sz="1600" dirty="0" err="1">
+                <a:solidFill>
+                  <a:schemeClr val="bg1"/>
+                </a:solidFill>
+                <a:latin typeface="Inter" panose="020F0502020204030204" pitchFamily="2" charset="0"/>
+                <a:ea typeface="Inter" panose="020F0502020204030204" pitchFamily="2" charset="0"/>
+              </a:rPr>
+              <a:t>pengembangan</a:t>
+            </a:r>
+            <a:r>
+              <a:rPr lang="en-ID" sz="1600" dirty="0">
+                <a:solidFill>
+                  <a:schemeClr val="bg1"/>
+                </a:solidFill>
+                <a:latin typeface="Inter" panose="020F0502020204030204" pitchFamily="2" charset="0"/>
+                <a:ea typeface="Inter" panose="020F0502020204030204" pitchFamily="2" charset="0"/>
+              </a:rPr>
+              <a:t> </a:t>
+            </a:r>
+            <a:r>
+              <a:rPr lang="en-ID" sz="1600" dirty="0" err="1">
+                <a:solidFill>
+                  <a:schemeClr val="bg1"/>
+                </a:solidFill>
+                <a:latin typeface="Inter" panose="020F0502020204030204" pitchFamily="2" charset="0"/>
+                <a:ea typeface="Inter" panose="020F0502020204030204" pitchFamily="2" charset="0"/>
+              </a:rPr>
+              <a:t>selanjutnya</a:t>
+            </a:r>
+            <a:r>
+              <a:rPr lang="en-ID" sz="1600" dirty="0">
+                <a:solidFill>
+                  <a:schemeClr val="bg1"/>
+                </a:solidFill>
+                <a:latin typeface="Inter" panose="020F0502020204030204" pitchFamily="2" charset="0"/>
+                <a:ea typeface="Inter" panose="020F0502020204030204" pitchFamily="2" charset="0"/>
+              </a:rPr>
+              <a:t>, </a:t>
             </a:r>
             <a:r>
               <a:rPr lang="en-ID" sz="1600" dirty="0" err="1">
@@ -13016,7 +12364,87 @@
                 <a:latin typeface="Inter" panose="020F0502020204030204" pitchFamily="2" charset="0"/>
                 <a:ea typeface="Inter" panose="020F0502020204030204" pitchFamily="2" charset="0"/>
               </a:rPr>
-              <a:t>.</a:t>
+              <a:t> </a:t>
+            </a:r>
+            <a:r>
+              <a:rPr lang="en-ID" sz="1600" dirty="0" err="1">
+                <a:solidFill>
+                  <a:schemeClr val="bg1"/>
+                </a:solidFill>
+                <a:latin typeface="Inter" panose="020F0502020204030204" pitchFamily="2" charset="0"/>
+                <a:ea typeface="Inter" panose="020F0502020204030204" pitchFamily="2" charset="0"/>
+              </a:rPr>
+              <a:t>dapat</a:t>
+            </a:r>
+            <a:r>
+              <a:rPr lang="en-ID" sz="1600" dirty="0">
+                <a:solidFill>
+                  <a:schemeClr val="bg1"/>
+                </a:solidFill>
+                <a:latin typeface="Inter" panose="020F0502020204030204" pitchFamily="2" charset="0"/>
+                <a:ea typeface="Inter" panose="020F0502020204030204" pitchFamily="2" charset="0"/>
+              </a:rPr>
+              <a:t> </a:t>
+            </a:r>
+            <a:r>
+              <a:rPr lang="en-ID" sz="1600" dirty="0" err="1">
+                <a:solidFill>
+                  <a:schemeClr val="bg1"/>
+                </a:solidFill>
+                <a:latin typeface="Inter" panose="020F0502020204030204" pitchFamily="2" charset="0"/>
+                <a:ea typeface="Inter" panose="020F0502020204030204" pitchFamily="2" charset="0"/>
+              </a:rPr>
+              <a:t>mempertimbangkan</a:t>
+            </a:r>
+            <a:r>
+              <a:rPr lang="en-ID" sz="1600" dirty="0">
+                <a:solidFill>
+                  <a:schemeClr val="bg1"/>
+                </a:solidFill>
+                <a:latin typeface="Inter" panose="020F0502020204030204" pitchFamily="2" charset="0"/>
+                <a:ea typeface="Inter" panose="020F0502020204030204" pitchFamily="2" charset="0"/>
+              </a:rPr>
+              <a:t> </a:t>
+            </a:r>
+            <a:r>
+              <a:rPr lang="en-ID" sz="1600" dirty="0" err="1">
+                <a:solidFill>
+                  <a:schemeClr val="bg1"/>
+                </a:solidFill>
+                <a:latin typeface="Inter" panose="020F0502020204030204" pitchFamily="2" charset="0"/>
+                <a:ea typeface="Inter" panose="020F0502020204030204" pitchFamily="2" charset="0"/>
+              </a:rPr>
+              <a:t>fitur-fitur</a:t>
+            </a:r>
+            <a:r>
+              <a:rPr lang="en-ID" sz="1600" dirty="0">
+                <a:solidFill>
+                  <a:schemeClr val="bg1"/>
+                </a:solidFill>
+                <a:latin typeface="Inter" panose="020F0502020204030204" pitchFamily="2" charset="0"/>
+                <a:ea typeface="Inter" panose="020F0502020204030204" pitchFamily="2" charset="0"/>
+              </a:rPr>
+              <a:t> </a:t>
+            </a:r>
+            <a:r>
+              <a:rPr lang="en-ID" sz="1600" dirty="0" err="1">
+                <a:solidFill>
+                  <a:schemeClr val="bg1"/>
+                </a:solidFill>
+                <a:latin typeface="Inter" panose="020F0502020204030204" pitchFamily="2" charset="0"/>
+                <a:ea typeface="Inter" panose="020F0502020204030204" pitchFamily="2" charset="0"/>
+              </a:rPr>
+              <a:t>berikut</a:t>
+            </a:r>
+            <a:r>
+              <a:rPr lang="en-ID" sz="1600" dirty="0">
+                <a:solidFill>
+                  <a:schemeClr val="bg1"/>
+                </a:solidFill>
+                <a:latin typeface="Inter" panose="020F0502020204030204" pitchFamily="2" charset="0"/>
+                <a:ea typeface="Inter" panose="020F0502020204030204" pitchFamily="2" charset="0"/>
+              </a:rPr>
+              <a:t>:</a:t>
             </a:r>
           </a:p>
         </p:txBody>
@@ -13031,13 +12459,13 @@
   <p:clrMapOvr>
     <a:masterClrMapping/>
   </p:clrMapOvr>
-  <mc:AlternateContent xmlns:mc="http://schemas.openxmlformats.org/markup-compatibility/2006">
-    <mc:Choice xmlns:p159="http://schemas.microsoft.com/office/powerpoint/2015/09/main" Requires="p159">
+  <mc:AlternateContent xmlns:mc="http://schemas.openxmlformats.org/markup-compatibility/2006" xmlns:p159="http://schemas.microsoft.com/office/powerpoint/2015/09/main">
+    <mc:Choice Requires="p159">
       <p:transition xmlns:p14="http://schemas.microsoft.com/office/powerpoint/2010/main" spd="slow" p14:dur="1500">
         <p159:morph option="byObject"/>
       </p:transition>
     </mc:Choice>
-    <mc:Fallback>
+    <mc:Fallback xmlns="">
       <p:transition spd="slow">
         <p:fade/>
       </p:transition>
@@ -13161,7 +12589,7 @@
         </p:blipFill>
         <p:spPr>
           <a:xfrm>
-            <a:off x="-2349705" y="4652270"/>
+            <a:off x="-853912" y="4765538"/>
             <a:ext cx="5212456" cy="2930575"/>
           </a:xfrm>
           <a:prstGeom prst="rect">
@@ -13183,8 +12611,8 @@
         </p:nvSpPr>
         <p:spPr>
           <a:xfrm>
-            <a:off x="735038" y="2066577"/>
-            <a:ext cx="6231092" cy="1569660"/>
+            <a:off x="735038" y="2851266"/>
+            <a:ext cx="5073392" cy="1569660"/>
           </a:xfrm>
           <a:prstGeom prst="rect">
             <a:avLst/>
@@ -13198,167 +12626,65 @@
           <a:lstStyle/>
           <a:p>
             <a:r>
-              <a:rPr lang="en-ID" sz="1600" dirty="0" err="1">
-                <a:solidFill>
-                  <a:schemeClr val="bg1"/>
-                </a:solidFill>
-                <a:latin typeface="Inter" panose="020F0502020204030204" pitchFamily="2" charset="0"/>
-                <a:ea typeface="Inter" panose="020F0502020204030204" pitchFamily="2" charset="0"/>
-              </a:rPr>
-              <a:t>Untuk</a:t>
-            </a:r>
-            <a:r>
-              <a:rPr lang="en-ID" sz="1600" dirty="0">
-                <a:solidFill>
-                  <a:schemeClr val="bg1"/>
-                </a:solidFill>
-                <a:latin typeface="Inter" panose="020F0502020204030204" pitchFamily="2" charset="0"/>
-                <a:ea typeface="Inter" panose="020F0502020204030204" pitchFamily="2" charset="0"/>
-              </a:rPr>
-              <a:t> </a:t>
-            </a:r>
-            <a:r>
-              <a:rPr lang="en-ID" sz="1600" dirty="0" err="1">
-                <a:solidFill>
-                  <a:schemeClr val="bg1"/>
-                </a:solidFill>
-                <a:latin typeface="Inter" panose="020F0502020204030204" pitchFamily="2" charset="0"/>
-                <a:ea typeface="Inter" panose="020F0502020204030204" pitchFamily="2" charset="0"/>
-              </a:rPr>
-              <a:t>pengembangan</a:t>
-            </a:r>
-            <a:r>
-              <a:rPr lang="en-ID" sz="1600" dirty="0">
-                <a:solidFill>
-                  <a:schemeClr val="bg1"/>
-                </a:solidFill>
-                <a:latin typeface="Inter" panose="020F0502020204030204" pitchFamily="2" charset="0"/>
-                <a:ea typeface="Inter" panose="020F0502020204030204" pitchFamily="2" charset="0"/>
-              </a:rPr>
-              <a:t> </a:t>
-            </a:r>
-            <a:r>
-              <a:rPr lang="en-ID" sz="1600" dirty="0" err="1">
-                <a:solidFill>
-                  <a:schemeClr val="bg1"/>
-                </a:solidFill>
-                <a:latin typeface="Inter" panose="020F0502020204030204" pitchFamily="2" charset="0"/>
-                <a:ea typeface="Inter" panose="020F0502020204030204" pitchFamily="2" charset="0"/>
-              </a:rPr>
-              <a:t>selanjutnya</a:t>
-            </a:r>
-            <a:r>
-              <a:rPr lang="en-ID" sz="1600" dirty="0">
-                <a:solidFill>
-                  <a:schemeClr val="bg1"/>
-                </a:solidFill>
-                <a:latin typeface="Inter" panose="020F0502020204030204" pitchFamily="2" charset="0"/>
-                <a:ea typeface="Inter" panose="020F0502020204030204" pitchFamily="2" charset="0"/>
-              </a:rPr>
-              <a:t>, </a:t>
-            </a:r>
-            <a:r>
-              <a:rPr lang="en-ID" sz="1600" dirty="0" err="1">
-                <a:solidFill>
-                  <a:schemeClr val="bg1"/>
-                </a:solidFill>
-                <a:latin typeface="Inter" panose="020F0502020204030204" pitchFamily="2" charset="0"/>
-                <a:ea typeface="Inter" panose="020F0502020204030204" pitchFamily="2" charset="0"/>
-              </a:rPr>
-              <a:t>Learniverse</a:t>
-            </a:r>
-            <a:r>
-              <a:rPr lang="en-ID" sz="1600" dirty="0">
-                <a:solidFill>
-                  <a:schemeClr val="bg1"/>
-                </a:solidFill>
-                <a:latin typeface="Inter" panose="020F0502020204030204" pitchFamily="2" charset="0"/>
-                <a:ea typeface="Inter" panose="020F0502020204030204" pitchFamily="2" charset="0"/>
-              </a:rPr>
-              <a:t> </a:t>
-            </a:r>
-            <a:r>
-              <a:rPr lang="en-ID" sz="1600" dirty="0" err="1">
-                <a:solidFill>
-                  <a:schemeClr val="bg1"/>
-                </a:solidFill>
-                <a:latin typeface="Inter" panose="020F0502020204030204" pitchFamily="2" charset="0"/>
-                <a:ea typeface="Inter" panose="020F0502020204030204" pitchFamily="2" charset="0"/>
-              </a:rPr>
-              <a:t>dapat</a:t>
-            </a:r>
-            <a:r>
-              <a:rPr lang="en-ID" sz="1600" dirty="0">
-                <a:solidFill>
-                  <a:schemeClr val="bg1"/>
-                </a:solidFill>
-                <a:latin typeface="Inter" panose="020F0502020204030204" pitchFamily="2" charset="0"/>
-                <a:ea typeface="Inter" panose="020F0502020204030204" pitchFamily="2" charset="0"/>
-              </a:rPr>
-              <a:t> </a:t>
-            </a:r>
-            <a:r>
-              <a:rPr lang="en-ID" sz="1600" dirty="0" err="1">
-                <a:solidFill>
-                  <a:schemeClr val="bg1"/>
-                </a:solidFill>
-                <a:latin typeface="Inter" panose="020F0502020204030204" pitchFamily="2" charset="0"/>
-                <a:ea typeface="Inter" panose="020F0502020204030204" pitchFamily="2" charset="0"/>
-              </a:rPr>
-              <a:t>mempertimbangkan</a:t>
-            </a:r>
-            <a:r>
-              <a:rPr lang="en-ID" sz="1600" dirty="0">
-                <a:solidFill>
-                  <a:schemeClr val="bg1"/>
-                </a:solidFill>
-                <a:latin typeface="Inter" panose="020F0502020204030204" pitchFamily="2" charset="0"/>
-                <a:ea typeface="Inter" panose="020F0502020204030204" pitchFamily="2" charset="0"/>
-              </a:rPr>
-              <a:t> </a:t>
-            </a:r>
-            <a:r>
-              <a:rPr lang="en-ID" sz="1600" dirty="0" err="1">
-                <a:solidFill>
-                  <a:schemeClr val="bg1"/>
-                </a:solidFill>
-                <a:latin typeface="Inter" panose="020F0502020204030204" pitchFamily="2" charset="0"/>
-                <a:ea typeface="Inter" panose="020F0502020204030204" pitchFamily="2" charset="0"/>
-              </a:rPr>
-              <a:t>fitur-fitur</a:t>
-            </a:r>
-            <a:r>
-              <a:rPr lang="en-ID" sz="1600" dirty="0">
-                <a:solidFill>
-                  <a:schemeClr val="bg1"/>
-                </a:solidFill>
-                <a:latin typeface="Inter" panose="020F0502020204030204" pitchFamily="2" charset="0"/>
-                <a:ea typeface="Inter" panose="020F0502020204030204" pitchFamily="2" charset="0"/>
-              </a:rPr>
-              <a:t> </a:t>
-            </a:r>
-            <a:r>
-              <a:rPr lang="en-ID" sz="1600" dirty="0" err="1">
-                <a:solidFill>
-                  <a:schemeClr val="bg1"/>
-                </a:solidFill>
-                <a:latin typeface="Inter" panose="020F0502020204030204" pitchFamily="2" charset="0"/>
-                <a:ea typeface="Inter" panose="020F0502020204030204" pitchFamily="2" charset="0"/>
-              </a:rPr>
-              <a:t>berikut</a:t>
-            </a:r>
-            <a:r>
-              <a:rPr lang="en-ID" sz="1600" dirty="0">
-                <a:solidFill>
-                  <a:schemeClr val="bg1"/>
-                </a:solidFill>
-                <a:latin typeface="Inter" panose="020F0502020204030204" pitchFamily="2" charset="0"/>
-                <a:ea typeface="Inter" panose="020F0502020204030204" pitchFamily="2" charset="0"/>
-              </a:rPr>
-              <a:t>:</a:t>
-            </a:r>
-          </a:p>
-          <a:p>
+              <a:rPr lang="en-ID" sz="1600" dirty="0">
+                <a:solidFill>
+                  <a:schemeClr val="bg1"/>
+                </a:solidFill>
+                <a:latin typeface="Inter" panose="020F0502020204030204" pitchFamily="2" charset="0"/>
+                <a:ea typeface="Inter" panose="020F0502020204030204" pitchFamily="2" charset="0"/>
+              </a:rPr>
+              <a:t>1. </a:t>
+            </a:r>
+            <a:r>
+              <a:rPr lang="en-ID" sz="1600" dirty="0" err="1">
+                <a:solidFill>
+                  <a:schemeClr val="bg1"/>
+                </a:solidFill>
+                <a:latin typeface="Inter" panose="020F0502020204030204" pitchFamily="2" charset="0"/>
+                <a:ea typeface="Inter" panose="020F0502020204030204" pitchFamily="2" charset="0"/>
+              </a:rPr>
+              <a:t>Pengembangan</a:t>
+            </a:r>
+            <a:r>
+              <a:rPr lang="en-ID" sz="1600" dirty="0">
+                <a:solidFill>
+                  <a:schemeClr val="bg1"/>
+                </a:solidFill>
+                <a:latin typeface="Inter" panose="020F0502020204030204" pitchFamily="2" charset="0"/>
+                <a:ea typeface="Inter" panose="020F0502020204030204" pitchFamily="2" charset="0"/>
+              </a:rPr>
+              <a:t> </a:t>
+            </a:r>
+            <a:r>
+              <a:rPr lang="en-ID" sz="1600" dirty="0" err="1">
+                <a:solidFill>
+                  <a:schemeClr val="bg1"/>
+                </a:solidFill>
+                <a:latin typeface="Inter" panose="020F0502020204030204" pitchFamily="2" charset="0"/>
+                <a:ea typeface="Inter" panose="020F0502020204030204" pitchFamily="2" charset="0"/>
+              </a:rPr>
+              <a:t>fitur</a:t>
+            </a:r>
+            <a:r>
+              <a:rPr lang="en-ID" sz="1600" dirty="0">
+                <a:solidFill>
+                  <a:schemeClr val="bg1"/>
+                </a:solidFill>
+                <a:latin typeface="Inter" panose="020F0502020204030204" pitchFamily="2" charset="0"/>
+                <a:ea typeface="Inter" panose="020F0502020204030204" pitchFamily="2" charset="0"/>
+              </a:rPr>
+              <a:t> </a:t>
+            </a:r>
+            <a:r>
+              <a:rPr lang="en-ID" sz="1600" dirty="0" err="1">
+                <a:solidFill>
+                  <a:schemeClr val="bg1"/>
+                </a:solidFill>
+                <a:latin typeface="Inter" panose="020F0502020204030204" pitchFamily="2" charset="0"/>
+                <a:ea typeface="Inter" panose="020F0502020204030204" pitchFamily="2" charset="0"/>
+              </a:rPr>
+              <a:t>rekomendasi</a:t>
+            </a:r>
             <a:endParaRPr lang="en-ID" sz="1600" dirty="0">
               <a:solidFill>
                 <a:schemeClr val="bg1"/>
@@ -13369,264 +12695,193 @@
           </a:p>
           <a:p>
             <a:r>
-              <a:rPr lang="en-ID" sz="1600" b="1" dirty="0" err="1">
-                <a:solidFill>
-                  <a:schemeClr val="bg1"/>
-                </a:solidFill>
-                <a:latin typeface="Inter" panose="020F0502020204030204" pitchFamily="2" charset="0"/>
-                <a:ea typeface="Inter" panose="020F0502020204030204" pitchFamily="2" charset="0"/>
-              </a:rPr>
-              <a:t>Validasi</a:t>
-            </a:r>
-            <a:r>
-              <a:rPr lang="en-ID" sz="1600" b="1" dirty="0">
-                <a:solidFill>
-                  <a:schemeClr val="bg1"/>
-                </a:solidFill>
-                <a:latin typeface="Inter" panose="020F0502020204030204" pitchFamily="2" charset="0"/>
-                <a:ea typeface="Inter" panose="020F0502020204030204" pitchFamily="2" charset="0"/>
-              </a:rPr>
-              <a:t> Input: </a:t>
-            </a:r>
-            <a:r>
-              <a:rPr lang="en-ID" sz="1600" dirty="0" err="1">
-                <a:solidFill>
-                  <a:schemeClr val="bg1"/>
-                </a:solidFill>
-                <a:latin typeface="Inter" panose="020F0502020204030204" pitchFamily="2" charset="0"/>
-                <a:ea typeface="Inter" panose="020F0502020204030204" pitchFamily="2" charset="0"/>
-              </a:rPr>
-              <a:t>Menambahkan</a:t>
-            </a:r>
-            <a:r>
-              <a:rPr lang="en-ID" sz="1600" dirty="0">
-                <a:solidFill>
-                  <a:schemeClr val="bg1"/>
-                </a:solidFill>
-                <a:latin typeface="Inter" panose="020F0502020204030204" pitchFamily="2" charset="0"/>
-                <a:ea typeface="Inter" panose="020F0502020204030204" pitchFamily="2" charset="0"/>
-              </a:rPr>
-              <a:t> </a:t>
-            </a:r>
-            <a:r>
-              <a:rPr lang="en-ID" sz="1600" dirty="0" err="1">
-                <a:solidFill>
-                  <a:schemeClr val="bg1"/>
-                </a:solidFill>
-                <a:latin typeface="Inter" panose="020F0502020204030204" pitchFamily="2" charset="0"/>
-                <a:ea typeface="Inter" panose="020F0502020204030204" pitchFamily="2" charset="0"/>
-              </a:rPr>
-              <a:t>fitur</a:t>
-            </a:r>
-            <a:r>
-              <a:rPr lang="en-ID" sz="1600" dirty="0">
-                <a:solidFill>
-                  <a:schemeClr val="bg1"/>
-                </a:solidFill>
-                <a:latin typeface="Inter" panose="020F0502020204030204" pitchFamily="2" charset="0"/>
-                <a:ea typeface="Inter" panose="020F0502020204030204" pitchFamily="2" charset="0"/>
-              </a:rPr>
-              <a:t> </a:t>
-            </a:r>
-            <a:r>
-              <a:rPr lang="en-ID" sz="1600" dirty="0" err="1">
-                <a:solidFill>
-                  <a:schemeClr val="bg1"/>
-                </a:solidFill>
-                <a:latin typeface="Inter" panose="020F0502020204030204" pitchFamily="2" charset="0"/>
-                <a:ea typeface="Inter" panose="020F0502020204030204" pitchFamily="2" charset="0"/>
-              </a:rPr>
-              <a:t>validasi</a:t>
-            </a:r>
-            <a:r>
-              <a:rPr lang="en-ID" sz="1600" dirty="0">
-                <a:solidFill>
-                  <a:schemeClr val="bg1"/>
-                </a:solidFill>
-                <a:latin typeface="Inter" panose="020F0502020204030204" pitchFamily="2" charset="0"/>
-                <a:ea typeface="Inter" panose="020F0502020204030204" pitchFamily="2" charset="0"/>
-              </a:rPr>
-              <a:t> input pada platform </a:t>
-            </a:r>
-            <a:r>
-              <a:rPr lang="en-ID" sz="1600" dirty="0" err="1">
-                <a:solidFill>
-                  <a:schemeClr val="bg1"/>
-                </a:solidFill>
-                <a:latin typeface="Inter" panose="020F0502020204030204" pitchFamily="2" charset="0"/>
-                <a:ea typeface="Inter" panose="020F0502020204030204" pitchFamily="2" charset="0"/>
-              </a:rPr>
-              <a:t>akan</a:t>
-            </a:r>
-            <a:r>
-              <a:rPr lang="en-ID" sz="1600" dirty="0">
-                <a:solidFill>
-                  <a:schemeClr val="bg1"/>
-                </a:solidFill>
-                <a:latin typeface="Inter" panose="020F0502020204030204" pitchFamily="2" charset="0"/>
-                <a:ea typeface="Inter" panose="020F0502020204030204" pitchFamily="2" charset="0"/>
-              </a:rPr>
-              <a:t> </a:t>
-            </a:r>
-            <a:r>
-              <a:rPr lang="en-ID" sz="1600" dirty="0" err="1">
-                <a:solidFill>
-                  <a:schemeClr val="bg1"/>
-                </a:solidFill>
-                <a:latin typeface="Inter" panose="020F0502020204030204" pitchFamily="2" charset="0"/>
-                <a:ea typeface="Inter" panose="020F0502020204030204" pitchFamily="2" charset="0"/>
-              </a:rPr>
-              <a:t>membantu</a:t>
-            </a:r>
-            <a:r>
-              <a:rPr lang="en-ID" sz="1600" dirty="0">
-                <a:solidFill>
-                  <a:schemeClr val="bg1"/>
-                </a:solidFill>
-                <a:latin typeface="Inter" panose="020F0502020204030204" pitchFamily="2" charset="0"/>
-                <a:ea typeface="Inter" panose="020F0502020204030204" pitchFamily="2" charset="0"/>
-              </a:rPr>
-              <a:t> </a:t>
-            </a:r>
-            <a:r>
-              <a:rPr lang="en-ID" sz="1600" dirty="0" err="1">
-                <a:solidFill>
-                  <a:schemeClr val="bg1"/>
-                </a:solidFill>
-                <a:latin typeface="Inter" panose="020F0502020204030204" pitchFamily="2" charset="0"/>
-                <a:ea typeface="Inter" panose="020F0502020204030204" pitchFamily="2" charset="0"/>
-              </a:rPr>
-              <a:t>pengguna</a:t>
-            </a:r>
-            <a:r>
-              <a:rPr lang="en-ID" sz="1600" dirty="0">
-                <a:solidFill>
-                  <a:schemeClr val="bg1"/>
-                </a:solidFill>
-                <a:latin typeface="Inter" panose="020F0502020204030204" pitchFamily="2" charset="0"/>
-                <a:ea typeface="Inter" panose="020F0502020204030204" pitchFamily="2" charset="0"/>
-              </a:rPr>
-              <a:t> </a:t>
-            </a:r>
-            <a:r>
-              <a:rPr lang="en-ID" sz="1600" dirty="0" err="1">
-                <a:solidFill>
-                  <a:schemeClr val="bg1"/>
-                </a:solidFill>
-                <a:latin typeface="Inter" panose="020F0502020204030204" pitchFamily="2" charset="0"/>
-                <a:ea typeface="Inter" panose="020F0502020204030204" pitchFamily="2" charset="0"/>
-              </a:rPr>
-              <a:t>dalam</a:t>
-            </a:r>
-            <a:r>
-              <a:rPr lang="en-ID" sz="1600" dirty="0">
-                <a:solidFill>
-                  <a:schemeClr val="bg1"/>
-                </a:solidFill>
-                <a:latin typeface="Inter" panose="020F0502020204030204" pitchFamily="2" charset="0"/>
-                <a:ea typeface="Inter" panose="020F0502020204030204" pitchFamily="2" charset="0"/>
-              </a:rPr>
-              <a:t> </a:t>
-            </a:r>
-            <a:r>
-              <a:rPr lang="en-ID" sz="1600" dirty="0" err="1">
-                <a:solidFill>
-                  <a:schemeClr val="bg1"/>
-                </a:solidFill>
-                <a:latin typeface="Inter" panose="020F0502020204030204" pitchFamily="2" charset="0"/>
-                <a:ea typeface="Inter" panose="020F0502020204030204" pitchFamily="2" charset="0"/>
-              </a:rPr>
-              <a:t>memasukkan</a:t>
-            </a:r>
-            <a:r>
-              <a:rPr lang="en-ID" sz="1600" dirty="0">
-                <a:solidFill>
-                  <a:schemeClr val="bg1"/>
-                </a:solidFill>
-                <a:latin typeface="Inter" panose="020F0502020204030204" pitchFamily="2" charset="0"/>
-                <a:ea typeface="Inter" panose="020F0502020204030204" pitchFamily="2" charset="0"/>
-              </a:rPr>
-              <a:t> data </a:t>
-            </a:r>
-            <a:r>
-              <a:rPr lang="en-ID" sz="1600" dirty="0" err="1">
-                <a:solidFill>
-                  <a:schemeClr val="bg1"/>
-                </a:solidFill>
-                <a:latin typeface="Inter" panose="020F0502020204030204" pitchFamily="2" charset="0"/>
-                <a:ea typeface="Inter" panose="020F0502020204030204" pitchFamily="2" charset="0"/>
-              </a:rPr>
-              <a:t>dengan</a:t>
-            </a:r>
-            <a:r>
-              <a:rPr lang="en-ID" sz="1600" dirty="0">
-                <a:solidFill>
-                  <a:schemeClr val="bg1"/>
-                </a:solidFill>
-                <a:latin typeface="Inter" panose="020F0502020204030204" pitchFamily="2" charset="0"/>
-                <a:ea typeface="Inter" panose="020F0502020204030204" pitchFamily="2" charset="0"/>
-              </a:rPr>
-              <a:t> </a:t>
-            </a:r>
-            <a:r>
-              <a:rPr lang="en-ID" sz="1600" dirty="0" err="1">
-                <a:solidFill>
-                  <a:schemeClr val="bg1"/>
-                </a:solidFill>
-                <a:latin typeface="Inter" panose="020F0502020204030204" pitchFamily="2" charset="0"/>
-                <a:ea typeface="Inter" panose="020F0502020204030204" pitchFamily="2" charset="0"/>
-              </a:rPr>
-              <a:t>benar</a:t>
-            </a:r>
-            <a:r>
-              <a:rPr lang="en-ID" sz="1600" dirty="0">
-                <a:solidFill>
-                  <a:schemeClr val="bg1"/>
-                </a:solidFill>
-                <a:latin typeface="Inter" panose="020F0502020204030204" pitchFamily="2" charset="0"/>
-                <a:ea typeface="Inter" panose="020F0502020204030204" pitchFamily="2" charset="0"/>
-              </a:rPr>
-              <a:t> dan </a:t>
-            </a:r>
-            <a:r>
-              <a:rPr lang="en-ID" sz="1600" dirty="0" err="1">
-                <a:solidFill>
-                  <a:schemeClr val="bg1"/>
-                </a:solidFill>
-                <a:latin typeface="Inter" panose="020F0502020204030204" pitchFamily="2" charset="0"/>
-                <a:ea typeface="Inter" panose="020F0502020204030204" pitchFamily="2" charset="0"/>
-              </a:rPr>
-              <a:t>menghindari</a:t>
-            </a:r>
-            <a:r>
-              <a:rPr lang="en-ID" sz="1600" dirty="0">
-                <a:solidFill>
-                  <a:schemeClr val="bg1"/>
-                </a:solidFill>
-                <a:latin typeface="Inter" panose="020F0502020204030204" pitchFamily="2" charset="0"/>
-                <a:ea typeface="Inter" panose="020F0502020204030204" pitchFamily="2" charset="0"/>
-              </a:rPr>
-              <a:t> </a:t>
-            </a:r>
-            <a:r>
-              <a:rPr lang="en-ID" sz="1600" dirty="0" err="1">
-                <a:solidFill>
-                  <a:schemeClr val="bg1"/>
-                </a:solidFill>
-                <a:latin typeface="Inter" panose="020F0502020204030204" pitchFamily="2" charset="0"/>
-                <a:ea typeface="Inter" panose="020F0502020204030204" pitchFamily="2" charset="0"/>
-              </a:rPr>
-              <a:t>kesalahan</a:t>
-            </a:r>
-            <a:r>
-              <a:rPr lang="en-ID" sz="1600" dirty="0">
-                <a:solidFill>
-                  <a:schemeClr val="bg1"/>
-                </a:solidFill>
-                <a:latin typeface="Inter" panose="020F0502020204030204" pitchFamily="2" charset="0"/>
-                <a:ea typeface="Inter" panose="020F0502020204030204" pitchFamily="2" charset="0"/>
-              </a:rPr>
-              <a:t>.</a:t>
+              <a:rPr lang="en-ID" sz="1600" dirty="0">
+                <a:solidFill>
+                  <a:schemeClr val="bg1"/>
+                </a:solidFill>
+                <a:latin typeface="Inter" panose="020F0502020204030204" pitchFamily="2" charset="0"/>
+                <a:ea typeface="Inter" panose="020F0502020204030204" pitchFamily="2" charset="0"/>
+              </a:rPr>
+              <a:t>2. </a:t>
+            </a:r>
+            <a:r>
+              <a:rPr lang="en-ID" sz="1600" dirty="0" err="1">
+                <a:solidFill>
+                  <a:schemeClr val="bg1"/>
+                </a:solidFill>
+                <a:latin typeface="Inter" panose="020F0502020204030204" pitchFamily="2" charset="0"/>
+                <a:ea typeface="Inter" panose="020F0502020204030204" pitchFamily="2" charset="0"/>
+              </a:rPr>
+              <a:t>Pemperbaikan</a:t>
+            </a:r>
+            <a:r>
+              <a:rPr lang="en-ID" sz="1600" dirty="0">
+                <a:solidFill>
+                  <a:schemeClr val="bg1"/>
+                </a:solidFill>
+                <a:latin typeface="Inter" panose="020F0502020204030204" pitchFamily="2" charset="0"/>
+                <a:ea typeface="Inter" panose="020F0502020204030204" pitchFamily="2" charset="0"/>
+              </a:rPr>
+              <a:t> UI/UX </a:t>
+            </a:r>
+            <a:r>
+              <a:rPr lang="en-ID" sz="1600" dirty="0" err="1">
+                <a:solidFill>
+                  <a:schemeClr val="bg1"/>
+                </a:solidFill>
+                <a:latin typeface="Inter" panose="020F0502020204030204" pitchFamily="2" charset="0"/>
+                <a:ea typeface="Inter" panose="020F0502020204030204" pitchFamily="2" charset="0"/>
+              </a:rPr>
+              <a:t>desain</a:t>
+            </a:r>
+            <a:endParaRPr lang="en-ID" sz="1600" dirty="0">
+              <a:solidFill>
+                <a:schemeClr val="bg1"/>
+              </a:solidFill>
+              <a:latin typeface="Inter" panose="020F0502020204030204" pitchFamily="2" charset="0"/>
+              <a:ea typeface="Inter" panose="020F0502020204030204" pitchFamily="2" charset="0"/>
+            </a:endParaRPr>
+          </a:p>
+          <a:p>
+            <a:r>
+              <a:rPr lang="en-ID" sz="1600" dirty="0">
+                <a:solidFill>
+                  <a:schemeClr val="bg1"/>
+                </a:solidFill>
+                <a:latin typeface="Inter" panose="020F0502020204030204" pitchFamily="2" charset="0"/>
+                <a:ea typeface="Inter" panose="020F0502020204030204" pitchFamily="2" charset="0"/>
+              </a:rPr>
+              <a:t>3. Update profile</a:t>
+            </a:r>
+          </a:p>
+          <a:p>
+            <a:r>
+              <a:rPr lang="en-ID" sz="1600" dirty="0">
+                <a:solidFill>
+                  <a:schemeClr val="bg1"/>
+                </a:solidFill>
+                <a:latin typeface="Inter" panose="020F0502020204030204" pitchFamily="2" charset="0"/>
+                <a:ea typeface="Inter" panose="020F0502020204030204" pitchFamily="2" charset="0"/>
+              </a:rPr>
+              <a:t>4. Search </a:t>
+            </a:r>
+            <a:r>
+              <a:rPr lang="en-ID" sz="1600" dirty="0" err="1">
+                <a:solidFill>
+                  <a:schemeClr val="bg1"/>
+                </a:solidFill>
+                <a:latin typeface="Inter" panose="020F0502020204030204" pitchFamily="2" charset="0"/>
+                <a:ea typeface="Inter" panose="020F0502020204030204" pitchFamily="2" charset="0"/>
+              </a:rPr>
+              <a:t>modul</a:t>
+            </a:r>
+            <a:r>
+              <a:rPr lang="en-ID" sz="1600" dirty="0">
+                <a:solidFill>
+                  <a:schemeClr val="bg1"/>
+                </a:solidFill>
+                <a:latin typeface="Inter" panose="020F0502020204030204" pitchFamily="2" charset="0"/>
+                <a:ea typeface="Inter" panose="020F0502020204030204" pitchFamily="2" charset="0"/>
+              </a:rPr>
+              <a:t> </a:t>
+            </a:r>
+            <a:r>
+              <a:rPr lang="en-ID" sz="1600" dirty="0" err="1">
+                <a:solidFill>
+                  <a:schemeClr val="bg1"/>
+                </a:solidFill>
+                <a:latin typeface="Inter" panose="020F0502020204030204" pitchFamily="2" charset="0"/>
+                <a:ea typeface="Inter" panose="020F0502020204030204" pitchFamily="2" charset="0"/>
+              </a:rPr>
+              <a:t>berdasarkan</a:t>
+            </a:r>
+            <a:r>
+              <a:rPr lang="en-ID" sz="1600" dirty="0">
+                <a:solidFill>
+                  <a:schemeClr val="bg1"/>
+                </a:solidFill>
+                <a:latin typeface="Inter" panose="020F0502020204030204" pitchFamily="2" charset="0"/>
+                <a:ea typeface="Inter" panose="020F0502020204030204" pitchFamily="2" charset="0"/>
+              </a:rPr>
+              <a:t> kata </a:t>
+            </a:r>
+            <a:r>
+              <a:rPr lang="en-ID" sz="1600" dirty="0" err="1">
+                <a:solidFill>
+                  <a:schemeClr val="bg1"/>
+                </a:solidFill>
+                <a:latin typeface="Inter" panose="020F0502020204030204" pitchFamily="2" charset="0"/>
+                <a:ea typeface="Inter" panose="020F0502020204030204" pitchFamily="2" charset="0"/>
+              </a:rPr>
+              <a:t>kunci</a:t>
+            </a:r>
+            <a:endParaRPr lang="en-ID" sz="1600" dirty="0">
+              <a:solidFill>
+                <a:schemeClr val="bg1"/>
+              </a:solidFill>
+              <a:latin typeface="Inter" panose="020F0502020204030204" pitchFamily="2" charset="0"/>
+              <a:ea typeface="Inter" panose="020F0502020204030204" pitchFamily="2" charset="0"/>
+            </a:endParaRPr>
+          </a:p>
+          <a:p>
+            <a:r>
+              <a:rPr lang="en-ID" sz="1600" dirty="0">
+                <a:solidFill>
+                  <a:schemeClr val="bg1"/>
+                </a:solidFill>
+                <a:latin typeface="Inter" panose="020F0502020204030204" pitchFamily="2" charset="0"/>
+                <a:ea typeface="Inter" panose="020F0502020204030204" pitchFamily="2" charset="0"/>
+              </a:rPr>
+              <a:t>5. Latihan </a:t>
+            </a:r>
+            <a:r>
+              <a:rPr lang="en-ID" sz="1600" dirty="0" err="1">
+                <a:solidFill>
+                  <a:schemeClr val="bg1"/>
+                </a:solidFill>
+                <a:latin typeface="Inter" panose="020F0502020204030204" pitchFamily="2" charset="0"/>
+                <a:ea typeface="Inter" panose="020F0502020204030204" pitchFamily="2" charset="0"/>
+              </a:rPr>
+              <a:t>soal</a:t>
+            </a:r>
+            <a:endParaRPr lang="en-ID" sz="1600" dirty="0">
+              <a:solidFill>
+                <a:schemeClr val="bg1"/>
+              </a:solidFill>
+              <a:latin typeface="Inter" panose="020F0502020204030204" pitchFamily="2" charset="0"/>
+              <a:ea typeface="Inter" panose="020F0502020204030204" pitchFamily="2" charset="0"/>
+            </a:endParaRPr>
+          </a:p>
+          <a:p>
+            <a:r>
+              <a:rPr lang="en-ID" sz="1600" dirty="0">
+                <a:solidFill>
+                  <a:schemeClr val="bg1"/>
+                </a:solidFill>
+                <a:latin typeface="Inter" panose="020F0502020204030204" pitchFamily="2" charset="0"/>
+                <a:ea typeface="Inter" panose="020F0502020204030204" pitchFamily="2" charset="0"/>
+              </a:rPr>
+              <a:t>6. </a:t>
+            </a:r>
+            <a:r>
+              <a:rPr lang="en-ID" sz="1600" dirty="0" err="1">
+                <a:solidFill>
+                  <a:schemeClr val="bg1"/>
+                </a:solidFill>
+                <a:latin typeface="Inter" panose="020F0502020204030204" pitchFamily="2" charset="0"/>
+                <a:ea typeface="Inter" panose="020F0502020204030204" pitchFamily="2" charset="0"/>
+              </a:rPr>
+              <a:t>Manajemen</a:t>
+            </a:r>
+            <a:r>
+              <a:rPr lang="en-ID" sz="1600" dirty="0">
+                <a:solidFill>
+                  <a:schemeClr val="bg1"/>
+                </a:solidFill>
+                <a:latin typeface="Inter" panose="020F0502020204030204" pitchFamily="2" charset="0"/>
+                <a:ea typeface="Inter" panose="020F0502020204030204" pitchFamily="2" charset="0"/>
+              </a:rPr>
+              <a:t> user oleh admin</a:t>
             </a:r>
           </a:p>
         </p:txBody>
@@ -13705,7 +12960,7 @@
         </p:blipFill>
         <p:spPr>
           <a:xfrm>
-            <a:off x="10334981" y="282772"/>
+            <a:off x="9231922" y="1478537"/>
             <a:ext cx="5221664" cy="2935753"/>
           </a:xfrm>
           <a:prstGeom prst="rect">
@@ -13740,7 +12995,7 @@
         </p:blipFill>
         <p:spPr>
           <a:xfrm>
-            <a:off x="9674822" y="4618138"/>
+            <a:off x="6014650" y="3760140"/>
             <a:ext cx="2070173" cy="2935753"/>
           </a:xfrm>
           <a:prstGeom prst="rect">
@@ -13765,8 +13020,8 @@
         </p:nvCxnSpPr>
         <p:spPr>
           <a:xfrm flipV="1">
-            <a:off x="2862751" y="6086015"/>
-            <a:ext cx="6812071" cy="31543"/>
+            <a:off x="4358544" y="5228017"/>
+            <a:ext cx="1656106" cy="1002809"/>
           </a:xfrm>
           <a:prstGeom prst="straightConnector1">
             <a:avLst/>
@@ -13810,9 +13065,9 @@
           <p:nvPr/>
         </p:nvCxnSpPr>
         <p:spPr>
-          <a:xfrm flipH="1" flipV="1">
-            <a:off x="10334981" y="1750649"/>
-            <a:ext cx="1410014" cy="4335366"/>
+          <a:xfrm flipV="1">
+            <a:off x="8084823" y="2946414"/>
+            <a:ext cx="1147099" cy="2281603"/>
           </a:xfrm>
           <a:prstGeom prst="straightConnector1">
             <a:avLst/>
@@ -13841,549 +13096,6 @@
       </p:cxnSp>
       <p:sp>
         <p:nvSpPr>
-          <p:cNvPr id="24" name="TextBox 23">
-            <a:extLst>
-              <a:ext uri="{FF2B5EF4-FFF2-40B4-BE49-F238E27FC236}">
-                <a16:creationId xmlns:a16="http://schemas.microsoft.com/office/drawing/2014/main" id="{1AF5D76D-E136-3689-639D-655B7F021968}"/>
-              </a:ext>
-            </a:extLst>
-          </p:cNvPr>
-          <p:cNvSpPr txBox="1"/>
-          <p:nvPr/>
-        </p:nvSpPr>
-        <p:spPr>
-          <a:xfrm>
-            <a:off x="3124471" y="3779909"/>
-            <a:ext cx="6231092" cy="1815882"/>
-          </a:xfrm>
-          <a:prstGeom prst="rect">
-            <a:avLst/>
-          </a:prstGeom>
-          <a:noFill/>
-        </p:spPr>
-        <p:txBody>
-          <a:bodyPr wrap="square" rtlCol="0">
-            <a:spAutoFit/>
-          </a:bodyPr>
-          <a:lstStyle/>
-          <a:p>
-            <a:r>
-              <a:rPr lang="en-ID" sz="1600" b="1" dirty="0" err="1">
-                <a:solidFill>
-                  <a:schemeClr val="bg1"/>
-                </a:solidFill>
-                <a:latin typeface="Inter" panose="020F0502020204030204" pitchFamily="2" charset="0"/>
-                <a:ea typeface="Inter" panose="020F0502020204030204" pitchFamily="2" charset="0"/>
-              </a:rPr>
-              <a:t>Pengembangan</a:t>
-            </a:r>
-            <a:r>
-              <a:rPr lang="en-ID" sz="1600" b="1" dirty="0">
-                <a:solidFill>
-                  <a:schemeClr val="bg1"/>
-                </a:solidFill>
-                <a:latin typeface="Inter" panose="020F0502020204030204" pitchFamily="2" charset="0"/>
-                <a:ea typeface="Inter" panose="020F0502020204030204" pitchFamily="2" charset="0"/>
-              </a:rPr>
-              <a:t> Fitur </a:t>
-            </a:r>
-            <a:r>
-              <a:rPr lang="en-ID" sz="1600" b="1" dirty="0" err="1">
-                <a:solidFill>
-                  <a:schemeClr val="bg1"/>
-                </a:solidFill>
-                <a:latin typeface="Inter" panose="020F0502020204030204" pitchFamily="2" charset="0"/>
-                <a:ea typeface="Inter" panose="020F0502020204030204" pitchFamily="2" charset="0"/>
-              </a:rPr>
-              <a:t>Rekomendasi</a:t>
-            </a:r>
-            <a:r>
-              <a:rPr lang="en-ID" sz="1600" b="1" dirty="0">
-                <a:solidFill>
-                  <a:schemeClr val="bg1"/>
-                </a:solidFill>
-                <a:latin typeface="Inter" panose="020F0502020204030204" pitchFamily="2" charset="0"/>
-                <a:ea typeface="Inter" panose="020F0502020204030204" pitchFamily="2" charset="0"/>
-              </a:rPr>
-              <a:t>:</a:t>
-            </a:r>
-            <a:r>
-              <a:rPr lang="en-ID" sz="1600" dirty="0">
-                <a:solidFill>
-                  <a:schemeClr val="bg1"/>
-                </a:solidFill>
-                <a:latin typeface="Inter" panose="020F0502020204030204" pitchFamily="2" charset="0"/>
-                <a:ea typeface="Inter" panose="020F0502020204030204" pitchFamily="2" charset="0"/>
-              </a:rPr>
-              <a:t> </a:t>
-            </a:r>
-            <a:r>
-              <a:rPr lang="en-ID" sz="1600" dirty="0" err="1">
-                <a:solidFill>
-                  <a:schemeClr val="bg1"/>
-                </a:solidFill>
-                <a:latin typeface="Inter" panose="020F0502020204030204" pitchFamily="2" charset="0"/>
-                <a:ea typeface="Inter" panose="020F0502020204030204" pitchFamily="2" charset="0"/>
-              </a:rPr>
-              <a:t>Melanjutkan</a:t>
-            </a:r>
-            <a:r>
-              <a:rPr lang="en-ID" sz="1600" dirty="0">
-                <a:solidFill>
-                  <a:schemeClr val="bg1"/>
-                </a:solidFill>
-                <a:latin typeface="Inter" panose="020F0502020204030204" pitchFamily="2" charset="0"/>
-                <a:ea typeface="Inter" panose="020F0502020204030204" pitchFamily="2" charset="0"/>
-              </a:rPr>
-              <a:t> </a:t>
-            </a:r>
-            <a:r>
-              <a:rPr lang="en-ID" sz="1600" dirty="0" err="1">
-                <a:solidFill>
-                  <a:schemeClr val="bg1"/>
-                </a:solidFill>
-                <a:latin typeface="Inter" panose="020F0502020204030204" pitchFamily="2" charset="0"/>
-                <a:ea typeface="Inter" panose="020F0502020204030204" pitchFamily="2" charset="0"/>
-              </a:rPr>
-              <a:t>pengembangan</a:t>
-            </a:r>
-            <a:r>
-              <a:rPr lang="en-ID" sz="1600" dirty="0">
-                <a:solidFill>
-                  <a:schemeClr val="bg1"/>
-                </a:solidFill>
-                <a:latin typeface="Inter" panose="020F0502020204030204" pitchFamily="2" charset="0"/>
-                <a:ea typeface="Inter" panose="020F0502020204030204" pitchFamily="2" charset="0"/>
-              </a:rPr>
-              <a:t> </a:t>
-            </a:r>
-            <a:r>
-              <a:rPr lang="en-ID" sz="1600" dirty="0" err="1">
-                <a:solidFill>
-                  <a:schemeClr val="bg1"/>
-                </a:solidFill>
-                <a:latin typeface="Inter" panose="020F0502020204030204" pitchFamily="2" charset="0"/>
-                <a:ea typeface="Inter" panose="020F0502020204030204" pitchFamily="2" charset="0"/>
-              </a:rPr>
-              <a:t>fitur</a:t>
-            </a:r>
-            <a:r>
-              <a:rPr lang="en-ID" sz="1600" dirty="0">
-                <a:solidFill>
-                  <a:schemeClr val="bg1"/>
-                </a:solidFill>
-                <a:latin typeface="Inter" panose="020F0502020204030204" pitchFamily="2" charset="0"/>
-                <a:ea typeface="Inter" panose="020F0502020204030204" pitchFamily="2" charset="0"/>
-              </a:rPr>
-              <a:t> </a:t>
-            </a:r>
-            <a:r>
-              <a:rPr lang="en-ID" sz="1600" dirty="0" err="1">
-                <a:solidFill>
-                  <a:schemeClr val="bg1"/>
-                </a:solidFill>
-                <a:latin typeface="Inter" panose="020F0502020204030204" pitchFamily="2" charset="0"/>
-                <a:ea typeface="Inter" panose="020F0502020204030204" pitchFamily="2" charset="0"/>
-              </a:rPr>
-              <a:t>rekomendasi</a:t>
-            </a:r>
-            <a:r>
-              <a:rPr lang="en-ID" sz="1600" dirty="0">
-                <a:solidFill>
-                  <a:schemeClr val="bg1"/>
-                </a:solidFill>
-                <a:latin typeface="Inter" panose="020F0502020204030204" pitchFamily="2" charset="0"/>
-                <a:ea typeface="Inter" panose="020F0502020204030204" pitchFamily="2" charset="0"/>
-              </a:rPr>
-              <a:t> </a:t>
-            </a:r>
-            <a:r>
-              <a:rPr lang="en-ID" sz="1600" dirty="0" err="1">
-                <a:solidFill>
-                  <a:schemeClr val="bg1"/>
-                </a:solidFill>
-                <a:latin typeface="Inter" panose="020F0502020204030204" pitchFamily="2" charset="0"/>
-                <a:ea typeface="Inter" panose="020F0502020204030204" pitchFamily="2" charset="0"/>
-              </a:rPr>
-              <a:t>dapat</a:t>
-            </a:r>
-            <a:r>
-              <a:rPr lang="en-ID" sz="1600" dirty="0">
-                <a:solidFill>
-                  <a:schemeClr val="bg1"/>
-                </a:solidFill>
-                <a:latin typeface="Inter" panose="020F0502020204030204" pitchFamily="2" charset="0"/>
-                <a:ea typeface="Inter" panose="020F0502020204030204" pitchFamily="2" charset="0"/>
-              </a:rPr>
-              <a:t> </a:t>
-            </a:r>
-            <a:r>
-              <a:rPr lang="en-ID" sz="1600" dirty="0" err="1">
-                <a:solidFill>
-                  <a:schemeClr val="bg1"/>
-                </a:solidFill>
-                <a:latin typeface="Inter" panose="020F0502020204030204" pitchFamily="2" charset="0"/>
-                <a:ea typeface="Inter" panose="020F0502020204030204" pitchFamily="2" charset="0"/>
-              </a:rPr>
-              <a:t>meningkatkan</a:t>
-            </a:r>
-            <a:r>
-              <a:rPr lang="en-ID" sz="1600" dirty="0">
-                <a:solidFill>
-                  <a:schemeClr val="bg1"/>
-                </a:solidFill>
-                <a:latin typeface="Inter" panose="020F0502020204030204" pitchFamily="2" charset="0"/>
-                <a:ea typeface="Inter" panose="020F0502020204030204" pitchFamily="2" charset="0"/>
-              </a:rPr>
-              <a:t> </a:t>
-            </a:r>
-            <a:r>
-              <a:rPr lang="en-ID" sz="1600" dirty="0" err="1">
-                <a:solidFill>
-                  <a:schemeClr val="bg1"/>
-                </a:solidFill>
-                <a:latin typeface="Inter" panose="020F0502020204030204" pitchFamily="2" charset="0"/>
-                <a:ea typeface="Inter" panose="020F0502020204030204" pitchFamily="2" charset="0"/>
-              </a:rPr>
-              <a:t>personalisasi</a:t>
-            </a:r>
-            <a:r>
-              <a:rPr lang="en-ID" sz="1600" dirty="0">
-                <a:solidFill>
-                  <a:schemeClr val="bg1"/>
-                </a:solidFill>
-                <a:latin typeface="Inter" panose="020F0502020204030204" pitchFamily="2" charset="0"/>
-                <a:ea typeface="Inter" panose="020F0502020204030204" pitchFamily="2" charset="0"/>
-              </a:rPr>
-              <a:t> dan </a:t>
-            </a:r>
-            <a:r>
-              <a:rPr lang="en-ID" sz="1600" dirty="0" err="1">
-                <a:solidFill>
-                  <a:schemeClr val="bg1"/>
-                </a:solidFill>
-                <a:latin typeface="Inter" panose="020F0502020204030204" pitchFamily="2" charset="0"/>
-                <a:ea typeface="Inter" panose="020F0502020204030204" pitchFamily="2" charset="0"/>
-              </a:rPr>
-              <a:t>kualitas</a:t>
-            </a:r>
-            <a:r>
-              <a:rPr lang="en-ID" sz="1600" dirty="0">
-                <a:solidFill>
-                  <a:schemeClr val="bg1"/>
-                </a:solidFill>
-                <a:latin typeface="Inter" panose="020F0502020204030204" pitchFamily="2" charset="0"/>
-                <a:ea typeface="Inter" panose="020F0502020204030204" pitchFamily="2" charset="0"/>
-              </a:rPr>
-              <a:t> </a:t>
-            </a:r>
-            <a:r>
-              <a:rPr lang="en-ID" sz="1600" dirty="0" err="1">
-                <a:solidFill>
-                  <a:schemeClr val="bg1"/>
-                </a:solidFill>
-                <a:latin typeface="Inter" panose="020F0502020204030204" pitchFamily="2" charset="0"/>
-                <a:ea typeface="Inter" panose="020F0502020204030204" pitchFamily="2" charset="0"/>
-              </a:rPr>
-              <a:t>rekomendasi</a:t>
-            </a:r>
-            <a:r>
-              <a:rPr lang="en-ID" sz="1600" dirty="0">
-                <a:solidFill>
-                  <a:schemeClr val="bg1"/>
-                </a:solidFill>
-                <a:latin typeface="Inter" panose="020F0502020204030204" pitchFamily="2" charset="0"/>
-                <a:ea typeface="Inter" panose="020F0502020204030204" pitchFamily="2" charset="0"/>
-              </a:rPr>
-              <a:t> </a:t>
-            </a:r>
-            <a:r>
-              <a:rPr lang="en-ID" sz="1600" dirty="0" err="1">
-                <a:solidFill>
-                  <a:schemeClr val="bg1"/>
-                </a:solidFill>
-                <a:latin typeface="Inter" panose="020F0502020204030204" pitchFamily="2" charset="0"/>
-                <a:ea typeface="Inter" panose="020F0502020204030204" pitchFamily="2" charset="0"/>
-              </a:rPr>
-              <a:t>modul</a:t>
-            </a:r>
-            <a:r>
-              <a:rPr lang="en-ID" sz="1600" dirty="0">
-                <a:solidFill>
-                  <a:schemeClr val="bg1"/>
-                </a:solidFill>
-                <a:latin typeface="Inter" panose="020F0502020204030204" pitchFamily="2" charset="0"/>
-                <a:ea typeface="Inter" panose="020F0502020204030204" pitchFamily="2" charset="0"/>
-              </a:rPr>
-              <a:t> </a:t>
-            </a:r>
-            <a:r>
-              <a:rPr lang="en-ID" sz="1600" dirty="0" err="1">
-                <a:solidFill>
-                  <a:schemeClr val="bg1"/>
-                </a:solidFill>
-                <a:latin typeface="Inter" panose="020F0502020204030204" pitchFamily="2" charset="0"/>
-                <a:ea typeface="Inter" panose="020F0502020204030204" pitchFamily="2" charset="0"/>
-              </a:rPr>
-              <a:t>pembelajaran</a:t>
-            </a:r>
-            <a:r>
-              <a:rPr lang="en-ID" sz="1600" dirty="0">
-                <a:solidFill>
-                  <a:schemeClr val="bg1"/>
-                </a:solidFill>
-                <a:latin typeface="Inter" panose="020F0502020204030204" pitchFamily="2" charset="0"/>
-                <a:ea typeface="Inter" panose="020F0502020204030204" pitchFamily="2" charset="0"/>
-              </a:rPr>
-              <a:t>.</a:t>
-            </a:r>
-          </a:p>
-          <a:p>
-            <a:endParaRPr lang="en-ID" sz="1600" dirty="0">
-              <a:solidFill>
-                <a:schemeClr val="bg1"/>
-              </a:solidFill>
-              <a:latin typeface="Inter" panose="020F0502020204030204" pitchFamily="2" charset="0"/>
-              <a:ea typeface="Inter" panose="020F0502020204030204" pitchFamily="2" charset="0"/>
-            </a:endParaRPr>
-          </a:p>
-          <a:p>
-            <a:r>
-              <a:rPr lang="en-ID" sz="1600" b="1" dirty="0" err="1">
-                <a:solidFill>
-                  <a:schemeClr val="bg1"/>
-                </a:solidFill>
-                <a:latin typeface="Inter" panose="020F0502020204030204" pitchFamily="2" charset="0"/>
-                <a:ea typeface="Inter" panose="020F0502020204030204" pitchFamily="2" charset="0"/>
-              </a:rPr>
-              <a:t>Pemperbaikan</a:t>
-            </a:r>
-            <a:r>
-              <a:rPr lang="en-ID" sz="1600" b="1" dirty="0">
-                <a:solidFill>
-                  <a:schemeClr val="bg1"/>
-                </a:solidFill>
-                <a:latin typeface="Inter" panose="020F0502020204030204" pitchFamily="2" charset="0"/>
-                <a:ea typeface="Inter" panose="020F0502020204030204" pitchFamily="2" charset="0"/>
-              </a:rPr>
-              <a:t> UI/UX Desain:</a:t>
-            </a:r>
-            <a:r>
-              <a:rPr lang="en-ID" sz="1600" dirty="0">
-                <a:solidFill>
-                  <a:schemeClr val="bg1"/>
-                </a:solidFill>
-                <a:latin typeface="Inter" panose="020F0502020204030204" pitchFamily="2" charset="0"/>
-                <a:ea typeface="Inter" panose="020F0502020204030204" pitchFamily="2" charset="0"/>
-              </a:rPr>
-              <a:t> </a:t>
-            </a:r>
-            <a:r>
-              <a:rPr lang="en-ID" sz="1600" dirty="0" err="1">
-                <a:solidFill>
-                  <a:schemeClr val="bg1"/>
-                </a:solidFill>
-                <a:latin typeface="Inter" panose="020F0502020204030204" pitchFamily="2" charset="0"/>
-                <a:ea typeface="Inter" panose="020F0502020204030204" pitchFamily="2" charset="0"/>
-              </a:rPr>
-              <a:t>Fokus</a:t>
-            </a:r>
-            <a:r>
-              <a:rPr lang="en-ID" sz="1600" dirty="0">
-                <a:solidFill>
-                  <a:schemeClr val="bg1"/>
-                </a:solidFill>
-                <a:latin typeface="Inter" panose="020F0502020204030204" pitchFamily="2" charset="0"/>
-                <a:ea typeface="Inter" panose="020F0502020204030204" pitchFamily="2" charset="0"/>
-              </a:rPr>
-              <a:t> pada </a:t>
-            </a:r>
-            <a:r>
-              <a:rPr lang="en-ID" sz="1600" dirty="0" err="1">
-                <a:solidFill>
-                  <a:schemeClr val="bg1"/>
-                </a:solidFill>
-                <a:latin typeface="Inter" panose="020F0502020204030204" pitchFamily="2" charset="0"/>
-                <a:ea typeface="Inter" panose="020F0502020204030204" pitchFamily="2" charset="0"/>
-              </a:rPr>
-              <a:t>pemperbaikan</a:t>
-            </a:r>
-            <a:r>
-              <a:rPr lang="en-ID" sz="1600" dirty="0">
-                <a:solidFill>
-                  <a:schemeClr val="bg1"/>
-                </a:solidFill>
-                <a:latin typeface="Inter" panose="020F0502020204030204" pitchFamily="2" charset="0"/>
-                <a:ea typeface="Inter" panose="020F0502020204030204" pitchFamily="2" charset="0"/>
-              </a:rPr>
-              <a:t> UI/UX </a:t>
-            </a:r>
-            <a:r>
-              <a:rPr lang="en-ID" sz="1600" dirty="0" err="1">
-                <a:solidFill>
-                  <a:schemeClr val="bg1"/>
-                </a:solidFill>
-                <a:latin typeface="Inter" panose="020F0502020204030204" pitchFamily="2" charset="0"/>
-                <a:ea typeface="Inter" panose="020F0502020204030204" pitchFamily="2" charset="0"/>
-              </a:rPr>
-              <a:t>desain</a:t>
-            </a:r>
-            <a:r>
-              <a:rPr lang="en-ID" sz="1600" dirty="0">
-                <a:solidFill>
-                  <a:schemeClr val="bg1"/>
-                </a:solidFill>
-                <a:latin typeface="Inter" panose="020F0502020204030204" pitchFamily="2" charset="0"/>
-                <a:ea typeface="Inter" panose="020F0502020204030204" pitchFamily="2" charset="0"/>
-              </a:rPr>
-              <a:t> </a:t>
-            </a:r>
-            <a:r>
-              <a:rPr lang="en-ID" sz="1600" dirty="0" err="1">
-                <a:solidFill>
-                  <a:schemeClr val="bg1"/>
-                </a:solidFill>
-                <a:latin typeface="Inter" panose="020F0502020204030204" pitchFamily="2" charset="0"/>
-                <a:ea typeface="Inter" panose="020F0502020204030204" pitchFamily="2" charset="0"/>
-              </a:rPr>
-              <a:t>akan</a:t>
-            </a:r>
-            <a:r>
-              <a:rPr lang="en-ID" sz="1600" dirty="0">
-                <a:solidFill>
-                  <a:schemeClr val="bg1"/>
-                </a:solidFill>
-                <a:latin typeface="Inter" panose="020F0502020204030204" pitchFamily="2" charset="0"/>
-                <a:ea typeface="Inter" panose="020F0502020204030204" pitchFamily="2" charset="0"/>
-              </a:rPr>
-              <a:t> </a:t>
-            </a:r>
-            <a:r>
-              <a:rPr lang="en-ID" sz="1600" dirty="0" err="1">
-                <a:solidFill>
-                  <a:schemeClr val="bg1"/>
-                </a:solidFill>
-                <a:latin typeface="Inter" panose="020F0502020204030204" pitchFamily="2" charset="0"/>
-                <a:ea typeface="Inter" panose="020F0502020204030204" pitchFamily="2" charset="0"/>
-              </a:rPr>
-              <a:t>meningkatkan</a:t>
-            </a:r>
-            <a:r>
-              <a:rPr lang="en-ID" sz="1600" dirty="0">
-                <a:solidFill>
-                  <a:schemeClr val="bg1"/>
-                </a:solidFill>
-                <a:latin typeface="Inter" panose="020F0502020204030204" pitchFamily="2" charset="0"/>
-                <a:ea typeface="Inter" panose="020F0502020204030204" pitchFamily="2" charset="0"/>
-              </a:rPr>
-              <a:t> </a:t>
-            </a:r>
-            <a:r>
-              <a:rPr lang="en-ID" sz="1600" dirty="0" err="1">
-                <a:solidFill>
-                  <a:schemeClr val="bg1"/>
-                </a:solidFill>
-                <a:latin typeface="Inter" panose="020F0502020204030204" pitchFamily="2" charset="0"/>
-                <a:ea typeface="Inter" panose="020F0502020204030204" pitchFamily="2" charset="0"/>
-              </a:rPr>
-              <a:t>pengalaman</a:t>
-            </a:r>
-            <a:r>
-              <a:rPr lang="en-ID" sz="1600" dirty="0">
-                <a:solidFill>
-                  <a:schemeClr val="bg1"/>
-                </a:solidFill>
-                <a:latin typeface="Inter" panose="020F0502020204030204" pitchFamily="2" charset="0"/>
-                <a:ea typeface="Inter" panose="020F0502020204030204" pitchFamily="2" charset="0"/>
-              </a:rPr>
-              <a:t> </a:t>
-            </a:r>
-            <a:r>
-              <a:rPr lang="en-ID" sz="1600" dirty="0" err="1">
-                <a:solidFill>
-                  <a:schemeClr val="bg1"/>
-                </a:solidFill>
-                <a:latin typeface="Inter" panose="020F0502020204030204" pitchFamily="2" charset="0"/>
-                <a:ea typeface="Inter" panose="020F0502020204030204" pitchFamily="2" charset="0"/>
-              </a:rPr>
-              <a:t>pengguna</a:t>
-            </a:r>
-            <a:r>
-              <a:rPr lang="en-ID" sz="1600" dirty="0">
-                <a:solidFill>
-                  <a:schemeClr val="bg1"/>
-                </a:solidFill>
-                <a:latin typeface="Inter" panose="020F0502020204030204" pitchFamily="2" charset="0"/>
-                <a:ea typeface="Inter" panose="020F0502020204030204" pitchFamily="2" charset="0"/>
-              </a:rPr>
-              <a:t> di </a:t>
-            </a:r>
-            <a:r>
-              <a:rPr lang="en-ID" sz="1600" dirty="0" err="1">
-                <a:solidFill>
-                  <a:schemeClr val="bg1"/>
-                </a:solidFill>
-                <a:latin typeface="Inter" panose="020F0502020204030204" pitchFamily="2" charset="0"/>
-                <a:ea typeface="Inter" panose="020F0502020204030204" pitchFamily="2" charset="0"/>
-              </a:rPr>
-              <a:t>Learniverse</a:t>
-            </a:r>
-            <a:r>
-              <a:rPr lang="en-ID" sz="1600" dirty="0">
-                <a:solidFill>
-                  <a:schemeClr val="bg1"/>
-                </a:solidFill>
-                <a:latin typeface="Inter" panose="020F0502020204030204" pitchFamily="2" charset="0"/>
-                <a:ea typeface="Inter" panose="020F0502020204030204" pitchFamily="2" charset="0"/>
-              </a:rPr>
-              <a:t>.</a:t>
-            </a:r>
-          </a:p>
-        </p:txBody>
-      </p:sp>
-      <p:cxnSp>
-        <p:nvCxnSpPr>
-          <p:cNvPr id="26" name="Straight Connector 25">
-            <a:extLst>
-              <a:ext uri="{FF2B5EF4-FFF2-40B4-BE49-F238E27FC236}">
-                <a16:creationId xmlns:a16="http://schemas.microsoft.com/office/drawing/2014/main" id="{EAC2FF47-6A6D-96E3-4309-98B11B29FE60}"/>
-              </a:ext>
-            </a:extLst>
-          </p:cNvPr>
-          <p:cNvCxnSpPr/>
-          <p:nvPr/>
-        </p:nvCxnSpPr>
-        <p:spPr>
-          <a:xfrm flipH="1">
-            <a:off x="-304800" y="4133850"/>
-            <a:ext cx="2838450" cy="0"/>
-          </a:xfrm>
-          <a:prstGeom prst="line">
-            <a:avLst/>
-          </a:prstGeom>
-          <a:ln w="25400">
-            <a:solidFill>
-              <a:schemeClr val="bg1"/>
-            </a:solidFill>
-          </a:ln>
-        </p:spPr>
-        <p:style>
-          <a:lnRef idx="1">
-            <a:schemeClr val="accent1"/>
-          </a:lnRef>
-          <a:fillRef idx="0">
-            <a:schemeClr val="accent1"/>
-          </a:fillRef>
-          <a:effectRef idx="0">
-            <a:schemeClr val="accent1"/>
-          </a:effectRef>
-          <a:fontRef idx="minor">
-            <a:schemeClr val="tx1"/>
-          </a:fontRef>
-        </p:style>
-      </p:cxnSp>
-      <p:sp>
-        <p:nvSpPr>
           <p:cNvPr id="28" name="TextBox 27">
             <a:extLst>
               <a:ext uri="{FF2B5EF4-FFF2-40B4-BE49-F238E27FC236}">
@@ -14779,6 +13491,197 @@
           </a:prstGeom>
         </p:spPr>
       </p:pic>
+      <p:sp>
+        <p:nvSpPr>
+          <p:cNvPr id="13" name="TextBox 12">
+            <a:extLst>
+              <a:ext uri="{FF2B5EF4-FFF2-40B4-BE49-F238E27FC236}">
+                <a16:creationId xmlns:a16="http://schemas.microsoft.com/office/drawing/2014/main" id="{508150BC-17D3-16AA-2BBB-D6B9F6C9DDA5}"/>
+              </a:ext>
+            </a:extLst>
+          </p:cNvPr>
+          <p:cNvSpPr txBox="1"/>
+          <p:nvPr/>
+        </p:nvSpPr>
+        <p:spPr>
+          <a:xfrm>
+            <a:off x="735038" y="2092462"/>
+            <a:ext cx="5073392" cy="584775"/>
+          </a:xfrm>
+          <a:prstGeom prst="rect">
+            <a:avLst/>
+          </a:prstGeom>
+          <a:noFill/>
+        </p:spPr>
+        <p:txBody>
+          <a:bodyPr wrap="square" rtlCol="0">
+            <a:spAutoFit/>
+          </a:bodyPr>
+          <a:lstStyle/>
+          <a:p>
+            <a:r>
+              <a:rPr lang="en-ID" sz="1600" dirty="0" err="1">
+                <a:solidFill>
+                  <a:schemeClr val="bg1"/>
+                </a:solidFill>
+                <a:latin typeface="Inter" panose="020F0502020204030204" pitchFamily="2" charset="0"/>
+                <a:ea typeface="Inter" panose="020F0502020204030204" pitchFamily="2" charset="0"/>
+              </a:rPr>
+              <a:t>Untuk</a:t>
+            </a:r>
+            <a:r>
+              <a:rPr lang="en-ID" sz="1600" dirty="0">
+                <a:solidFill>
+                  <a:schemeClr val="bg1"/>
+                </a:solidFill>
+                <a:latin typeface="Inter" panose="020F0502020204030204" pitchFamily="2" charset="0"/>
+                <a:ea typeface="Inter" panose="020F0502020204030204" pitchFamily="2" charset="0"/>
+              </a:rPr>
+              <a:t> </a:t>
+            </a:r>
+            <a:r>
+              <a:rPr lang="en-ID" sz="1600" dirty="0" err="1">
+                <a:solidFill>
+                  <a:schemeClr val="bg1"/>
+                </a:solidFill>
+                <a:latin typeface="Inter" panose="020F0502020204030204" pitchFamily="2" charset="0"/>
+                <a:ea typeface="Inter" panose="020F0502020204030204" pitchFamily="2" charset="0"/>
+              </a:rPr>
+              <a:t>pengembangan</a:t>
+            </a:r>
+            <a:r>
+              <a:rPr lang="en-ID" sz="1600" dirty="0">
+                <a:solidFill>
+                  <a:schemeClr val="bg1"/>
+                </a:solidFill>
+                <a:latin typeface="Inter" panose="020F0502020204030204" pitchFamily="2" charset="0"/>
+                <a:ea typeface="Inter" panose="020F0502020204030204" pitchFamily="2" charset="0"/>
+              </a:rPr>
+              <a:t> </a:t>
+            </a:r>
+            <a:r>
+              <a:rPr lang="en-ID" sz="1600" dirty="0" err="1">
+                <a:solidFill>
+                  <a:schemeClr val="bg1"/>
+                </a:solidFill>
+                <a:latin typeface="Inter" panose="020F0502020204030204" pitchFamily="2" charset="0"/>
+                <a:ea typeface="Inter" panose="020F0502020204030204" pitchFamily="2" charset="0"/>
+              </a:rPr>
+              <a:t>selanjutnya</a:t>
+            </a:r>
+            <a:r>
+              <a:rPr lang="en-ID" sz="1600" dirty="0">
+                <a:solidFill>
+                  <a:schemeClr val="bg1"/>
+                </a:solidFill>
+                <a:latin typeface="Inter" panose="020F0502020204030204" pitchFamily="2" charset="0"/>
+                <a:ea typeface="Inter" panose="020F0502020204030204" pitchFamily="2" charset="0"/>
+              </a:rPr>
+              <a:t>, </a:t>
+            </a:r>
+            <a:r>
+              <a:rPr lang="en-ID" sz="1600" dirty="0" err="1">
+                <a:solidFill>
+                  <a:schemeClr val="bg1"/>
+                </a:solidFill>
+                <a:latin typeface="Inter" panose="020F0502020204030204" pitchFamily="2" charset="0"/>
+                <a:ea typeface="Inter" panose="020F0502020204030204" pitchFamily="2" charset="0"/>
+              </a:rPr>
+              <a:t>Learniverse</a:t>
+            </a:r>
+            <a:r>
+              <a:rPr lang="en-ID" sz="1600" dirty="0">
+                <a:solidFill>
+                  <a:schemeClr val="bg1"/>
+                </a:solidFill>
+                <a:latin typeface="Inter" panose="020F0502020204030204" pitchFamily="2" charset="0"/>
+                <a:ea typeface="Inter" panose="020F0502020204030204" pitchFamily="2" charset="0"/>
+              </a:rPr>
+              <a:t> </a:t>
+            </a:r>
+            <a:r>
+              <a:rPr lang="en-ID" sz="1600" dirty="0" err="1">
+                <a:solidFill>
+                  <a:schemeClr val="bg1"/>
+                </a:solidFill>
+                <a:latin typeface="Inter" panose="020F0502020204030204" pitchFamily="2" charset="0"/>
+                <a:ea typeface="Inter" panose="020F0502020204030204" pitchFamily="2" charset="0"/>
+              </a:rPr>
+              <a:t>dapat</a:t>
+            </a:r>
+            <a:r>
+              <a:rPr lang="en-ID" sz="1600" dirty="0">
+                <a:solidFill>
+                  <a:schemeClr val="bg1"/>
+                </a:solidFill>
+                <a:latin typeface="Inter" panose="020F0502020204030204" pitchFamily="2" charset="0"/>
+                <a:ea typeface="Inter" panose="020F0502020204030204" pitchFamily="2" charset="0"/>
+              </a:rPr>
+              <a:t> </a:t>
+            </a:r>
+            <a:r>
+              <a:rPr lang="en-ID" sz="1600" dirty="0" err="1">
+                <a:solidFill>
+                  <a:schemeClr val="bg1"/>
+                </a:solidFill>
+                <a:latin typeface="Inter" panose="020F0502020204030204" pitchFamily="2" charset="0"/>
+                <a:ea typeface="Inter" panose="020F0502020204030204" pitchFamily="2" charset="0"/>
+              </a:rPr>
+              <a:t>mempertimbangkan</a:t>
+            </a:r>
+            <a:r>
+              <a:rPr lang="en-ID" sz="1600" dirty="0">
+                <a:solidFill>
+                  <a:schemeClr val="bg1"/>
+                </a:solidFill>
+                <a:latin typeface="Inter" panose="020F0502020204030204" pitchFamily="2" charset="0"/>
+                <a:ea typeface="Inter" panose="020F0502020204030204" pitchFamily="2" charset="0"/>
+              </a:rPr>
+              <a:t> </a:t>
+            </a:r>
+            <a:r>
+              <a:rPr lang="en-ID" sz="1600" dirty="0" err="1">
+                <a:solidFill>
+                  <a:schemeClr val="bg1"/>
+                </a:solidFill>
+                <a:latin typeface="Inter" panose="020F0502020204030204" pitchFamily="2" charset="0"/>
+                <a:ea typeface="Inter" panose="020F0502020204030204" pitchFamily="2" charset="0"/>
+              </a:rPr>
+              <a:t>fitur-fitur</a:t>
+            </a:r>
+            <a:r>
+              <a:rPr lang="en-ID" sz="1600" dirty="0">
+                <a:solidFill>
+                  <a:schemeClr val="bg1"/>
+                </a:solidFill>
+                <a:latin typeface="Inter" panose="020F0502020204030204" pitchFamily="2" charset="0"/>
+                <a:ea typeface="Inter" panose="020F0502020204030204" pitchFamily="2" charset="0"/>
+              </a:rPr>
+              <a:t> </a:t>
+            </a:r>
+            <a:r>
+              <a:rPr lang="en-ID" sz="1600" dirty="0" err="1">
+                <a:solidFill>
+                  <a:schemeClr val="bg1"/>
+                </a:solidFill>
+                <a:latin typeface="Inter" panose="020F0502020204030204" pitchFamily="2" charset="0"/>
+                <a:ea typeface="Inter" panose="020F0502020204030204" pitchFamily="2" charset="0"/>
+              </a:rPr>
+              <a:t>berikut</a:t>
+            </a:r>
+            <a:r>
+              <a:rPr lang="en-ID" sz="1600" dirty="0">
+                <a:solidFill>
+                  <a:schemeClr val="bg1"/>
+                </a:solidFill>
+                <a:latin typeface="Inter" panose="020F0502020204030204" pitchFamily="2" charset="0"/>
+                <a:ea typeface="Inter" panose="020F0502020204030204" pitchFamily="2" charset="0"/>
+              </a:rPr>
+              <a:t>:</a:t>
+            </a:r>
+          </a:p>
+        </p:txBody>
+      </p:sp>
     </p:spTree>
     <p:extLst>
       <p:ext uri="{BB962C8B-B14F-4D97-AF65-F5344CB8AC3E}">
@@ -14789,13 +13692,13 @@
   <p:clrMapOvr>
     <a:masterClrMapping/>
   </p:clrMapOvr>
-  <mc:AlternateContent xmlns:mc="http://schemas.openxmlformats.org/markup-compatibility/2006">
-    <mc:Choice xmlns:p159="http://schemas.microsoft.com/office/powerpoint/2015/09/main" Requires="p159">
+  <mc:AlternateContent xmlns:mc="http://schemas.openxmlformats.org/markup-compatibility/2006" xmlns:p159="http://schemas.microsoft.com/office/powerpoint/2015/09/main">
+    <mc:Choice Requires="p159">
       <p:transition xmlns:p14="http://schemas.microsoft.com/office/powerpoint/2010/main" spd="slow" p14:dur="1500">
         <p159:morph option="byObject"/>
       </p:transition>
     </mc:Choice>
-    <mc:Fallback>
+    <mc:Fallback xmlns="">
       <p:transition spd="slow">
         <p:fade/>
       </p:transition>
@@ -14893,468 +13796,6 @@
       </p:sp>
       <p:sp>
         <p:nvSpPr>
-          <p:cNvPr id="2" name="TextBox 1">
-            <a:extLst>
-              <a:ext uri="{FF2B5EF4-FFF2-40B4-BE49-F238E27FC236}">
-                <a16:creationId xmlns:a16="http://schemas.microsoft.com/office/drawing/2014/main" id="{01857CFE-3853-801F-182D-7D970971C781}"/>
-              </a:ext>
-            </a:extLst>
-          </p:cNvPr>
-          <p:cNvSpPr txBox="1"/>
-          <p:nvPr/>
-        </p:nvSpPr>
-        <p:spPr>
-          <a:xfrm>
-            <a:off x="735038" y="-3874119"/>
-            <a:ext cx="6231092" cy="1569660"/>
-          </a:xfrm>
-          <a:prstGeom prst="rect">
-            <a:avLst/>
-          </a:prstGeom>
-          <a:noFill/>
-        </p:spPr>
-        <p:txBody>
-          <a:bodyPr wrap="square" rtlCol="0">
-            <a:spAutoFit/>
-          </a:bodyPr>
-          <a:lstStyle/>
-          <a:p>
-            <a:r>
-              <a:rPr lang="en-ID" sz="1600" dirty="0" err="1">
-                <a:solidFill>
-                  <a:schemeClr val="bg1"/>
-                </a:solidFill>
-                <a:latin typeface="Inter" panose="020F0502020204030204" pitchFamily="2" charset="0"/>
-                <a:ea typeface="Inter" panose="020F0502020204030204" pitchFamily="2" charset="0"/>
-              </a:rPr>
-              <a:t>Untuk</a:t>
-            </a:r>
-            <a:r>
-              <a:rPr lang="en-ID" sz="1600" dirty="0">
-                <a:solidFill>
-                  <a:schemeClr val="bg1"/>
-                </a:solidFill>
-                <a:latin typeface="Inter" panose="020F0502020204030204" pitchFamily="2" charset="0"/>
-                <a:ea typeface="Inter" panose="020F0502020204030204" pitchFamily="2" charset="0"/>
-              </a:rPr>
-              <a:t> </a:t>
-            </a:r>
-            <a:r>
-              <a:rPr lang="en-ID" sz="1600" dirty="0" err="1">
-                <a:solidFill>
-                  <a:schemeClr val="bg1"/>
-                </a:solidFill>
-                <a:latin typeface="Inter" panose="020F0502020204030204" pitchFamily="2" charset="0"/>
-                <a:ea typeface="Inter" panose="020F0502020204030204" pitchFamily="2" charset="0"/>
-              </a:rPr>
-              <a:t>pengembangan</a:t>
-            </a:r>
-            <a:r>
-              <a:rPr lang="en-ID" sz="1600" dirty="0">
-                <a:solidFill>
-                  <a:schemeClr val="bg1"/>
-                </a:solidFill>
-                <a:latin typeface="Inter" panose="020F0502020204030204" pitchFamily="2" charset="0"/>
-                <a:ea typeface="Inter" panose="020F0502020204030204" pitchFamily="2" charset="0"/>
-              </a:rPr>
-              <a:t> </a:t>
-            </a:r>
-            <a:r>
-              <a:rPr lang="en-ID" sz="1600" dirty="0" err="1">
-                <a:solidFill>
-                  <a:schemeClr val="bg1"/>
-                </a:solidFill>
-                <a:latin typeface="Inter" panose="020F0502020204030204" pitchFamily="2" charset="0"/>
-                <a:ea typeface="Inter" panose="020F0502020204030204" pitchFamily="2" charset="0"/>
-              </a:rPr>
-              <a:t>selanjutnya</a:t>
-            </a:r>
-            <a:r>
-              <a:rPr lang="en-ID" sz="1600" dirty="0">
-                <a:solidFill>
-                  <a:schemeClr val="bg1"/>
-                </a:solidFill>
-                <a:latin typeface="Inter" panose="020F0502020204030204" pitchFamily="2" charset="0"/>
-                <a:ea typeface="Inter" panose="020F0502020204030204" pitchFamily="2" charset="0"/>
-              </a:rPr>
-              <a:t>, </a:t>
-            </a:r>
-            <a:r>
-              <a:rPr lang="en-ID" sz="1600" dirty="0" err="1">
-                <a:solidFill>
-                  <a:schemeClr val="bg1"/>
-                </a:solidFill>
-                <a:latin typeface="Inter" panose="020F0502020204030204" pitchFamily="2" charset="0"/>
-                <a:ea typeface="Inter" panose="020F0502020204030204" pitchFamily="2" charset="0"/>
-              </a:rPr>
-              <a:t>Learniverse</a:t>
-            </a:r>
-            <a:r>
-              <a:rPr lang="en-ID" sz="1600" dirty="0">
-                <a:solidFill>
-                  <a:schemeClr val="bg1"/>
-                </a:solidFill>
-                <a:latin typeface="Inter" panose="020F0502020204030204" pitchFamily="2" charset="0"/>
-                <a:ea typeface="Inter" panose="020F0502020204030204" pitchFamily="2" charset="0"/>
-              </a:rPr>
-              <a:t> </a:t>
-            </a:r>
-            <a:r>
-              <a:rPr lang="en-ID" sz="1600" dirty="0" err="1">
-                <a:solidFill>
-                  <a:schemeClr val="bg1"/>
-                </a:solidFill>
-                <a:latin typeface="Inter" panose="020F0502020204030204" pitchFamily="2" charset="0"/>
-                <a:ea typeface="Inter" panose="020F0502020204030204" pitchFamily="2" charset="0"/>
-              </a:rPr>
-              <a:t>dapat</a:t>
-            </a:r>
-            <a:r>
-              <a:rPr lang="en-ID" sz="1600" dirty="0">
-                <a:solidFill>
-                  <a:schemeClr val="bg1"/>
-                </a:solidFill>
-                <a:latin typeface="Inter" panose="020F0502020204030204" pitchFamily="2" charset="0"/>
-                <a:ea typeface="Inter" panose="020F0502020204030204" pitchFamily="2" charset="0"/>
-              </a:rPr>
-              <a:t> </a:t>
-            </a:r>
-            <a:r>
-              <a:rPr lang="en-ID" sz="1600" dirty="0" err="1">
-                <a:solidFill>
-                  <a:schemeClr val="bg1"/>
-                </a:solidFill>
-                <a:latin typeface="Inter" panose="020F0502020204030204" pitchFamily="2" charset="0"/>
-                <a:ea typeface="Inter" panose="020F0502020204030204" pitchFamily="2" charset="0"/>
-              </a:rPr>
-              <a:t>mempertimbangkan</a:t>
-            </a:r>
-            <a:r>
-              <a:rPr lang="en-ID" sz="1600" dirty="0">
-                <a:solidFill>
-                  <a:schemeClr val="bg1"/>
-                </a:solidFill>
-                <a:latin typeface="Inter" panose="020F0502020204030204" pitchFamily="2" charset="0"/>
-                <a:ea typeface="Inter" panose="020F0502020204030204" pitchFamily="2" charset="0"/>
-              </a:rPr>
-              <a:t> </a:t>
-            </a:r>
-            <a:r>
-              <a:rPr lang="en-ID" sz="1600" dirty="0" err="1">
-                <a:solidFill>
-                  <a:schemeClr val="bg1"/>
-                </a:solidFill>
-                <a:latin typeface="Inter" panose="020F0502020204030204" pitchFamily="2" charset="0"/>
-                <a:ea typeface="Inter" panose="020F0502020204030204" pitchFamily="2" charset="0"/>
-              </a:rPr>
-              <a:t>fitur-fitur</a:t>
-            </a:r>
-            <a:r>
-              <a:rPr lang="en-ID" sz="1600" dirty="0">
-                <a:solidFill>
-                  <a:schemeClr val="bg1"/>
-                </a:solidFill>
-                <a:latin typeface="Inter" panose="020F0502020204030204" pitchFamily="2" charset="0"/>
-                <a:ea typeface="Inter" panose="020F0502020204030204" pitchFamily="2" charset="0"/>
-              </a:rPr>
-              <a:t> </a:t>
-            </a:r>
-            <a:r>
-              <a:rPr lang="en-ID" sz="1600" dirty="0" err="1">
-                <a:solidFill>
-                  <a:schemeClr val="bg1"/>
-                </a:solidFill>
-                <a:latin typeface="Inter" panose="020F0502020204030204" pitchFamily="2" charset="0"/>
-                <a:ea typeface="Inter" panose="020F0502020204030204" pitchFamily="2" charset="0"/>
-              </a:rPr>
-              <a:t>berikut</a:t>
-            </a:r>
-            <a:r>
-              <a:rPr lang="en-ID" sz="1600" dirty="0">
-                <a:solidFill>
-                  <a:schemeClr val="bg1"/>
-                </a:solidFill>
-                <a:latin typeface="Inter" panose="020F0502020204030204" pitchFamily="2" charset="0"/>
-                <a:ea typeface="Inter" panose="020F0502020204030204" pitchFamily="2" charset="0"/>
-              </a:rPr>
-              <a:t>:</a:t>
-            </a:r>
-          </a:p>
-          <a:p>
-            <a:endParaRPr lang="en-ID" sz="1600" dirty="0">
-              <a:solidFill>
-                <a:schemeClr val="bg1"/>
-              </a:solidFill>
-              <a:latin typeface="Inter" panose="020F0502020204030204" pitchFamily="2" charset="0"/>
-              <a:ea typeface="Inter" panose="020F0502020204030204" pitchFamily="2" charset="0"/>
-            </a:endParaRPr>
-          </a:p>
-          <a:p>
-            <a:r>
-              <a:rPr lang="en-ID" sz="1600" b="1" dirty="0" err="1">
-                <a:solidFill>
-                  <a:schemeClr val="bg1"/>
-                </a:solidFill>
-                <a:latin typeface="Inter" panose="020F0502020204030204" pitchFamily="2" charset="0"/>
-                <a:ea typeface="Inter" panose="020F0502020204030204" pitchFamily="2" charset="0"/>
-              </a:rPr>
-              <a:t>Validasi</a:t>
-            </a:r>
-            <a:r>
-              <a:rPr lang="en-ID" sz="1600" b="1" dirty="0">
-                <a:solidFill>
-                  <a:schemeClr val="bg1"/>
-                </a:solidFill>
-                <a:latin typeface="Inter" panose="020F0502020204030204" pitchFamily="2" charset="0"/>
-                <a:ea typeface="Inter" panose="020F0502020204030204" pitchFamily="2" charset="0"/>
-              </a:rPr>
-              <a:t> Input: </a:t>
-            </a:r>
-            <a:r>
-              <a:rPr lang="en-ID" sz="1600" dirty="0" err="1">
-                <a:solidFill>
-                  <a:schemeClr val="bg1"/>
-                </a:solidFill>
-                <a:latin typeface="Inter" panose="020F0502020204030204" pitchFamily="2" charset="0"/>
-                <a:ea typeface="Inter" panose="020F0502020204030204" pitchFamily="2" charset="0"/>
-              </a:rPr>
-              <a:t>Menambahkan</a:t>
-            </a:r>
-            <a:r>
-              <a:rPr lang="en-ID" sz="1600" dirty="0">
-                <a:solidFill>
-                  <a:schemeClr val="bg1"/>
-                </a:solidFill>
-                <a:latin typeface="Inter" panose="020F0502020204030204" pitchFamily="2" charset="0"/>
-                <a:ea typeface="Inter" panose="020F0502020204030204" pitchFamily="2" charset="0"/>
-              </a:rPr>
-              <a:t> </a:t>
-            </a:r>
-            <a:r>
-              <a:rPr lang="en-ID" sz="1600" dirty="0" err="1">
-                <a:solidFill>
-                  <a:schemeClr val="bg1"/>
-                </a:solidFill>
-                <a:latin typeface="Inter" panose="020F0502020204030204" pitchFamily="2" charset="0"/>
-                <a:ea typeface="Inter" panose="020F0502020204030204" pitchFamily="2" charset="0"/>
-              </a:rPr>
-              <a:t>fitur</a:t>
-            </a:r>
-            <a:r>
-              <a:rPr lang="en-ID" sz="1600" dirty="0">
-                <a:solidFill>
-                  <a:schemeClr val="bg1"/>
-                </a:solidFill>
-                <a:latin typeface="Inter" panose="020F0502020204030204" pitchFamily="2" charset="0"/>
-                <a:ea typeface="Inter" panose="020F0502020204030204" pitchFamily="2" charset="0"/>
-              </a:rPr>
-              <a:t> </a:t>
-            </a:r>
-            <a:r>
-              <a:rPr lang="en-ID" sz="1600" dirty="0" err="1">
-                <a:solidFill>
-                  <a:schemeClr val="bg1"/>
-                </a:solidFill>
-                <a:latin typeface="Inter" panose="020F0502020204030204" pitchFamily="2" charset="0"/>
-                <a:ea typeface="Inter" panose="020F0502020204030204" pitchFamily="2" charset="0"/>
-              </a:rPr>
-              <a:t>validasi</a:t>
-            </a:r>
-            <a:r>
-              <a:rPr lang="en-ID" sz="1600" dirty="0">
-                <a:solidFill>
-                  <a:schemeClr val="bg1"/>
-                </a:solidFill>
-                <a:latin typeface="Inter" panose="020F0502020204030204" pitchFamily="2" charset="0"/>
-                <a:ea typeface="Inter" panose="020F0502020204030204" pitchFamily="2" charset="0"/>
-              </a:rPr>
-              <a:t> input pada platform </a:t>
-            </a:r>
-            <a:r>
-              <a:rPr lang="en-ID" sz="1600" dirty="0" err="1">
-                <a:solidFill>
-                  <a:schemeClr val="bg1"/>
-                </a:solidFill>
-                <a:latin typeface="Inter" panose="020F0502020204030204" pitchFamily="2" charset="0"/>
-                <a:ea typeface="Inter" panose="020F0502020204030204" pitchFamily="2" charset="0"/>
-              </a:rPr>
-              <a:t>akan</a:t>
-            </a:r>
-            <a:r>
-              <a:rPr lang="en-ID" sz="1600" dirty="0">
-                <a:solidFill>
-                  <a:schemeClr val="bg1"/>
-                </a:solidFill>
-                <a:latin typeface="Inter" panose="020F0502020204030204" pitchFamily="2" charset="0"/>
-                <a:ea typeface="Inter" panose="020F0502020204030204" pitchFamily="2" charset="0"/>
-              </a:rPr>
-              <a:t> </a:t>
-            </a:r>
-            <a:r>
-              <a:rPr lang="en-ID" sz="1600" dirty="0" err="1">
-                <a:solidFill>
-                  <a:schemeClr val="bg1"/>
-                </a:solidFill>
-                <a:latin typeface="Inter" panose="020F0502020204030204" pitchFamily="2" charset="0"/>
-                <a:ea typeface="Inter" panose="020F0502020204030204" pitchFamily="2" charset="0"/>
-              </a:rPr>
-              <a:t>membantu</a:t>
-            </a:r>
-            <a:r>
-              <a:rPr lang="en-ID" sz="1600" dirty="0">
-                <a:solidFill>
-                  <a:schemeClr val="bg1"/>
-                </a:solidFill>
-                <a:latin typeface="Inter" panose="020F0502020204030204" pitchFamily="2" charset="0"/>
-                <a:ea typeface="Inter" panose="020F0502020204030204" pitchFamily="2" charset="0"/>
-              </a:rPr>
-              <a:t> </a:t>
-            </a:r>
-            <a:r>
-              <a:rPr lang="en-ID" sz="1600" dirty="0" err="1">
-                <a:solidFill>
-                  <a:schemeClr val="bg1"/>
-                </a:solidFill>
-                <a:latin typeface="Inter" panose="020F0502020204030204" pitchFamily="2" charset="0"/>
-                <a:ea typeface="Inter" panose="020F0502020204030204" pitchFamily="2" charset="0"/>
-              </a:rPr>
-              <a:t>pengguna</a:t>
-            </a:r>
-            <a:r>
-              <a:rPr lang="en-ID" sz="1600" dirty="0">
-                <a:solidFill>
-                  <a:schemeClr val="bg1"/>
-                </a:solidFill>
-                <a:latin typeface="Inter" panose="020F0502020204030204" pitchFamily="2" charset="0"/>
-                <a:ea typeface="Inter" panose="020F0502020204030204" pitchFamily="2" charset="0"/>
-              </a:rPr>
-              <a:t> </a:t>
-            </a:r>
-            <a:r>
-              <a:rPr lang="en-ID" sz="1600" dirty="0" err="1">
-                <a:solidFill>
-                  <a:schemeClr val="bg1"/>
-                </a:solidFill>
-                <a:latin typeface="Inter" panose="020F0502020204030204" pitchFamily="2" charset="0"/>
-                <a:ea typeface="Inter" panose="020F0502020204030204" pitchFamily="2" charset="0"/>
-              </a:rPr>
-              <a:t>dalam</a:t>
-            </a:r>
-            <a:r>
-              <a:rPr lang="en-ID" sz="1600" dirty="0">
-                <a:solidFill>
-                  <a:schemeClr val="bg1"/>
-                </a:solidFill>
-                <a:latin typeface="Inter" panose="020F0502020204030204" pitchFamily="2" charset="0"/>
-                <a:ea typeface="Inter" panose="020F0502020204030204" pitchFamily="2" charset="0"/>
-              </a:rPr>
-              <a:t> </a:t>
-            </a:r>
-            <a:r>
-              <a:rPr lang="en-ID" sz="1600" dirty="0" err="1">
-                <a:solidFill>
-                  <a:schemeClr val="bg1"/>
-                </a:solidFill>
-                <a:latin typeface="Inter" panose="020F0502020204030204" pitchFamily="2" charset="0"/>
-                <a:ea typeface="Inter" panose="020F0502020204030204" pitchFamily="2" charset="0"/>
-              </a:rPr>
-              <a:t>memasukkan</a:t>
-            </a:r>
-            <a:r>
-              <a:rPr lang="en-ID" sz="1600" dirty="0">
-                <a:solidFill>
-                  <a:schemeClr val="bg1"/>
-                </a:solidFill>
-                <a:latin typeface="Inter" panose="020F0502020204030204" pitchFamily="2" charset="0"/>
-                <a:ea typeface="Inter" panose="020F0502020204030204" pitchFamily="2" charset="0"/>
-              </a:rPr>
-              <a:t> data </a:t>
-            </a:r>
-            <a:r>
-              <a:rPr lang="en-ID" sz="1600" dirty="0" err="1">
-                <a:solidFill>
-                  <a:schemeClr val="bg1"/>
-                </a:solidFill>
-                <a:latin typeface="Inter" panose="020F0502020204030204" pitchFamily="2" charset="0"/>
-                <a:ea typeface="Inter" panose="020F0502020204030204" pitchFamily="2" charset="0"/>
-              </a:rPr>
-              <a:t>dengan</a:t>
-            </a:r>
-            <a:r>
-              <a:rPr lang="en-ID" sz="1600" dirty="0">
-                <a:solidFill>
-                  <a:schemeClr val="bg1"/>
-                </a:solidFill>
-                <a:latin typeface="Inter" panose="020F0502020204030204" pitchFamily="2" charset="0"/>
-                <a:ea typeface="Inter" panose="020F0502020204030204" pitchFamily="2" charset="0"/>
-              </a:rPr>
-              <a:t> </a:t>
-            </a:r>
-            <a:r>
-              <a:rPr lang="en-ID" sz="1600" dirty="0" err="1">
-                <a:solidFill>
-                  <a:schemeClr val="bg1"/>
-                </a:solidFill>
-                <a:latin typeface="Inter" panose="020F0502020204030204" pitchFamily="2" charset="0"/>
-                <a:ea typeface="Inter" panose="020F0502020204030204" pitchFamily="2" charset="0"/>
-              </a:rPr>
-              <a:t>benar</a:t>
-            </a:r>
-            <a:r>
-              <a:rPr lang="en-ID" sz="1600" dirty="0">
-                <a:solidFill>
-                  <a:schemeClr val="bg1"/>
-                </a:solidFill>
-                <a:latin typeface="Inter" panose="020F0502020204030204" pitchFamily="2" charset="0"/>
-                <a:ea typeface="Inter" panose="020F0502020204030204" pitchFamily="2" charset="0"/>
-              </a:rPr>
-              <a:t> dan </a:t>
-            </a:r>
-            <a:r>
-              <a:rPr lang="en-ID" sz="1600" dirty="0" err="1">
-                <a:solidFill>
-                  <a:schemeClr val="bg1"/>
-                </a:solidFill>
-                <a:latin typeface="Inter" panose="020F0502020204030204" pitchFamily="2" charset="0"/>
-                <a:ea typeface="Inter" panose="020F0502020204030204" pitchFamily="2" charset="0"/>
-              </a:rPr>
-              <a:t>menghindari</a:t>
-            </a:r>
-            <a:r>
-              <a:rPr lang="en-ID" sz="1600" dirty="0">
-                <a:solidFill>
-                  <a:schemeClr val="bg1"/>
-                </a:solidFill>
-                <a:latin typeface="Inter" panose="020F0502020204030204" pitchFamily="2" charset="0"/>
-                <a:ea typeface="Inter" panose="020F0502020204030204" pitchFamily="2" charset="0"/>
-              </a:rPr>
-              <a:t> </a:t>
-            </a:r>
-            <a:r>
-              <a:rPr lang="en-ID" sz="1600" dirty="0" err="1">
-                <a:solidFill>
-                  <a:schemeClr val="bg1"/>
-                </a:solidFill>
-                <a:latin typeface="Inter" panose="020F0502020204030204" pitchFamily="2" charset="0"/>
-                <a:ea typeface="Inter" panose="020F0502020204030204" pitchFamily="2" charset="0"/>
-              </a:rPr>
-              <a:t>kesalahan</a:t>
-            </a:r>
-            <a:r>
-              <a:rPr lang="en-ID" sz="1600" dirty="0">
-                <a:solidFill>
-                  <a:schemeClr val="bg1"/>
-                </a:solidFill>
-                <a:latin typeface="Inter" panose="020F0502020204030204" pitchFamily="2" charset="0"/>
-                <a:ea typeface="Inter" panose="020F0502020204030204" pitchFamily="2" charset="0"/>
-              </a:rPr>
-              <a:t>.</a:t>
-            </a:r>
-          </a:p>
-        </p:txBody>
-      </p:sp>
-      <p:sp>
-        <p:nvSpPr>
           <p:cNvPr id="3" name="TextBox 2">
             <a:extLst>
               <a:ext uri="{FF2B5EF4-FFF2-40B4-BE49-F238E27FC236}">
@@ -15436,508 +13877,6 @@
       </p:pic>
       <p:sp>
         <p:nvSpPr>
-          <p:cNvPr id="24" name="TextBox 23">
-            <a:extLst>
-              <a:ext uri="{FF2B5EF4-FFF2-40B4-BE49-F238E27FC236}">
-                <a16:creationId xmlns:a16="http://schemas.microsoft.com/office/drawing/2014/main" id="{1AF5D76D-E136-3689-639D-655B7F021968}"/>
-              </a:ext>
-            </a:extLst>
-          </p:cNvPr>
-          <p:cNvSpPr txBox="1"/>
-          <p:nvPr/>
-        </p:nvSpPr>
-        <p:spPr>
-          <a:xfrm>
-            <a:off x="3124471" y="-2160787"/>
-            <a:ext cx="6231092" cy="1815882"/>
-          </a:xfrm>
-          <a:prstGeom prst="rect">
-            <a:avLst/>
-          </a:prstGeom>
-          <a:noFill/>
-        </p:spPr>
-        <p:txBody>
-          <a:bodyPr wrap="square" rtlCol="0">
-            <a:spAutoFit/>
-          </a:bodyPr>
-          <a:lstStyle/>
-          <a:p>
-            <a:r>
-              <a:rPr lang="en-ID" sz="1600" b="1" dirty="0" err="1">
-                <a:solidFill>
-                  <a:schemeClr val="bg1"/>
-                </a:solidFill>
-                <a:latin typeface="Inter" panose="020F0502020204030204" pitchFamily="2" charset="0"/>
-                <a:ea typeface="Inter" panose="020F0502020204030204" pitchFamily="2" charset="0"/>
-              </a:rPr>
-              <a:t>Pengembangan</a:t>
-            </a:r>
-            <a:r>
-              <a:rPr lang="en-ID" sz="1600" b="1" dirty="0">
-                <a:solidFill>
-                  <a:schemeClr val="bg1"/>
-                </a:solidFill>
-                <a:latin typeface="Inter" panose="020F0502020204030204" pitchFamily="2" charset="0"/>
-                <a:ea typeface="Inter" panose="020F0502020204030204" pitchFamily="2" charset="0"/>
-              </a:rPr>
-              <a:t> Fitur </a:t>
-            </a:r>
-            <a:r>
-              <a:rPr lang="en-ID" sz="1600" b="1" dirty="0" err="1">
-                <a:solidFill>
-                  <a:schemeClr val="bg1"/>
-                </a:solidFill>
-                <a:latin typeface="Inter" panose="020F0502020204030204" pitchFamily="2" charset="0"/>
-                <a:ea typeface="Inter" panose="020F0502020204030204" pitchFamily="2" charset="0"/>
-              </a:rPr>
-              <a:t>Rekomendasi</a:t>
-            </a:r>
-            <a:r>
-              <a:rPr lang="en-ID" sz="1600" b="1" dirty="0">
-                <a:solidFill>
-                  <a:schemeClr val="bg1"/>
-                </a:solidFill>
-                <a:latin typeface="Inter" panose="020F0502020204030204" pitchFamily="2" charset="0"/>
-                <a:ea typeface="Inter" panose="020F0502020204030204" pitchFamily="2" charset="0"/>
-              </a:rPr>
-              <a:t>:</a:t>
-            </a:r>
-            <a:r>
-              <a:rPr lang="en-ID" sz="1600" dirty="0">
-                <a:solidFill>
-                  <a:schemeClr val="bg1"/>
-                </a:solidFill>
-                <a:latin typeface="Inter" panose="020F0502020204030204" pitchFamily="2" charset="0"/>
-                <a:ea typeface="Inter" panose="020F0502020204030204" pitchFamily="2" charset="0"/>
-              </a:rPr>
-              <a:t> </a:t>
-            </a:r>
-            <a:r>
-              <a:rPr lang="en-ID" sz="1600" dirty="0" err="1">
-                <a:solidFill>
-                  <a:schemeClr val="bg1"/>
-                </a:solidFill>
-                <a:latin typeface="Inter" panose="020F0502020204030204" pitchFamily="2" charset="0"/>
-                <a:ea typeface="Inter" panose="020F0502020204030204" pitchFamily="2" charset="0"/>
-              </a:rPr>
-              <a:t>Melanjutkan</a:t>
-            </a:r>
-            <a:r>
-              <a:rPr lang="en-ID" sz="1600" dirty="0">
-                <a:solidFill>
-                  <a:schemeClr val="bg1"/>
-                </a:solidFill>
-                <a:latin typeface="Inter" panose="020F0502020204030204" pitchFamily="2" charset="0"/>
-                <a:ea typeface="Inter" panose="020F0502020204030204" pitchFamily="2" charset="0"/>
-              </a:rPr>
-              <a:t> </a:t>
-            </a:r>
-            <a:r>
-              <a:rPr lang="en-ID" sz="1600" dirty="0" err="1">
-                <a:solidFill>
-                  <a:schemeClr val="bg1"/>
-                </a:solidFill>
-                <a:latin typeface="Inter" panose="020F0502020204030204" pitchFamily="2" charset="0"/>
-                <a:ea typeface="Inter" panose="020F0502020204030204" pitchFamily="2" charset="0"/>
-              </a:rPr>
-              <a:t>pengembangan</a:t>
-            </a:r>
-            <a:r>
-              <a:rPr lang="en-ID" sz="1600" dirty="0">
-                <a:solidFill>
-                  <a:schemeClr val="bg1"/>
-                </a:solidFill>
-                <a:latin typeface="Inter" panose="020F0502020204030204" pitchFamily="2" charset="0"/>
-                <a:ea typeface="Inter" panose="020F0502020204030204" pitchFamily="2" charset="0"/>
-              </a:rPr>
-              <a:t> </a:t>
-            </a:r>
-            <a:r>
-              <a:rPr lang="en-ID" sz="1600" dirty="0" err="1">
-                <a:solidFill>
-                  <a:schemeClr val="bg1"/>
-                </a:solidFill>
-                <a:latin typeface="Inter" panose="020F0502020204030204" pitchFamily="2" charset="0"/>
-                <a:ea typeface="Inter" panose="020F0502020204030204" pitchFamily="2" charset="0"/>
-              </a:rPr>
-              <a:t>fitur</a:t>
-            </a:r>
-            <a:r>
-              <a:rPr lang="en-ID" sz="1600" dirty="0">
-                <a:solidFill>
-                  <a:schemeClr val="bg1"/>
-                </a:solidFill>
-                <a:latin typeface="Inter" panose="020F0502020204030204" pitchFamily="2" charset="0"/>
-                <a:ea typeface="Inter" panose="020F0502020204030204" pitchFamily="2" charset="0"/>
-              </a:rPr>
-              <a:t> </a:t>
-            </a:r>
-            <a:r>
-              <a:rPr lang="en-ID" sz="1600" dirty="0" err="1">
-                <a:solidFill>
-                  <a:schemeClr val="bg1"/>
-                </a:solidFill>
-                <a:latin typeface="Inter" panose="020F0502020204030204" pitchFamily="2" charset="0"/>
-                <a:ea typeface="Inter" panose="020F0502020204030204" pitchFamily="2" charset="0"/>
-              </a:rPr>
-              <a:t>rekomendasi</a:t>
-            </a:r>
-            <a:r>
-              <a:rPr lang="en-ID" sz="1600" dirty="0">
-                <a:solidFill>
-                  <a:schemeClr val="bg1"/>
-                </a:solidFill>
-                <a:latin typeface="Inter" panose="020F0502020204030204" pitchFamily="2" charset="0"/>
-                <a:ea typeface="Inter" panose="020F0502020204030204" pitchFamily="2" charset="0"/>
-              </a:rPr>
-              <a:t> </a:t>
-            </a:r>
-            <a:r>
-              <a:rPr lang="en-ID" sz="1600" dirty="0" err="1">
-                <a:solidFill>
-                  <a:schemeClr val="bg1"/>
-                </a:solidFill>
-                <a:latin typeface="Inter" panose="020F0502020204030204" pitchFamily="2" charset="0"/>
-                <a:ea typeface="Inter" panose="020F0502020204030204" pitchFamily="2" charset="0"/>
-              </a:rPr>
-              <a:t>dapat</a:t>
-            </a:r>
-            <a:r>
-              <a:rPr lang="en-ID" sz="1600" dirty="0">
-                <a:solidFill>
-                  <a:schemeClr val="bg1"/>
-                </a:solidFill>
-                <a:latin typeface="Inter" panose="020F0502020204030204" pitchFamily="2" charset="0"/>
-                <a:ea typeface="Inter" panose="020F0502020204030204" pitchFamily="2" charset="0"/>
-              </a:rPr>
-              <a:t> </a:t>
-            </a:r>
-            <a:r>
-              <a:rPr lang="en-ID" sz="1600" dirty="0" err="1">
-                <a:solidFill>
-                  <a:schemeClr val="bg1"/>
-                </a:solidFill>
-                <a:latin typeface="Inter" panose="020F0502020204030204" pitchFamily="2" charset="0"/>
-                <a:ea typeface="Inter" panose="020F0502020204030204" pitchFamily="2" charset="0"/>
-              </a:rPr>
-              <a:t>meningkatkan</a:t>
-            </a:r>
-            <a:r>
-              <a:rPr lang="en-ID" sz="1600" dirty="0">
-                <a:solidFill>
-                  <a:schemeClr val="bg1"/>
-                </a:solidFill>
-                <a:latin typeface="Inter" panose="020F0502020204030204" pitchFamily="2" charset="0"/>
-                <a:ea typeface="Inter" panose="020F0502020204030204" pitchFamily="2" charset="0"/>
-              </a:rPr>
-              <a:t> </a:t>
-            </a:r>
-            <a:r>
-              <a:rPr lang="en-ID" sz="1600" dirty="0" err="1">
-                <a:solidFill>
-                  <a:schemeClr val="bg1"/>
-                </a:solidFill>
-                <a:latin typeface="Inter" panose="020F0502020204030204" pitchFamily="2" charset="0"/>
-                <a:ea typeface="Inter" panose="020F0502020204030204" pitchFamily="2" charset="0"/>
-              </a:rPr>
-              <a:t>personalisasi</a:t>
-            </a:r>
-            <a:r>
-              <a:rPr lang="en-ID" sz="1600" dirty="0">
-                <a:solidFill>
-                  <a:schemeClr val="bg1"/>
-                </a:solidFill>
-                <a:latin typeface="Inter" panose="020F0502020204030204" pitchFamily="2" charset="0"/>
-                <a:ea typeface="Inter" panose="020F0502020204030204" pitchFamily="2" charset="0"/>
-              </a:rPr>
-              <a:t> dan </a:t>
-            </a:r>
-            <a:r>
-              <a:rPr lang="en-ID" sz="1600" dirty="0" err="1">
-                <a:solidFill>
-                  <a:schemeClr val="bg1"/>
-                </a:solidFill>
-                <a:latin typeface="Inter" panose="020F0502020204030204" pitchFamily="2" charset="0"/>
-                <a:ea typeface="Inter" panose="020F0502020204030204" pitchFamily="2" charset="0"/>
-              </a:rPr>
-              <a:t>kualitas</a:t>
-            </a:r>
-            <a:r>
-              <a:rPr lang="en-ID" sz="1600" dirty="0">
-                <a:solidFill>
-                  <a:schemeClr val="bg1"/>
-                </a:solidFill>
-                <a:latin typeface="Inter" panose="020F0502020204030204" pitchFamily="2" charset="0"/>
-                <a:ea typeface="Inter" panose="020F0502020204030204" pitchFamily="2" charset="0"/>
-              </a:rPr>
-              <a:t> </a:t>
-            </a:r>
-            <a:r>
-              <a:rPr lang="en-ID" sz="1600" dirty="0" err="1">
-                <a:solidFill>
-                  <a:schemeClr val="bg1"/>
-                </a:solidFill>
-                <a:latin typeface="Inter" panose="020F0502020204030204" pitchFamily="2" charset="0"/>
-                <a:ea typeface="Inter" panose="020F0502020204030204" pitchFamily="2" charset="0"/>
-              </a:rPr>
-              <a:t>rekomendasi</a:t>
-            </a:r>
-            <a:r>
-              <a:rPr lang="en-ID" sz="1600" dirty="0">
-                <a:solidFill>
-                  <a:schemeClr val="bg1"/>
-                </a:solidFill>
-                <a:latin typeface="Inter" panose="020F0502020204030204" pitchFamily="2" charset="0"/>
-                <a:ea typeface="Inter" panose="020F0502020204030204" pitchFamily="2" charset="0"/>
-              </a:rPr>
-              <a:t> </a:t>
-            </a:r>
-            <a:r>
-              <a:rPr lang="en-ID" sz="1600" dirty="0" err="1">
-                <a:solidFill>
-                  <a:schemeClr val="bg1"/>
-                </a:solidFill>
-                <a:latin typeface="Inter" panose="020F0502020204030204" pitchFamily="2" charset="0"/>
-                <a:ea typeface="Inter" panose="020F0502020204030204" pitchFamily="2" charset="0"/>
-              </a:rPr>
-              <a:t>modul</a:t>
-            </a:r>
-            <a:r>
-              <a:rPr lang="en-ID" sz="1600" dirty="0">
-                <a:solidFill>
-                  <a:schemeClr val="bg1"/>
-                </a:solidFill>
-                <a:latin typeface="Inter" panose="020F0502020204030204" pitchFamily="2" charset="0"/>
-                <a:ea typeface="Inter" panose="020F0502020204030204" pitchFamily="2" charset="0"/>
-              </a:rPr>
-              <a:t> </a:t>
-            </a:r>
-            <a:r>
-              <a:rPr lang="en-ID" sz="1600" dirty="0" err="1">
-                <a:solidFill>
-                  <a:schemeClr val="bg1"/>
-                </a:solidFill>
-                <a:latin typeface="Inter" panose="020F0502020204030204" pitchFamily="2" charset="0"/>
-                <a:ea typeface="Inter" panose="020F0502020204030204" pitchFamily="2" charset="0"/>
-              </a:rPr>
-              <a:t>pembelajaran</a:t>
-            </a:r>
-            <a:r>
-              <a:rPr lang="en-ID" sz="1600" dirty="0">
-                <a:solidFill>
-                  <a:schemeClr val="bg1"/>
-                </a:solidFill>
-                <a:latin typeface="Inter" panose="020F0502020204030204" pitchFamily="2" charset="0"/>
-                <a:ea typeface="Inter" panose="020F0502020204030204" pitchFamily="2" charset="0"/>
-              </a:rPr>
-              <a:t>.</a:t>
-            </a:r>
-          </a:p>
-          <a:p>
-            <a:endParaRPr lang="en-ID" sz="1600" dirty="0">
-              <a:solidFill>
-                <a:schemeClr val="bg1"/>
-              </a:solidFill>
-              <a:latin typeface="Inter" panose="020F0502020204030204" pitchFamily="2" charset="0"/>
-              <a:ea typeface="Inter" panose="020F0502020204030204" pitchFamily="2" charset="0"/>
-            </a:endParaRPr>
-          </a:p>
-          <a:p>
-            <a:r>
-              <a:rPr lang="en-ID" sz="1600" b="1" dirty="0" err="1">
-                <a:solidFill>
-                  <a:schemeClr val="bg1"/>
-                </a:solidFill>
-                <a:latin typeface="Inter" panose="020F0502020204030204" pitchFamily="2" charset="0"/>
-                <a:ea typeface="Inter" panose="020F0502020204030204" pitchFamily="2" charset="0"/>
-              </a:rPr>
-              <a:t>Pemperbaikan</a:t>
-            </a:r>
-            <a:r>
-              <a:rPr lang="en-ID" sz="1600" b="1" dirty="0">
-                <a:solidFill>
-                  <a:schemeClr val="bg1"/>
-                </a:solidFill>
-                <a:latin typeface="Inter" panose="020F0502020204030204" pitchFamily="2" charset="0"/>
-                <a:ea typeface="Inter" panose="020F0502020204030204" pitchFamily="2" charset="0"/>
-              </a:rPr>
-              <a:t> UI/UX Desain:</a:t>
-            </a:r>
-            <a:r>
-              <a:rPr lang="en-ID" sz="1600" dirty="0">
-                <a:solidFill>
-                  <a:schemeClr val="bg1"/>
-                </a:solidFill>
-                <a:latin typeface="Inter" panose="020F0502020204030204" pitchFamily="2" charset="0"/>
-                <a:ea typeface="Inter" panose="020F0502020204030204" pitchFamily="2" charset="0"/>
-              </a:rPr>
-              <a:t> </a:t>
-            </a:r>
-            <a:r>
-              <a:rPr lang="en-ID" sz="1600" dirty="0" err="1">
-                <a:solidFill>
-                  <a:schemeClr val="bg1"/>
-                </a:solidFill>
-                <a:latin typeface="Inter" panose="020F0502020204030204" pitchFamily="2" charset="0"/>
-                <a:ea typeface="Inter" panose="020F0502020204030204" pitchFamily="2" charset="0"/>
-              </a:rPr>
-              <a:t>Fokus</a:t>
-            </a:r>
-            <a:r>
-              <a:rPr lang="en-ID" sz="1600" dirty="0">
-                <a:solidFill>
-                  <a:schemeClr val="bg1"/>
-                </a:solidFill>
-                <a:latin typeface="Inter" panose="020F0502020204030204" pitchFamily="2" charset="0"/>
-                <a:ea typeface="Inter" panose="020F0502020204030204" pitchFamily="2" charset="0"/>
-              </a:rPr>
-              <a:t> pada </a:t>
-            </a:r>
-            <a:r>
-              <a:rPr lang="en-ID" sz="1600" dirty="0" err="1">
-                <a:solidFill>
-                  <a:schemeClr val="bg1"/>
-                </a:solidFill>
-                <a:latin typeface="Inter" panose="020F0502020204030204" pitchFamily="2" charset="0"/>
-                <a:ea typeface="Inter" panose="020F0502020204030204" pitchFamily="2" charset="0"/>
-              </a:rPr>
-              <a:t>pemperbaikan</a:t>
-            </a:r>
-            <a:r>
-              <a:rPr lang="en-ID" sz="1600" dirty="0">
-                <a:solidFill>
-                  <a:schemeClr val="bg1"/>
-                </a:solidFill>
-                <a:latin typeface="Inter" panose="020F0502020204030204" pitchFamily="2" charset="0"/>
-                <a:ea typeface="Inter" panose="020F0502020204030204" pitchFamily="2" charset="0"/>
-              </a:rPr>
-              <a:t> UI/UX </a:t>
-            </a:r>
-            <a:r>
-              <a:rPr lang="en-ID" sz="1600" dirty="0" err="1">
-                <a:solidFill>
-                  <a:schemeClr val="bg1"/>
-                </a:solidFill>
-                <a:latin typeface="Inter" panose="020F0502020204030204" pitchFamily="2" charset="0"/>
-                <a:ea typeface="Inter" panose="020F0502020204030204" pitchFamily="2" charset="0"/>
-              </a:rPr>
-              <a:t>desain</a:t>
-            </a:r>
-            <a:r>
-              <a:rPr lang="en-ID" sz="1600" dirty="0">
-                <a:solidFill>
-                  <a:schemeClr val="bg1"/>
-                </a:solidFill>
-                <a:latin typeface="Inter" panose="020F0502020204030204" pitchFamily="2" charset="0"/>
-                <a:ea typeface="Inter" panose="020F0502020204030204" pitchFamily="2" charset="0"/>
-              </a:rPr>
-              <a:t> </a:t>
-            </a:r>
-            <a:r>
-              <a:rPr lang="en-ID" sz="1600" dirty="0" err="1">
-                <a:solidFill>
-                  <a:schemeClr val="bg1"/>
-                </a:solidFill>
-                <a:latin typeface="Inter" panose="020F0502020204030204" pitchFamily="2" charset="0"/>
-                <a:ea typeface="Inter" panose="020F0502020204030204" pitchFamily="2" charset="0"/>
-              </a:rPr>
-              <a:t>akan</a:t>
-            </a:r>
-            <a:r>
-              <a:rPr lang="en-ID" sz="1600" dirty="0">
-                <a:solidFill>
-                  <a:schemeClr val="bg1"/>
-                </a:solidFill>
-                <a:latin typeface="Inter" panose="020F0502020204030204" pitchFamily="2" charset="0"/>
-                <a:ea typeface="Inter" panose="020F0502020204030204" pitchFamily="2" charset="0"/>
-              </a:rPr>
-              <a:t> </a:t>
-            </a:r>
-            <a:r>
-              <a:rPr lang="en-ID" sz="1600" dirty="0" err="1">
-                <a:solidFill>
-                  <a:schemeClr val="bg1"/>
-                </a:solidFill>
-                <a:latin typeface="Inter" panose="020F0502020204030204" pitchFamily="2" charset="0"/>
-                <a:ea typeface="Inter" panose="020F0502020204030204" pitchFamily="2" charset="0"/>
-              </a:rPr>
-              <a:t>meningkatkan</a:t>
-            </a:r>
-            <a:r>
-              <a:rPr lang="en-ID" sz="1600" dirty="0">
-                <a:solidFill>
-                  <a:schemeClr val="bg1"/>
-                </a:solidFill>
-                <a:latin typeface="Inter" panose="020F0502020204030204" pitchFamily="2" charset="0"/>
-                <a:ea typeface="Inter" panose="020F0502020204030204" pitchFamily="2" charset="0"/>
-              </a:rPr>
-              <a:t> </a:t>
-            </a:r>
-            <a:r>
-              <a:rPr lang="en-ID" sz="1600" dirty="0" err="1">
-                <a:solidFill>
-                  <a:schemeClr val="bg1"/>
-                </a:solidFill>
-                <a:latin typeface="Inter" panose="020F0502020204030204" pitchFamily="2" charset="0"/>
-                <a:ea typeface="Inter" panose="020F0502020204030204" pitchFamily="2" charset="0"/>
-              </a:rPr>
-              <a:t>pengalaman</a:t>
-            </a:r>
-            <a:r>
-              <a:rPr lang="en-ID" sz="1600" dirty="0">
-                <a:solidFill>
-                  <a:schemeClr val="bg1"/>
-                </a:solidFill>
-                <a:latin typeface="Inter" panose="020F0502020204030204" pitchFamily="2" charset="0"/>
-                <a:ea typeface="Inter" panose="020F0502020204030204" pitchFamily="2" charset="0"/>
-              </a:rPr>
-              <a:t> </a:t>
-            </a:r>
-            <a:r>
-              <a:rPr lang="en-ID" sz="1600" dirty="0" err="1">
-                <a:solidFill>
-                  <a:schemeClr val="bg1"/>
-                </a:solidFill>
-                <a:latin typeface="Inter" panose="020F0502020204030204" pitchFamily="2" charset="0"/>
-                <a:ea typeface="Inter" panose="020F0502020204030204" pitchFamily="2" charset="0"/>
-              </a:rPr>
-              <a:t>pengguna</a:t>
-            </a:r>
-            <a:r>
-              <a:rPr lang="en-ID" sz="1600" dirty="0">
-                <a:solidFill>
-                  <a:schemeClr val="bg1"/>
-                </a:solidFill>
-                <a:latin typeface="Inter" panose="020F0502020204030204" pitchFamily="2" charset="0"/>
-                <a:ea typeface="Inter" panose="020F0502020204030204" pitchFamily="2" charset="0"/>
-              </a:rPr>
-              <a:t> di </a:t>
-            </a:r>
-            <a:r>
-              <a:rPr lang="en-ID" sz="1600" dirty="0" err="1">
-                <a:solidFill>
-                  <a:schemeClr val="bg1"/>
-                </a:solidFill>
-                <a:latin typeface="Inter" panose="020F0502020204030204" pitchFamily="2" charset="0"/>
-                <a:ea typeface="Inter" panose="020F0502020204030204" pitchFamily="2" charset="0"/>
-              </a:rPr>
-              <a:t>Learniverse</a:t>
-            </a:r>
-            <a:r>
-              <a:rPr lang="en-ID" sz="1600" dirty="0">
-                <a:solidFill>
-                  <a:schemeClr val="bg1"/>
-                </a:solidFill>
-                <a:latin typeface="Inter" panose="020F0502020204030204" pitchFamily="2" charset="0"/>
-                <a:ea typeface="Inter" panose="020F0502020204030204" pitchFamily="2" charset="0"/>
-              </a:rPr>
-              <a:t>.</a:t>
-            </a:r>
-          </a:p>
-        </p:txBody>
-      </p:sp>
-      <p:sp>
-        <p:nvSpPr>
           <p:cNvPr id="13" name="TextBox 12">
             <a:extLst>
               <a:ext uri="{FF2B5EF4-FFF2-40B4-BE49-F238E27FC236}">
@@ -16248,7 +14187,7 @@
         </p:nvSpPr>
         <p:spPr>
           <a:xfrm>
-            <a:off x="2144738" y="-2955898"/>
+            <a:off x="2144738" y="-2925638"/>
             <a:ext cx="7902523" cy="1446550"/>
           </a:xfrm>
           <a:prstGeom prst="rect">
@@ -16302,6 +14241,486 @@
           </a:p>
         </p:txBody>
       </p:sp>
+      <p:sp>
+        <p:nvSpPr>
+          <p:cNvPr id="4" name="TextBox 3">
+            <a:extLst>
+              <a:ext uri="{FF2B5EF4-FFF2-40B4-BE49-F238E27FC236}">
+                <a16:creationId xmlns:a16="http://schemas.microsoft.com/office/drawing/2014/main" id="{0251CD68-5B3E-FEA2-1799-18DA3918631A}"/>
+              </a:ext>
+            </a:extLst>
+          </p:cNvPr>
+          <p:cNvSpPr txBox="1"/>
+          <p:nvPr/>
+        </p:nvSpPr>
+        <p:spPr>
+          <a:xfrm>
+            <a:off x="735038" y="-2556534"/>
+            <a:ext cx="5073392" cy="1569660"/>
+          </a:xfrm>
+          <a:prstGeom prst="rect">
+            <a:avLst/>
+          </a:prstGeom>
+          <a:noFill/>
+        </p:spPr>
+        <p:txBody>
+          <a:bodyPr wrap="square" rtlCol="0">
+            <a:spAutoFit/>
+          </a:bodyPr>
+          <a:lstStyle/>
+          <a:p>
+            <a:r>
+              <a:rPr lang="en-ID" sz="1600" dirty="0">
+                <a:solidFill>
+                  <a:schemeClr val="bg1"/>
+                </a:solidFill>
+                <a:latin typeface="Inter" panose="020F0502020204030204" pitchFamily="2" charset="0"/>
+                <a:ea typeface="Inter" panose="020F0502020204030204" pitchFamily="2" charset="0"/>
+              </a:rPr>
+              <a:t>1. </a:t>
+            </a:r>
+            <a:r>
+              <a:rPr lang="en-ID" sz="1600" dirty="0" err="1">
+                <a:solidFill>
+                  <a:schemeClr val="bg1"/>
+                </a:solidFill>
+                <a:latin typeface="Inter" panose="020F0502020204030204" pitchFamily="2" charset="0"/>
+                <a:ea typeface="Inter" panose="020F0502020204030204" pitchFamily="2" charset="0"/>
+              </a:rPr>
+              <a:t>Pengembangan</a:t>
+            </a:r>
+            <a:r>
+              <a:rPr lang="en-ID" sz="1600" dirty="0">
+                <a:solidFill>
+                  <a:schemeClr val="bg1"/>
+                </a:solidFill>
+                <a:latin typeface="Inter" panose="020F0502020204030204" pitchFamily="2" charset="0"/>
+                <a:ea typeface="Inter" panose="020F0502020204030204" pitchFamily="2" charset="0"/>
+              </a:rPr>
+              <a:t> </a:t>
+            </a:r>
+            <a:r>
+              <a:rPr lang="en-ID" sz="1600" dirty="0" err="1">
+                <a:solidFill>
+                  <a:schemeClr val="bg1"/>
+                </a:solidFill>
+                <a:latin typeface="Inter" panose="020F0502020204030204" pitchFamily="2" charset="0"/>
+                <a:ea typeface="Inter" panose="020F0502020204030204" pitchFamily="2" charset="0"/>
+              </a:rPr>
+              <a:t>fitur</a:t>
+            </a:r>
+            <a:r>
+              <a:rPr lang="en-ID" sz="1600" dirty="0">
+                <a:solidFill>
+                  <a:schemeClr val="bg1"/>
+                </a:solidFill>
+                <a:latin typeface="Inter" panose="020F0502020204030204" pitchFamily="2" charset="0"/>
+                <a:ea typeface="Inter" panose="020F0502020204030204" pitchFamily="2" charset="0"/>
+              </a:rPr>
+              <a:t> </a:t>
+            </a:r>
+            <a:r>
+              <a:rPr lang="en-ID" sz="1600" dirty="0" err="1">
+                <a:solidFill>
+                  <a:schemeClr val="bg1"/>
+                </a:solidFill>
+                <a:latin typeface="Inter" panose="020F0502020204030204" pitchFamily="2" charset="0"/>
+                <a:ea typeface="Inter" panose="020F0502020204030204" pitchFamily="2" charset="0"/>
+              </a:rPr>
+              <a:t>rekomendasi</a:t>
+            </a:r>
+            <a:endParaRPr lang="en-ID" sz="1600" dirty="0">
+              <a:solidFill>
+                <a:schemeClr val="bg1"/>
+              </a:solidFill>
+              <a:latin typeface="Inter" panose="020F0502020204030204" pitchFamily="2" charset="0"/>
+              <a:ea typeface="Inter" panose="020F0502020204030204" pitchFamily="2" charset="0"/>
+            </a:endParaRPr>
+          </a:p>
+          <a:p>
+            <a:r>
+              <a:rPr lang="en-ID" sz="1600" dirty="0">
+                <a:solidFill>
+                  <a:schemeClr val="bg1"/>
+                </a:solidFill>
+                <a:latin typeface="Inter" panose="020F0502020204030204" pitchFamily="2" charset="0"/>
+                <a:ea typeface="Inter" panose="020F0502020204030204" pitchFamily="2" charset="0"/>
+              </a:rPr>
+              <a:t>2. </a:t>
+            </a:r>
+            <a:r>
+              <a:rPr lang="en-ID" sz="1600" dirty="0" err="1">
+                <a:solidFill>
+                  <a:schemeClr val="bg1"/>
+                </a:solidFill>
+                <a:latin typeface="Inter" panose="020F0502020204030204" pitchFamily="2" charset="0"/>
+                <a:ea typeface="Inter" panose="020F0502020204030204" pitchFamily="2" charset="0"/>
+              </a:rPr>
+              <a:t>Pemperbaikan</a:t>
+            </a:r>
+            <a:r>
+              <a:rPr lang="en-ID" sz="1600" dirty="0">
+                <a:solidFill>
+                  <a:schemeClr val="bg1"/>
+                </a:solidFill>
+                <a:latin typeface="Inter" panose="020F0502020204030204" pitchFamily="2" charset="0"/>
+                <a:ea typeface="Inter" panose="020F0502020204030204" pitchFamily="2" charset="0"/>
+              </a:rPr>
+              <a:t> UI/UX </a:t>
+            </a:r>
+            <a:r>
+              <a:rPr lang="en-ID" sz="1600" dirty="0" err="1">
+                <a:solidFill>
+                  <a:schemeClr val="bg1"/>
+                </a:solidFill>
+                <a:latin typeface="Inter" panose="020F0502020204030204" pitchFamily="2" charset="0"/>
+                <a:ea typeface="Inter" panose="020F0502020204030204" pitchFamily="2" charset="0"/>
+              </a:rPr>
+              <a:t>desain</a:t>
+            </a:r>
+            <a:endParaRPr lang="en-ID" sz="1600" dirty="0">
+              <a:solidFill>
+                <a:schemeClr val="bg1"/>
+              </a:solidFill>
+              <a:latin typeface="Inter" panose="020F0502020204030204" pitchFamily="2" charset="0"/>
+              <a:ea typeface="Inter" panose="020F0502020204030204" pitchFamily="2" charset="0"/>
+            </a:endParaRPr>
+          </a:p>
+          <a:p>
+            <a:r>
+              <a:rPr lang="en-ID" sz="1600" dirty="0">
+                <a:solidFill>
+                  <a:schemeClr val="bg1"/>
+                </a:solidFill>
+                <a:latin typeface="Inter" panose="020F0502020204030204" pitchFamily="2" charset="0"/>
+                <a:ea typeface="Inter" panose="020F0502020204030204" pitchFamily="2" charset="0"/>
+              </a:rPr>
+              <a:t>3. Update profile</a:t>
+            </a:r>
+          </a:p>
+          <a:p>
+            <a:r>
+              <a:rPr lang="en-ID" sz="1600" dirty="0">
+                <a:solidFill>
+                  <a:schemeClr val="bg1"/>
+                </a:solidFill>
+                <a:latin typeface="Inter" panose="020F0502020204030204" pitchFamily="2" charset="0"/>
+                <a:ea typeface="Inter" panose="020F0502020204030204" pitchFamily="2" charset="0"/>
+              </a:rPr>
+              <a:t>4. Search </a:t>
+            </a:r>
+            <a:r>
+              <a:rPr lang="en-ID" sz="1600" dirty="0" err="1">
+                <a:solidFill>
+                  <a:schemeClr val="bg1"/>
+                </a:solidFill>
+                <a:latin typeface="Inter" panose="020F0502020204030204" pitchFamily="2" charset="0"/>
+                <a:ea typeface="Inter" panose="020F0502020204030204" pitchFamily="2" charset="0"/>
+              </a:rPr>
+              <a:t>modul</a:t>
+            </a:r>
+            <a:r>
+              <a:rPr lang="en-ID" sz="1600" dirty="0">
+                <a:solidFill>
+                  <a:schemeClr val="bg1"/>
+                </a:solidFill>
+                <a:latin typeface="Inter" panose="020F0502020204030204" pitchFamily="2" charset="0"/>
+                <a:ea typeface="Inter" panose="020F0502020204030204" pitchFamily="2" charset="0"/>
+              </a:rPr>
+              <a:t> </a:t>
+            </a:r>
+            <a:r>
+              <a:rPr lang="en-ID" sz="1600" dirty="0" err="1">
+                <a:solidFill>
+                  <a:schemeClr val="bg1"/>
+                </a:solidFill>
+                <a:latin typeface="Inter" panose="020F0502020204030204" pitchFamily="2" charset="0"/>
+                <a:ea typeface="Inter" panose="020F0502020204030204" pitchFamily="2" charset="0"/>
+              </a:rPr>
+              <a:t>berdasarkan</a:t>
+            </a:r>
+            <a:r>
+              <a:rPr lang="en-ID" sz="1600" dirty="0">
+                <a:solidFill>
+                  <a:schemeClr val="bg1"/>
+                </a:solidFill>
+                <a:latin typeface="Inter" panose="020F0502020204030204" pitchFamily="2" charset="0"/>
+                <a:ea typeface="Inter" panose="020F0502020204030204" pitchFamily="2" charset="0"/>
+              </a:rPr>
+              <a:t> kata </a:t>
+            </a:r>
+            <a:r>
+              <a:rPr lang="en-ID" sz="1600" dirty="0" err="1">
+                <a:solidFill>
+                  <a:schemeClr val="bg1"/>
+                </a:solidFill>
+                <a:latin typeface="Inter" panose="020F0502020204030204" pitchFamily="2" charset="0"/>
+                <a:ea typeface="Inter" panose="020F0502020204030204" pitchFamily="2" charset="0"/>
+              </a:rPr>
+              <a:t>kunci</a:t>
+            </a:r>
+            <a:endParaRPr lang="en-ID" sz="1600" dirty="0">
+              <a:solidFill>
+                <a:schemeClr val="bg1"/>
+              </a:solidFill>
+              <a:latin typeface="Inter" panose="020F0502020204030204" pitchFamily="2" charset="0"/>
+              <a:ea typeface="Inter" panose="020F0502020204030204" pitchFamily="2" charset="0"/>
+            </a:endParaRPr>
+          </a:p>
+          <a:p>
+            <a:r>
+              <a:rPr lang="en-ID" sz="1600" dirty="0">
+                <a:solidFill>
+                  <a:schemeClr val="bg1"/>
+                </a:solidFill>
+                <a:latin typeface="Inter" panose="020F0502020204030204" pitchFamily="2" charset="0"/>
+                <a:ea typeface="Inter" panose="020F0502020204030204" pitchFamily="2" charset="0"/>
+              </a:rPr>
+              <a:t>5. Latihan </a:t>
+            </a:r>
+            <a:r>
+              <a:rPr lang="en-ID" sz="1600" dirty="0" err="1">
+                <a:solidFill>
+                  <a:schemeClr val="bg1"/>
+                </a:solidFill>
+                <a:latin typeface="Inter" panose="020F0502020204030204" pitchFamily="2" charset="0"/>
+                <a:ea typeface="Inter" panose="020F0502020204030204" pitchFamily="2" charset="0"/>
+              </a:rPr>
+              <a:t>soal</a:t>
+            </a:r>
+            <a:endParaRPr lang="en-ID" sz="1600" dirty="0">
+              <a:solidFill>
+                <a:schemeClr val="bg1"/>
+              </a:solidFill>
+              <a:latin typeface="Inter" panose="020F0502020204030204" pitchFamily="2" charset="0"/>
+              <a:ea typeface="Inter" panose="020F0502020204030204" pitchFamily="2" charset="0"/>
+            </a:endParaRPr>
+          </a:p>
+          <a:p>
+            <a:r>
+              <a:rPr lang="en-ID" sz="1600" dirty="0">
+                <a:solidFill>
+                  <a:schemeClr val="bg1"/>
+                </a:solidFill>
+                <a:latin typeface="Inter" panose="020F0502020204030204" pitchFamily="2" charset="0"/>
+                <a:ea typeface="Inter" panose="020F0502020204030204" pitchFamily="2" charset="0"/>
+              </a:rPr>
+              <a:t>6. </a:t>
+            </a:r>
+            <a:r>
+              <a:rPr lang="en-ID" sz="1600" dirty="0" err="1">
+                <a:solidFill>
+                  <a:schemeClr val="bg1"/>
+                </a:solidFill>
+                <a:latin typeface="Inter" panose="020F0502020204030204" pitchFamily="2" charset="0"/>
+                <a:ea typeface="Inter" panose="020F0502020204030204" pitchFamily="2" charset="0"/>
+              </a:rPr>
+              <a:t>Manajemen</a:t>
+            </a:r>
+            <a:r>
+              <a:rPr lang="en-ID" sz="1600" dirty="0">
+                <a:solidFill>
+                  <a:schemeClr val="bg1"/>
+                </a:solidFill>
+                <a:latin typeface="Inter" panose="020F0502020204030204" pitchFamily="2" charset="0"/>
+                <a:ea typeface="Inter" panose="020F0502020204030204" pitchFamily="2" charset="0"/>
+              </a:rPr>
+              <a:t> user oleh admin</a:t>
+            </a:r>
+          </a:p>
+        </p:txBody>
+      </p:sp>
+      <p:sp>
+        <p:nvSpPr>
+          <p:cNvPr id="7" name="TextBox 6">
+            <a:extLst>
+              <a:ext uri="{FF2B5EF4-FFF2-40B4-BE49-F238E27FC236}">
+                <a16:creationId xmlns:a16="http://schemas.microsoft.com/office/drawing/2014/main" id="{2C3CF53E-D13B-6983-A9F2-6B9AE4FC4964}"/>
+              </a:ext>
+            </a:extLst>
+          </p:cNvPr>
+          <p:cNvSpPr txBox="1"/>
+          <p:nvPr/>
+        </p:nvSpPr>
+        <p:spPr>
+          <a:xfrm>
+            <a:off x="735038" y="-3315338"/>
+            <a:ext cx="5073392" cy="584775"/>
+          </a:xfrm>
+          <a:prstGeom prst="rect">
+            <a:avLst/>
+          </a:prstGeom>
+          <a:noFill/>
+        </p:spPr>
+        <p:txBody>
+          <a:bodyPr wrap="square" rtlCol="0">
+            <a:spAutoFit/>
+          </a:bodyPr>
+          <a:lstStyle/>
+          <a:p>
+            <a:r>
+              <a:rPr lang="en-ID" sz="1600" dirty="0" err="1">
+                <a:solidFill>
+                  <a:schemeClr val="bg1"/>
+                </a:solidFill>
+                <a:latin typeface="Inter" panose="020F0502020204030204" pitchFamily="2" charset="0"/>
+                <a:ea typeface="Inter" panose="020F0502020204030204" pitchFamily="2" charset="0"/>
+              </a:rPr>
+              <a:t>Untuk</a:t>
+            </a:r>
+            <a:r>
+              <a:rPr lang="en-ID" sz="1600" dirty="0">
+                <a:solidFill>
+                  <a:schemeClr val="bg1"/>
+                </a:solidFill>
+                <a:latin typeface="Inter" panose="020F0502020204030204" pitchFamily="2" charset="0"/>
+                <a:ea typeface="Inter" panose="020F0502020204030204" pitchFamily="2" charset="0"/>
+              </a:rPr>
+              <a:t> </a:t>
+            </a:r>
+            <a:r>
+              <a:rPr lang="en-ID" sz="1600" dirty="0" err="1">
+                <a:solidFill>
+                  <a:schemeClr val="bg1"/>
+                </a:solidFill>
+                <a:latin typeface="Inter" panose="020F0502020204030204" pitchFamily="2" charset="0"/>
+                <a:ea typeface="Inter" panose="020F0502020204030204" pitchFamily="2" charset="0"/>
+              </a:rPr>
+              <a:t>pengembangan</a:t>
+            </a:r>
+            <a:r>
+              <a:rPr lang="en-ID" sz="1600" dirty="0">
+                <a:solidFill>
+                  <a:schemeClr val="bg1"/>
+                </a:solidFill>
+                <a:latin typeface="Inter" panose="020F0502020204030204" pitchFamily="2" charset="0"/>
+                <a:ea typeface="Inter" panose="020F0502020204030204" pitchFamily="2" charset="0"/>
+              </a:rPr>
+              <a:t> </a:t>
+            </a:r>
+            <a:r>
+              <a:rPr lang="en-ID" sz="1600" dirty="0" err="1">
+                <a:solidFill>
+                  <a:schemeClr val="bg1"/>
+                </a:solidFill>
+                <a:latin typeface="Inter" panose="020F0502020204030204" pitchFamily="2" charset="0"/>
+                <a:ea typeface="Inter" panose="020F0502020204030204" pitchFamily="2" charset="0"/>
+              </a:rPr>
+              <a:t>selanjutnya</a:t>
+            </a:r>
+            <a:r>
+              <a:rPr lang="en-ID" sz="1600" dirty="0">
+                <a:solidFill>
+                  <a:schemeClr val="bg1"/>
+                </a:solidFill>
+                <a:latin typeface="Inter" panose="020F0502020204030204" pitchFamily="2" charset="0"/>
+                <a:ea typeface="Inter" panose="020F0502020204030204" pitchFamily="2" charset="0"/>
+              </a:rPr>
+              <a:t>, </a:t>
+            </a:r>
+            <a:r>
+              <a:rPr lang="en-ID" sz="1600" dirty="0" err="1">
+                <a:solidFill>
+                  <a:schemeClr val="bg1"/>
+                </a:solidFill>
+                <a:latin typeface="Inter" panose="020F0502020204030204" pitchFamily="2" charset="0"/>
+                <a:ea typeface="Inter" panose="020F0502020204030204" pitchFamily="2" charset="0"/>
+              </a:rPr>
+              <a:t>Learniverse</a:t>
+            </a:r>
+            <a:r>
+              <a:rPr lang="en-ID" sz="1600" dirty="0">
+                <a:solidFill>
+                  <a:schemeClr val="bg1"/>
+                </a:solidFill>
+                <a:latin typeface="Inter" panose="020F0502020204030204" pitchFamily="2" charset="0"/>
+                <a:ea typeface="Inter" panose="020F0502020204030204" pitchFamily="2" charset="0"/>
+              </a:rPr>
+              <a:t> </a:t>
+            </a:r>
+            <a:r>
+              <a:rPr lang="en-ID" sz="1600" dirty="0" err="1">
+                <a:solidFill>
+                  <a:schemeClr val="bg1"/>
+                </a:solidFill>
+                <a:latin typeface="Inter" panose="020F0502020204030204" pitchFamily="2" charset="0"/>
+                <a:ea typeface="Inter" panose="020F0502020204030204" pitchFamily="2" charset="0"/>
+              </a:rPr>
+              <a:t>dapat</a:t>
+            </a:r>
+            <a:r>
+              <a:rPr lang="en-ID" sz="1600" dirty="0">
+                <a:solidFill>
+                  <a:schemeClr val="bg1"/>
+                </a:solidFill>
+                <a:latin typeface="Inter" panose="020F0502020204030204" pitchFamily="2" charset="0"/>
+                <a:ea typeface="Inter" panose="020F0502020204030204" pitchFamily="2" charset="0"/>
+              </a:rPr>
+              <a:t> </a:t>
+            </a:r>
+            <a:r>
+              <a:rPr lang="en-ID" sz="1600" dirty="0" err="1">
+                <a:solidFill>
+                  <a:schemeClr val="bg1"/>
+                </a:solidFill>
+                <a:latin typeface="Inter" panose="020F0502020204030204" pitchFamily="2" charset="0"/>
+                <a:ea typeface="Inter" panose="020F0502020204030204" pitchFamily="2" charset="0"/>
+              </a:rPr>
+              <a:t>mempertimbangkan</a:t>
+            </a:r>
+            <a:r>
+              <a:rPr lang="en-ID" sz="1600" dirty="0">
+                <a:solidFill>
+                  <a:schemeClr val="bg1"/>
+                </a:solidFill>
+                <a:latin typeface="Inter" panose="020F0502020204030204" pitchFamily="2" charset="0"/>
+                <a:ea typeface="Inter" panose="020F0502020204030204" pitchFamily="2" charset="0"/>
+              </a:rPr>
+              <a:t> </a:t>
+            </a:r>
+            <a:r>
+              <a:rPr lang="en-ID" sz="1600" dirty="0" err="1">
+                <a:solidFill>
+                  <a:schemeClr val="bg1"/>
+                </a:solidFill>
+                <a:latin typeface="Inter" panose="020F0502020204030204" pitchFamily="2" charset="0"/>
+                <a:ea typeface="Inter" panose="020F0502020204030204" pitchFamily="2" charset="0"/>
+              </a:rPr>
+              <a:t>fitur-fitur</a:t>
+            </a:r>
+            <a:r>
+              <a:rPr lang="en-ID" sz="1600" dirty="0">
+                <a:solidFill>
+                  <a:schemeClr val="bg1"/>
+                </a:solidFill>
+                <a:latin typeface="Inter" panose="020F0502020204030204" pitchFamily="2" charset="0"/>
+                <a:ea typeface="Inter" panose="020F0502020204030204" pitchFamily="2" charset="0"/>
+              </a:rPr>
+              <a:t> </a:t>
+            </a:r>
+            <a:r>
+              <a:rPr lang="en-ID" sz="1600" dirty="0" err="1">
+                <a:solidFill>
+                  <a:schemeClr val="bg1"/>
+                </a:solidFill>
+                <a:latin typeface="Inter" panose="020F0502020204030204" pitchFamily="2" charset="0"/>
+                <a:ea typeface="Inter" panose="020F0502020204030204" pitchFamily="2" charset="0"/>
+              </a:rPr>
+              <a:t>berikut</a:t>
+            </a:r>
+            <a:r>
+              <a:rPr lang="en-ID" sz="1600" dirty="0">
+                <a:solidFill>
+                  <a:schemeClr val="bg1"/>
+                </a:solidFill>
+                <a:latin typeface="Inter" panose="020F0502020204030204" pitchFamily="2" charset="0"/>
+                <a:ea typeface="Inter" panose="020F0502020204030204" pitchFamily="2" charset="0"/>
+              </a:rPr>
+              <a:t>:</a:t>
+            </a:r>
+          </a:p>
+        </p:txBody>
+      </p:sp>
     </p:spTree>
     <p:extLst>
       <p:ext uri="{BB962C8B-B14F-4D97-AF65-F5344CB8AC3E}">
@@ -16312,13 +14731,13 @@
   <p:clrMapOvr>
     <a:masterClrMapping/>
   </p:clrMapOvr>
-  <mc:AlternateContent xmlns:mc="http://schemas.openxmlformats.org/markup-compatibility/2006">
-    <mc:Choice xmlns:p159="http://schemas.microsoft.com/office/powerpoint/2015/09/main" Requires="p159">
+  <mc:AlternateContent xmlns:mc="http://schemas.openxmlformats.org/markup-compatibility/2006" xmlns:p159="http://schemas.microsoft.com/office/powerpoint/2015/09/main">
+    <mc:Choice Requires="p159">
       <p:transition xmlns:p14="http://schemas.microsoft.com/office/powerpoint/2010/main" spd="slow" p14:dur="1500">
         <p159:morph option="byObject"/>
       </p:transition>
     </mc:Choice>
-    <mc:Fallback>
+    <mc:Fallback xmlns="">
       <p:transition spd="slow">
         <p:fade/>
       </p:transition>
@@ -17179,13 +15598,13 @@
   <p:clrMapOvr>
     <a:masterClrMapping/>
   </p:clrMapOvr>
-  <mc:AlternateContent xmlns:mc="http://schemas.openxmlformats.org/markup-compatibility/2006">
-    <mc:Choice xmlns:p159="http://schemas.microsoft.com/office/powerpoint/2015/09/main" Requires="p159">
+  <mc:AlternateContent xmlns:mc="http://schemas.openxmlformats.org/markup-compatibility/2006" xmlns:p159="http://schemas.microsoft.com/office/powerpoint/2015/09/main">
+    <mc:Choice Requires="p159">
       <p:transition xmlns:p14="http://schemas.microsoft.com/office/powerpoint/2010/main" spd="slow" p14:dur="1500">
         <p159:morph option="byObject"/>
       </p:transition>
     </mc:Choice>
-    <mc:Fallback>
+    <mc:Fallback xmlns="">
       <p:transition spd="slow">
         <p:fade/>
       </p:transition>
@@ -17779,13 +16198,13 @@
   <p:clrMapOvr>
     <a:masterClrMapping/>
   </p:clrMapOvr>
-  <mc:AlternateContent xmlns:mc="http://schemas.openxmlformats.org/markup-compatibility/2006">
-    <mc:Choice xmlns:p159="http://schemas.microsoft.com/office/powerpoint/2015/09/main" Requires="p159">
+  <mc:AlternateContent xmlns:mc="http://schemas.openxmlformats.org/markup-compatibility/2006" xmlns:p159="http://schemas.microsoft.com/office/powerpoint/2015/09/main">
+    <mc:Choice Requires="p159">
       <p:transition xmlns:p14="http://schemas.microsoft.com/office/powerpoint/2010/main" spd="slow" p14:dur="1500">
         <p159:morph option="byObject"/>
       </p:transition>
     </mc:Choice>
-    <mc:Fallback>
+    <mc:Fallback xmlns="">
       <p:transition spd="slow">
         <p:fade/>
       </p:transition>

--- a/PPT.pptx
+++ b/PPT.pptx
@@ -12065,201 +12065,6 @@
       </p:sp>
       <p:sp>
         <p:nvSpPr>
-          <p:cNvPr id="4" name="TextBox 3">
-            <a:extLst>
-              <a:ext uri="{FF2B5EF4-FFF2-40B4-BE49-F238E27FC236}">
-                <a16:creationId xmlns:a16="http://schemas.microsoft.com/office/drawing/2014/main" id="{3392EE6B-6768-8945-A4E5-023A8A33BFC4}"/>
-              </a:ext>
-            </a:extLst>
-          </p:cNvPr>
-          <p:cNvSpPr txBox="1"/>
-          <p:nvPr/>
-        </p:nvSpPr>
-        <p:spPr>
-          <a:xfrm>
-            <a:off x="735038" y="-3088511"/>
-            <a:ext cx="5073392" cy="1569660"/>
-          </a:xfrm>
-          <a:prstGeom prst="rect">
-            <a:avLst/>
-          </a:prstGeom>
-          <a:noFill/>
-        </p:spPr>
-        <p:txBody>
-          <a:bodyPr wrap="square" rtlCol="0">
-            <a:spAutoFit/>
-          </a:bodyPr>
-          <a:lstStyle/>
-          <a:p>
-            <a:r>
-              <a:rPr lang="en-ID" sz="1600" dirty="0">
-                <a:solidFill>
-                  <a:schemeClr val="bg1"/>
-                </a:solidFill>
-                <a:latin typeface="Inter" panose="020F0502020204030204" pitchFamily="2" charset="0"/>
-                <a:ea typeface="Inter" panose="020F0502020204030204" pitchFamily="2" charset="0"/>
-              </a:rPr>
-              <a:t>1. </a:t>
-            </a:r>
-            <a:r>
-              <a:rPr lang="en-ID" sz="1600" dirty="0" err="1">
-                <a:solidFill>
-                  <a:schemeClr val="bg1"/>
-                </a:solidFill>
-                <a:latin typeface="Inter" panose="020F0502020204030204" pitchFamily="2" charset="0"/>
-                <a:ea typeface="Inter" panose="020F0502020204030204" pitchFamily="2" charset="0"/>
-              </a:rPr>
-              <a:t>Pengembangan</a:t>
-            </a:r>
-            <a:r>
-              <a:rPr lang="en-ID" sz="1600" dirty="0">
-                <a:solidFill>
-                  <a:schemeClr val="bg1"/>
-                </a:solidFill>
-                <a:latin typeface="Inter" panose="020F0502020204030204" pitchFamily="2" charset="0"/>
-                <a:ea typeface="Inter" panose="020F0502020204030204" pitchFamily="2" charset="0"/>
-              </a:rPr>
-              <a:t> Fitur </a:t>
-            </a:r>
-            <a:r>
-              <a:rPr lang="en-ID" sz="1600" dirty="0" err="1">
-                <a:solidFill>
-                  <a:schemeClr val="bg1"/>
-                </a:solidFill>
-                <a:latin typeface="Inter" panose="020F0502020204030204" pitchFamily="2" charset="0"/>
-                <a:ea typeface="Inter" panose="020F0502020204030204" pitchFamily="2" charset="0"/>
-              </a:rPr>
-              <a:t>Rekomendasi</a:t>
-            </a:r>
-            <a:endParaRPr lang="en-ID" sz="1600" dirty="0">
-              <a:solidFill>
-                <a:schemeClr val="bg1"/>
-              </a:solidFill>
-              <a:latin typeface="Inter" panose="020F0502020204030204" pitchFamily="2" charset="0"/>
-              <a:ea typeface="Inter" panose="020F0502020204030204" pitchFamily="2" charset="0"/>
-            </a:endParaRPr>
-          </a:p>
-          <a:p>
-            <a:r>
-              <a:rPr lang="en-ID" sz="1600" dirty="0">
-                <a:solidFill>
-                  <a:schemeClr val="bg1"/>
-                </a:solidFill>
-                <a:latin typeface="Inter" panose="020F0502020204030204" pitchFamily="2" charset="0"/>
-                <a:ea typeface="Inter" panose="020F0502020204030204" pitchFamily="2" charset="0"/>
-              </a:rPr>
-              <a:t>2. </a:t>
-            </a:r>
-            <a:r>
-              <a:rPr lang="en-ID" sz="1600" dirty="0" err="1">
-                <a:solidFill>
-                  <a:schemeClr val="bg1"/>
-                </a:solidFill>
-                <a:latin typeface="Inter" panose="020F0502020204030204" pitchFamily="2" charset="0"/>
-                <a:ea typeface="Inter" panose="020F0502020204030204" pitchFamily="2" charset="0"/>
-              </a:rPr>
-              <a:t>Pemperbaikan</a:t>
-            </a:r>
-            <a:r>
-              <a:rPr lang="en-ID" sz="1600" dirty="0">
-                <a:solidFill>
-                  <a:schemeClr val="bg1"/>
-                </a:solidFill>
-                <a:latin typeface="Inter" panose="020F0502020204030204" pitchFamily="2" charset="0"/>
-                <a:ea typeface="Inter" panose="020F0502020204030204" pitchFamily="2" charset="0"/>
-              </a:rPr>
-              <a:t> UI/UX Desain</a:t>
-            </a:r>
-          </a:p>
-          <a:p>
-            <a:r>
-              <a:rPr lang="en-ID" sz="1600" dirty="0">
-                <a:solidFill>
-                  <a:schemeClr val="bg1"/>
-                </a:solidFill>
-                <a:latin typeface="Inter" panose="020F0502020204030204" pitchFamily="2" charset="0"/>
-                <a:ea typeface="Inter" panose="020F0502020204030204" pitchFamily="2" charset="0"/>
-              </a:rPr>
-              <a:t>3. Update Profile</a:t>
-            </a:r>
-          </a:p>
-          <a:p>
-            <a:r>
-              <a:rPr lang="en-ID" sz="1600" dirty="0">
-                <a:solidFill>
-                  <a:schemeClr val="bg1"/>
-                </a:solidFill>
-                <a:latin typeface="Inter" panose="020F0502020204030204" pitchFamily="2" charset="0"/>
-                <a:ea typeface="Inter" panose="020F0502020204030204" pitchFamily="2" charset="0"/>
-              </a:rPr>
-              <a:t>4. Search Modul</a:t>
-            </a:r>
-          </a:p>
-          <a:p>
-            <a:r>
-              <a:rPr lang="en-ID" sz="1600" dirty="0">
-                <a:solidFill>
-                  <a:schemeClr val="bg1"/>
-                </a:solidFill>
-                <a:latin typeface="Inter" panose="020F0502020204030204" pitchFamily="2" charset="0"/>
-                <a:ea typeface="Inter" panose="020F0502020204030204" pitchFamily="2" charset="0"/>
-              </a:rPr>
-              <a:t>5. Latihan </a:t>
-            </a:r>
-            <a:r>
-              <a:rPr lang="en-ID" sz="1600" dirty="0" err="1">
-                <a:solidFill>
-                  <a:schemeClr val="bg1"/>
-                </a:solidFill>
-                <a:latin typeface="Inter" panose="020F0502020204030204" pitchFamily="2" charset="0"/>
-                <a:ea typeface="Inter" panose="020F0502020204030204" pitchFamily="2" charset="0"/>
-              </a:rPr>
-              <a:t>Soal</a:t>
-            </a:r>
-            <a:endParaRPr lang="en-ID" sz="1600" dirty="0">
-              <a:solidFill>
-                <a:schemeClr val="bg1"/>
-              </a:solidFill>
-              <a:latin typeface="Inter" panose="020F0502020204030204" pitchFamily="2" charset="0"/>
-              <a:ea typeface="Inter" panose="020F0502020204030204" pitchFamily="2" charset="0"/>
-            </a:endParaRPr>
-          </a:p>
-          <a:p>
-            <a:r>
-              <a:rPr lang="en-ID" sz="1600" dirty="0">
-                <a:solidFill>
-                  <a:schemeClr val="bg1"/>
-                </a:solidFill>
-                <a:latin typeface="Inter" panose="020F0502020204030204" pitchFamily="2" charset="0"/>
-                <a:ea typeface="Inter" panose="020F0502020204030204" pitchFamily="2" charset="0"/>
-              </a:rPr>
-              <a:t>6. </a:t>
-            </a:r>
-            <a:r>
-              <a:rPr lang="en-ID" sz="1600" dirty="0" err="1">
-                <a:solidFill>
-                  <a:schemeClr val="bg1"/>
-                </a:solidFill>
-                <a:latin typeface="Inter" panose="020F0502020204030204" pitchFamily="2" charset="0"/>
-                <a:ea typeface="Inter" panose="020F0502020204030204" pitchFamily="2" charset="0"/>
-              </a:rPr>
-              <a:t>Manajemen</a:t>
-            </a:r>
-            <a:r>
-              <a:rPr lang="en-ID" sz="1600" dirty="0">
-                <a:solidFill>
-                  <a:schemeClr val="bg1"/>
-                </a:solidFill>
-                <a:latin typeface="Inter" panose="020F0502020204030204" pitchFamily="2" charset="0"/>
-                <a:ea typeface="Inter" panose="020F0502020204030204" pitchFamily="2" charset="0"/>
-              </a:rPr>
-              <a:t> User oleh Admin</a:t>
-            </a:r>
-          </a:p>
-        </p:txBody>
-      </p:sp>
-      <p:sp>
-        <p:nvSpPr>
           <p:cNvPr id="10" name="TextBox 9">
             <a:extLst>
               <a:ext uri="{FF2B5EF4-FFF2-40B4-BE49-F238E27FC236}">
@@ -12445,6 +12250,295 @@
                 <a:ea typeface="Inter" panose="020F0502020204030204" pitchFamily="2" charset="0"/>
               </a:rPr>
               <a:t>:</a:t>
+            </a:r>
+          </a:p>
+        </p:txBody>
+      </p:sp>
+      <p:sp>
+        <p:nvSpPr>
+          <p:cNvPr id="12" name="TextBox 11">
+            <a:extLst>
+              <a:ext uri="{FF2B5EF4-FFF2-40B4-BE49-F238E27FC236}">
+                <a16:creationId xmlns:a16="http://schemas.microsoft.com/office/drawing/2014/main" id="{C388CAF4-C2B5-B23E-0FC7-5532A455F646}"/>
+              </a:ext>
+            </a:extLst>
+          </p:cNvPr>
+          <p:cNvSpPr txBox="1"/>
+          <p:nvPr/>
+        </p:nvSpPr>
+        <p:spPr>
+          <a:xfrm>
+            <a:off x="735038" y="-1794663"/>
+            <a:ext cx="5073392" cy="1569660"/>
+          </a:xfrm>
+          <a:prstGeom prst="rect">
+            <a:avLst/>
+          </a:prstGeom>
+          <a:noFill/>
+        </p:spPr>
+        <p:txBody>
+          <a:bodyPr wrap="square" rtlCol="0">
+            <a:spAutoFit/>
+          </a:bodyPr>
+          <a:lstStyle/>
+          <a:p>
+            <a:r>
+              <a:rPr lang="en-ID" sz="1600" dirty="0">
+                <a:solidFill>
+                  <a:schemeClr val="bg1"/>
+                </a:solidFill>
+                <a:latin typeface="Inter" panose="020F0502020204030204" pitchFamily="2" charset="0"/>
+                <a:ea typeface="Inter" panose="020F0502020204030204" pitchFamily="2" charset="0"/>
+              </a:rPr>
+              <a:t>1. </a:t>
+            </a:r>
+            <a:r>
+              <a:rPr lang="en-ID" sz="1600" dirty="0" err="1">
+                <a:solidFill>
+                  <a:schemeClr val="bg1"/>
+                </a:solidFill>
+                <a:latin typeface="Inter" panose="020F0502020204030204" pitchFamily="2" charset="0"/>
+                <a:ea typeface="Inter" panose="020F0502020204030204" pitchFamily="2" charset="0"/>
+              </a:rPr>
+              <a:t>Pengembangan</a:t>
+            </a:r>
+            <a:r>
+              <a:rPr lang="en-ID" sz="1600" dirty="0">
+                <a:solidFill>
+                  <a:schemeClr val="bg1"/>
+                </a:solidFill>
+                <a:latin typeface="Inter" panose="020F0502020204030204" pitchFamily="2" charset="0"/>
+                <a:ea typeface="Inter" panose="020F0502020204030204" pitchFamily="2" charset="0"/>
+              </a:rPr>
+              <a:t> </a:t>
+            </a:r>
+            <a:r>
+              <a:rPr lang="en-ID" sz="1600" dirty="0" err="1">
+                <a:solidFill>
+                  <a:schemeClr val="bg1"/>
+                </a:solidFill>
+                <a:latin typeface="Inter" panose="020F0502020204030204" pitchFamily="2" charset="0"/>
+                <a:ea typeface="Inter" panose="020F0502020204030204" pitchFamily="2" charset="0"/>
+              </a:rPr>
+              <a:t>fitur</a:t>
+            </a:r>
+            <a:r>
+              <a:rPr lang="en-ID" sz="1600" dirty="0">
+                <a:solidFill>
+                  <a:schemeClr val="bg1"/>
+                </a:solidFill>
+                <a:latin typeface="Inter" panose="020F0502020204030204" pitchFamily="2" charset="0"/>
+                <a:ea typeface="Inter" panose="020F0502020204030204" pitchFamily="2" charset="0"/>
+              </a:rPr>
+              <a:t> </a:t>
+            </a:r>
+            <a:r>
+              <a:rPr lang="en-ID" sz="1600" dirty="0" err="1">
+                <a:solidFill>
+                  <a:schemeClr val="bg1"/>
+                </a:solidFill>
+                <a:latin typeface="Inter" panose="020F0502020204030204" pitchFamily="2" charset="0"/>
+                <a:ea typeface="Inter" panose="020F0502020204030204" pitchFamily="2" charset="0"/>
+              </a:rPr>
+              <a:t>rekomendasi</a:t>
+            </a:r>
+            <a:endParaRPr lang="en-ID" sz="1600" dirty="0">
+              <a:solidFill>
+                <a:schemeClr val="bg1"/>
+              </a:solidFill>
+              <a:latin typeface="Inter" panose="020F0502020204030204" pitchFamily="2" charset="0"/>
+              <a:ea typeface="Inter" panose="020F0502020204030204" pitchFamily="2" charset="0"/>
+            </a:endParaRPr>
+          </a:p>
+          <a:p>
+            <a:r>
+              <a:rPr lang="en-ID" sz="1600" dirty="0">
+                <a:solidFill>
+                  <a:schemeClr val="bg1"/>
+                </a:solidFill>
+                <a:latin typeface="Inter" panose="020F0502020204030204" pitchFamily="2" charset="0"/>
+                <a:ea typeface="Inter" panose="020F0502020204030204" pitchFamily="2" charset="0"/>
+              </a:rPr>
+              <a:t>2. </a:t>
+            </a:r>
+            <a:r>
+              <a:rPr lang="en-ID" sz="1600" dirty="0" err="1">
+                <a:solidFill>
+                  <a:schemeClr val="bg1"/>
+                </a:solidFill>
+                <a:latin typeface="Inter" panose="020F0502020204030204" pitchFamily="2" charset="0"/>
+                <a:ea typeface="Inter" panose="020F0502020204030204" pitchFamily="2" charset="0"/>
+              </a:rPr>
+              <a:t>Pemperbaikan</a:t>
+            </a:r>
+            <a:r>
+              <a:rPr lang="en-ID" sz="1600" dirty="0">
+                <a:solidFill>
+                  <a:schemeClr val="bg1"/>
+                </a:solidFill>
+                <a:latin typeface="Inter" panose="020F0502020204030204" pitchFamily="2" charset="0"/>
+                <a:ea typeface="Inter" panose="020F0502020204030204" pitchFamily="2" charset="0"/>
+              </a:rPr>
+              <a:t> UI/UX </a:t>
+            </a:r>
+            <a:r>
+              <a:rPr lang="en-ID" sz="1600" dirty="0" err="1">
+                <a:solidFill>
+                  <a:schemeClr val="bg1"/>
+                </a:solidFill>
+                <a:latin typeface="Inter" panose="020F0502020204030204" pitchFamily="2" charset="0"/>
+                <a:ea typeface="Inter" panose="020F0502020204030204" pitchFamily="2" charset="0"/>
+              </a:rPr>
+              <a:t>desain</a:t>
+            </a:r>
+            <a:endParaRPr lang="en-ID" sz="1600" dirty="0">
+              <a:solidFill>
+                <a:schemeClr val="bg1"/>
+              </a:solidFill>
+              <a:latin typeface="Inter" panose="020F0502020204030204" pitchFamily="2" charset="0"/>
+              <a:ea typeface="Inter" panose="020F0502020204030204" pitchFamily="2" charset="0"/>
+            </a:endParaRPr>
+          </a:p>
+          <a:p>
+            <a:r>
+              <a:rPr lang="en-ID" sz="1600" dirty="0">
+                <a:solidFill>
+                  <a:schemeClr val="bg1"/>
+                </a:solidFill>
+                <a:latin typeface="Inter" panose="020F0502020204030204" pitchFamily="2" charset="0"/>
+                <a:ea typeface="Inter" panose="020F0502020204030204" pitchFamily="2" charset="0"/>
+              </a:rPr>
+              <a:t>3. Update profile</a:t>
+            </a:r>
+          </a:p>
+          <a:p>
+            <a:r>
+              <a:rPr lang="en-ID" sz="1600" dirty="0">
+                <a:solidFill>
+                  <a:schemeClr val="bg1"/>
+                </a:solidFill>
+                <a:latin typeface="Inter" panose="020F0502020204030204" pitchFamily="2" charset="0"/>
+                <a:ea typeface="Inter" panose="020F0502020204030204" pitchFamily="2" charset="0"/>
+              </a:rPr>
+              <a:t>4. Search </a:t>
+            </a:r>
+            <a:r>
+              <a:rPr lang="en-ID" sz="1600" dirty="0" err="1">
+                <a:solidFill>
+                  <a:schemeClr val="bg1"/>
+                </a:solidFill>
+                <a:latin typeface="Inter" panose="020F0502020204030204" pitchFamily="2" charset="0"/>
+                <a:ea typeface="Inter" panose="020F0502020204030204" pitchFamily="2" charset="0"/>
+              </a:rPr>
+              <a:t>modul</a:t>
+            </a:r>
+            <a:r>
+              <a:rPr lang="en-ID" sz="1600" dirty="0">
+                <a:solidFill>
+                  <a:schemeClr val="bg1"/>
+                </a:solidFill>
+                <a:latin typeface="Inter" panose="020F0502020204030204" pitchFamily="2" charset="0"/>
+                <a:ea typeface="Inter" panose="020F0502020204030204" pitchFamily="2" charset="0"/>
+              </a:rPr>
+              <a:t> </a:t>
+            </a:r>
+            <a:r>
+              <a:rPr lang="en-ID" sz="1600" dirty="0" err="1">
+                <a:solidFill>
+                  <a:schemeClr val="bg1"/>
+                </a:solidFill>
+                <a:latin typeface="Inter" panose="020F0502020204030204" pitchFamily="2" charset="0"/>
+                <a:ea typeface="Inter" panose="020F0502020204030204" pitchFamily="2" charset="0"/>
+              </a:rPr>
+              <a:t>berdasarkan</a:t>
+            </a:r>
+            <a:r>
+              <a:rPr lang="en-ID" sz="1600" dirty="0">
+                <a:solidFill>
+                  <a:schemeClr val="bg1"/>
+                </a:solidFill>
+                <a:latin typeface="Inter" panose="020F0502020204030204" pitchFamily="2" charset="0"/>
+                <a:ea typeface="Inter" panose="020F0502020204030204" pitchFamily="2" charset="0"/>
+              </a:rPr>
+              <a:t> kata </a:t>
+            </a:r>
+            <a:r>
+              <a:rPr lang="en-ID" sz="1600" dirty="0" err="1">
+                <a:solidFill>
+                  <a:schemeClr val="bg1"/>
+                </a:solidFill>
+                <a:latin typeface="Inter" panose="020F0502020204030204" pitchFamily="2" charset="0"/>
+                <a:ea typeface="Inter" panose="020F0502020204030204" pitchFamily="2" charset="0"/>
+              </a:rPr>
+              <a:t>kunci</a:t>
+            </a:r>
+            <a:endParaRPr lang="en-ID" sz="1600" dirty="0">
+              <a:solidFill>
+                <a:schemeClr val="bg1"/>
+              </a:solidFill>
+              <a:latin typeface="Inter" panose="020F0502020204030204" pitchFamily="2" charset="0"/>
+              <a:ea typeface="Inter" panose="020F0502020204030204" pitchFamily="2" charset="0"/>
+            </a:endParaRPr>
+          </a:p>
+          <a:p>
+            <a:r>
+              <a:rPr lang="en-ID" sz="1600" dirty="0">
+                <a:solidFill>
+                  <a:schemeClr val="bg1"/>
+                </a:solidFill>
+                <a:latin typeface="Inter" panose="020F0502020204030204" pitchFamily="2" charset="0"/>
+                <a:ea typeface="Inter" panose="020F0502020204030204" pitchFamily="2" charset="0"/>
+              </a:rPr>
+              <a:t>5. Latihan </a:t>
+            </a:r>
+            <a:r>
+              <a:rPr lang="en-ID" sz="1600" dirty="0" err="1">
+                <a:solidFill>
+                  <a:schemeClr val="bg1"/>
+                </a:solidFill>
+                <a:latin typeface="Inter" panose="020F0502020204030204" pitchFamily="2" charset="0"/>
+                <a:ea typeface="Inter" panose="020F0502020204030204" pitchFamily="2" charset="0"/>
+              </a:rPr>
+              <a:t>soal</a:t>
+            </a:r>
+            <a:endParaRPr lang="en-ID" sz="1600" dirty="0">
+              <a:solidFill>
+                <a:schemeClr val="bg1"/>
+              </a:solidFill>
+              <a:latin typeface="Inter" panose="020F0502020204030204" pitchFamily="2" charset="0"/>
+              <a:ea typeface="Inter" panose="020F0502020204030204" pitchFamily="2" charset="0"/>
+            </a:endParaRPr>
+          </a:p>
+          <a:p>
+            <a:r>
+              <a:rPr lang="en-ID" sz="1600" dirty="0">
+                <a:solidFill>
+                  <a:schemeClr val="bg1"/>
+                </a:solidFill>
+                <a:latin typeface="Inter" panose="020F0502020204030204" pitchFamily="2" charset="0"/>
+                <a:ea typeface="Inter" panose="020F0502020204030204" pitchFamily="2" charset="0"/>
+              </a:rPr>
+              <a:t>6. </a:t>
+            </a:r>
+            <a:r>
+              <a:rPr lang="en-ID" sz="1600" dirty="0" err="1">
+                <a:solidFill>
+                  <a:schemeClr val="bg1"/>
+                </a:solidFill>
+                <a:latin typeface="Inter" panose="020F0502020204030204" pitchFamily="2" charset="0"/>
+                <a:ea typeface="Inter" panose="020F0502020204030204" pitchFamily="2" charset="0"/>
+              </a:rPr>
+              <a:t>Manajemen</a:t>
+            </a:r>
+            <a:r>
+              <a:rPr lang="en-ID" sz="1600" dirty="0">
+                <a:solidFill>
+                  <a:schemeClr val="bg1"/>
+                </a:solidFill>
+                <a:latin typeface="Inter" panose="020F0502020204030204" pitchFamily="2" charset="0"/>
+                <a:ea typeface="Inter" panose="020F0502020204030204" pitchFamily="2" charset="0"/>
+              </a:rPr>
+              <a:t> user oleh admin</a:t>
             </a:r>
           </a:p>
         </p:txBody>
@@ -12611,7 +12705,7 @@
         </p:nvSpPr>
         <p:spPr>
           <a:xfrm>
-            <a:off x="735038" y="2851266"/>
+            <a:off x="735038" y="2844630"/>
             <a:ext cx="5073392" cy="1569660"/>
           </a:xfrm>
           <a:prstGeom prst="rect">
@@ -14721,6 +14815,42 @@
           </a:p>
         </p:txBody>
       </p:sp>
+      <p:pic>
+        <p:nvPicPr>
+          <p:cNvPr id="2" name="Picture 1">
+            <a:extLst>
+              <a:ext uri="{FF2B5EF4-FFF2-40B4-BE49-F238E27FC236}">
+                <a16:creationId xmlns:a16="http://schemas.microsoft.com/office/drawing/2014/main" id="{5847E495-E251-0F3C-29D3-2F132CAC4D40}"/>
+              </a:ext>
+            </a:extLst>
+          </p:cNvPr>
+          <p:cNvPicPr>
+            <a:picLocks noChangeAspect="1"/>
+          </p:cNvPicPr>
+          <p:nvPr/>
+        </p:nvPicPr>
+        <p:blipFill>
+          <a:blip r:embed="rId9">
+            <a:extLst>
+              <a:ext uri="{28A0092B-C50C-407E-A947-70E740481C1C}">
+                <a14:useLocalDpi xmlns:a14="http://schemas.microsoft.com/office/drawing/2010/main" val="0"/>
+              </a:ext>
+            </a:extLst>
+          </a:blip>
+          <a:stretch>
+            <a:fillRect/>
+          </a:stretch>
+        </p:blipFill>
+        <p:spPr>
+          <a:xfrm>
+            <a:off x="13241297" y="4634435"/>
+            <a:ext cx="4306276" cy="2421098"/>
+          </a:xfrm>
+          <a:prstGeom prst="rect">
+            <a:avLst/>
+          </a:prstGeom>
+        </p:spPr>
+      </p:pic>
     </p:spTree>
     <p:extLst>
       <p:ext uri="{BB962C8B-B14F-4D97-AF65-F5344CB8AC3E}">
@@ -15411,10 +15541,10 @@
       </p:sp>
       <p:pic>
         <p:nvPicPr>
-          <p:cNvPr id="29" name="Picture 28">
-            <a:extLst>
-              <a:ext uri="{FF2B5EF4-FFF2-40B4-BE49-F238E27FC236}">
-                <a16:creationId xmlns:a16="http://schemas.microsoft.com/office/drawing/2014/main" id="{2B471BDB-BFD4-47B2-20C8-5D75B2516B0A}"/>
+          <p:cNvPr id="30" name="Picture 29">
+            <a:extLst>
+              <a:ext uri="{FF2B5EF4-FFF2-40B4-BE49-F238E27FC236}">
+                <a16:creationId xmlns:a16="http://schemas.microsoft.com/office/drawing/2014/main" id="{C3A0B4CF-9EE9-2BAE-3E28-27AA0F9F6063}"/>
               </a:ext>
             </a:extLst>
           </p:cNvPr>
@@ -15425,42 +15555,6 @@
         </p:nvPicPr>
         <p:blipFill>
           <a:blip r:embed="rId7">
-            <a:extLst>
-              <a:ext uri="{28A0092B-C50C-407E-A947-70E740481C1C}">
-                <a14:useLocalDpi xmlns:a14="http://schemas.microsoft.com/office/drawing/2010/main" val="0"/>
-              </a:ext>
-            </a:extLst>
-          </a:blip>
-          <a:stretch>
-            <a:fillRect/>
-          </a:stretch>
-        </p:blipFill>
-        <p:spPr>
-          <a:xfrm>
-            <a:off x="-4224035" y="2257962"/>
-            <a:ext cx="3669061" cy="2062839"/>
-          </a:xfrm>
-          <a:prstGeom prst="rect">
-            <a:avLst/>
-          </a:prstGeom>
-        </p:spPr>
-      </p:pic>
-      <p:pic>
-        <p:nvPicPr>
-          <p:cNvPr id="30" name="Picture 29">
-            <a:extLst>
-              <a:ext uri="{FF2B5EF4-FFF2-40B4-BE49-F238E27FC236}">
-                <a16:creationId xmlns:a16="http://schemas.microsoft.com/office/drawing/2014/main" id="{C3A0B4CF-9EE9-2BAE-3E28-27AA0F9F6063}"/>
-              </a:ext>
-            </a:extLst>
-          </p:cNvPr>
-          <p:cNvPicPr>
-            <a:picLocks noChangeAspect="1"/>
-          </p:cNvPicPr>
-          <p:nvPr/>
-        </p:nvPicPr>
-        <p:blipFill>
-          <a:blip r:embed="rId8">
             <a:extLst>
               <a:ext uri="{28A0092B-C50C-407E-A947-70E740481C1C}">
                 <a14:useLocalDpi xmlns:a14="http://schemas.microsoft.com/office/drawing/2010/main" val="0"/>
@@ -15496,7 +15590,7 @@
           <p:nvPr/>
         </p:nvPicPr>
         <p:blipFill>
-          <a:blip r:embed="rId9">
+          <a:blip r:embed="rId8">
             <a:extLst>
               <a:ext uri="{28A0092B-C50C-407E-A947-70E740481C1C}">
                 <a14:useLocalDpi xmlns:a14="http://schemas.microsoft.com/office/drawing/2010/main" val="0"/>
@@ -15519,10 +15613,10 @@
       </p:pic>
       <p:pic>
         <p:nvPicPr>
-          <p:cNvPr id="32" name="Picture 31">
-            <a:extLst>
-              <a:ext uri="{FF2B5EF4-FFF2-40B4-BE49-F238E27FC236}">
-                <a16:creationId xmlns:a16="http://schemas.microsoft.com/office/drawing/2014/main" id="{962C0CEC-4046-7561-16C1-762AB78B582A}"/>
+          <p:cNvPr id="33" name="Picture 32">
+            <a:extLst>
+              <a:ext uri="{FF2B5EF4-FFF2-40B4-BE49-F238E27FC236}">
+                <a16:creationId xmlns:a16="http://schemas.microsoft.com/office/drawing/2014/main" id="{A074CCBF-F6C5-586B-1E8C-733D4A1E7320}"/>
               </a:ext>
             </a:extLst>
           </p:cNvPr>
@@ -15531,22 +15625,21 @@
           </p:cNvPicPr>
           <p:nvPr/>
         </p:nvPicPr>
-        <p:blipFill>
-          <a:blip r:embed="rId10">
+        <p:blipFill rotWithShape="1">
+          <a:blip r:embed="rId9">
             <a:extLst>
               <a:ext uri="{28A0092B-C50C-407E-A947-70E740481C1C}">
                 <a14:useLocalDpi xmlns:a14="http://schemas.microsoft.com/office/drawing/2010/main" val="0"/>
               </a:ext>
             </a:extLst>
           </a:blip>
-          <a:stretch>
-            <a:fillRect/>
-          </a:stretch>
+          <a:srcRect l="32466" r="33471"/>
+          <a:stretch/>
         </p:blipFill>
         <p:spPr>
           <a:xfrm>
-            <a:off x="13276479" y="4581458"/>
-            <a:ext cx="4306275" cy="2421098"/>
+            <a:off x="11163525" y="-3256459"/>
+            <a:ext cx="1775493" cy="2930575"/>
           </a:xfrm>
           <a:prstGeom prst="rect">
             <a:avLst/>
@@ -15555,10 +15648,10 @@
       </p:pic>
       <p:pic>
         <p:nvPicPr>
-          <p:cNvPr id="33" name="Picture 32">
-            <a:extLst>
-              <a:ext uri="{FF2B5EF4-FFF2-40B4-BE49-F238E27FC236}">
-                <a16:creationId xmlns:a16="http://schemas.microsoft.com/office/drawing/2014/main" id="{A074CCBF-F6C5-586B-1E8C-733D4A1E7320}"/>
+          <p:cNvPr id="2" name="Picture 1">
+            <a:extLst>
+              <a:ext uri="{FF2B5EF4-FFF2-40B4-BE49-F238E27FC236}">
+                <a16:creationId xmlns:a16="http://schemas.microsoft.com/office/drawing/2014/main" id="{B5028C64-A3CA-B12F-C075-4E3AFA6B9A41}"/>
               </a:ext>
             </a:extLst>
           </p:cNvPr>
@@ -15567,21 +15660,22 @@
           </p:cNvPicPr>
           <p:nvPr/>
         </p:nvPicPr>
-        <p:blipFill rotWithShape="1">
-          <a:blip r:embed="rId11">
+        <p:blipFill>
+          <a:blip r:embed="rId10">
             <a:extLst>
               <a:ext uri="{28A0092B-C50C-407E-A947-70E740481C1C}">
                 <a14:useLocalDpi xmlns:a14="http://schemas.microsoft.com/office/drawing/2010/main" val="0"/>
               </a:ext>
             </a:extLst>
           </a:blip>
-          <a:srcRect l="32466" r="33471"/>
-          <a:stretch/>
+          <a:stretch>
+            <a:fillRect/>
+          </a:stretch>
         </p:blipFill>
         <p:spPr>
           <a:xfrm>
-            <a:off x="11163525" y="-3256459"/>
-            <a:ext cx="1775493" cy="2930575"/>
+            <a:off x="-4213195" y="2227037"/>
+            <a:ext cx="3669061" cy="2062839"/>
           </a:xfrm>
           <a:prstGeom prst="rect">
             <a:avLst/>

--- a/PPT.pptx
+++ b/PPT.pptx
@@ -3441,7 +3441,7 @@
         </p:blipFill>
         <p:spPr>
           <a:xfrm>
-            <a:off x="5753100" y="-690529"/>
+            <a:off x="5753100" y="-1090579"/>
             <a:ext cx="5162550" cy="2902517"/>
           </a:xfrm>
           <a:prstGeom prst="rect">
@@ -3864,7 +3864,7 @@
         </p:nvSpPr>
         <p:spPr>
           <a:xfrm>
-            <a:off x="13334878" y="2272948"/>
+            <a:off x="-1481790" y="-2622134"/>
             <a:ext cx="9227818" cy="1323439"/>
           </a:xfrm>
           <a:prstGeom prst="rect">
@@ -4503,7 +4503,7 @@
         </p:nvSpPr>
         <p:spPr>
           <a:xfrm>
-            <a:off x="15616432" y="1442547"/>
+            <a:off x="799764" y="-3452535"/>
             <a:ext cx="4664710" cy="769441"/>
           </a:xfrm>
           <a:prstGeom prst="rect">
@@ -4734,6 +4734,114 @@
           <a:xfrm>
             <a:off x="-909106" y="2953229"/>
             <a:ext cx="564361" cy="555557"/>
+          </a:xfrm>
+          <a:prstGeom prst="rect">
+            <a:avLst/>
+          </a:prstGeom>
+        </p:spPr>
+      </p:pic>
+      <p:pic>
+        <p:nvPicPr>
+          <p:cNvPr id="2" name="Picture 1">
+            <a:extLst>
+              <a:ext uri="{FF2B5EF4-FFF2-40B4-BE49-F238E27FC236}">
+                <a16:creationId xmlns:a16="http://schemas.microsoft.com/office/drawing/2014/main" id="{30BEAA69-91FF-42C6-BA87-0F36786C7704}"/>
+              </a:ext>
+            </a:extLst>
+          </p:cNvPr>
+          <p:cNvPicPr>
+            <a:picLocks noChangeAspect="1"/>
+          </p:cNvPicPr>
+          <p:nvPr/>
+        </p:nvPicPr>
+        <p:blipFill>
+          <a:blip r:embed="rId15">
+            <a:extLst>
+              <a:ext uri="{28A0092B-C50C-407E-A947-70E740481C1C}">
+                <a14:useLocalDpi xmlns:a14="http://schemas.microsoft.com/office/drawing/2010/main" val="0"/>
+              </a:ext>
+            </a:extLst>
+          </a:blip>
+          <a:stretch>
+            <a:fillRect/>
+          </a:stretch>
+        </p:blipFill>
+        <p:spPr>
+          <a:xfrm>
+            <a:off x="232893" y="7688280"/>
+            <a:ext cx="2667000" cy="5400675"/>
+          </a:xfrm>
+          <a:prstGeom prst="rect">
+            <a:avLst/>
+          </a:prstGeom>
+        </p:spPr>
+      </p:pic>
+      <p:pic>
+        <p:nvPicPr>
+          <p:cNvPr id="3" name="Picture 2">
+            <a:extLst>
+              <a:ext uri="{FF2B5EF4-FFF2-40B4-BE49-F238E27FC236}">
+                <a16:creationId xmlns:a16="http://schemas.microsoft.com/office/drawing/2014/main" id="{0BF909EF-0465-7E15-E819-C6303BCEC6BF}"/>
+              </a:ext>
+            </a:extLst>
+          </p:cNvPr>
+          <p:cNvPicPr>
+            <a:picLocks noChangeAspect="1"/>
+          </p:cNvPicPr>
+          <p:nvPr/>
+        </p:nvPicPr>
+        <p:blipFill>
+          <a:blip r:embed="rId16">
+            <a:extLst>
+              <a:ext uri="{28A0092B-C50C-407E-A947-70E740481C1C}">
+                <a14:useLocalDpi xmlns:a14="http://schemas.microsoft.com/office/drawing/2010/main" val="0"/>
+              </a:ext>
+            </a:extLst>
+          </a:blip>
+          <a:stretch>
+            <a:fillRect/>
+          </a:stretch>
+        </p:blipFill>
+        <p:spPr>
+          <a:xfrm>
+            <a:off x="1666164" y="8440311"/>
+            <a:ext cx="9096375" cy="5229225"/>
+          </a:xfrm>
+          <a:prstGeom prst="rect">
+            <a:avLst/>
+          </a:prstGeom>
+        </p:spPr>
+      </p:pic>
+      <p:pic>
+        <p:nvPicPr>
+          <p:cNvPr id="4" name="Picture 3">
+            <a:extLst>
+              <a:ext uri="{FF2B5EF4-FFF2-40B4-BE49-F238E27FC236}">
+                <a16:creationId xmlns:a16="http://schemas.microsoft.com/office/drawing/2014/main" id="{CBF4F3FC-F658-C492-49B5-555FE1FAE566}"/>
+              </a:ext>
+            </a:extLst>
+          </p:cNvPr>
+          <p:cNvPicPr>
+            <a:picLocks noChangeAspect="1"/>
+          </p:cNvPicPr>
+          <p:nvPr/>
+        </p:nvPicPr>
+        <p:blipFill>
+          <a:blip r:embed="rId17">
+            <a:extLst>
+              <a:ext uri="{28A0092B-C50C-407E-A947-70E740481C1C}">
+                <a14:useLocalDpi xmlns:a14="http://schemas.microsoft.com/office/drawing/2010/main" val="0"/>
+              </a:ext>
+            </a:extLst>
+          </a:blip>
+          <a:stretch>
+            <a:fillRect/>
+          </a:stretch>
+        </p:blipFill>
+        <p:spPr>
+          <a:xfrm>
+            <a:off x="8612428" y="7849766"/>
+            <a:ext cx="4257675" cy="5895975"/>
           </a:xfrm>
           <a:prstGeom prst="rect">
             <a:avLst/>
@@ -4848,42 +4956,6 @@
           </a:p>
         </p:txBody>
       </p:sp>
-      <p:pic>
-        <p:nvPicPr>
-          <p:cNvPr id="5" name="Picture 4">
-            <a:extLst>
-              <a:ext uri="{FF2B5EF4-FFF2-40B4-BE49-F238E27FC236}">
-                <a16:creationId xmlns:a16="http://schemas.microsoft.com/office/drawing/2014/main" id="{47389133-731B-F4AE-D4B0-6009BE35DB9A}"/>
-              </a:ext>
-            </a:extLst>
-          </p:cNvPr>
-          <p:cNvPicPr>
-            <a:picLocks noChangeAspect="1"/>
-          </p:cNvPicPr>
-          <p:nvPr/>
-        </p:nvPicPr>
-        <p:blipFill>
-          <a:blip r:embed="rId2">
-            <a:extLst>
-              <a:ext uri="{28A0092B-C50C-407E-A947-70E740481C1C}">
-                <a14:useLocalDpi xmlns:a14="http://schemas.microsoft.com/office/drawing/2010/main" val="0"/>
-              </a:ext>
-            </a:extLst>
-          </a:blip>
-          <a:stretch>
-            <a:fillRect/>
-          </a:stretch>
-        </p:blipFill>
-        <p:spPr>
-          <a:xfrm>
-            <a:off x="2556387" y="3384549"/>
-            <a:ext cx="7079226" cy="3980121"/>
-          </a:xfrm>
-          <a:prstGeom prst="rect">
-            <a:avLst/>
-          </a:prstGeom>
-        </p:spPr>
-      </p:pic>
       <p:sp>
         <p:nvSpPr>
           <p:cNvPr id="14" name="TextBox 13">
@@ -7956,13 +8028,13 @@
           <p:nvPr/>
         </p:nvPicPr>
         <p:blipFill>
-          <a:blip r:embed="rId3">
+          <a:blip r:embed="rId2">
             <a:extLst>
               <a:ext uri="{28A0092B-C50C-407E-A947-70E740481C1C}">
                 <a14:useLocalDpi xmlns:a14="http://schemas.microsoft.com/office/drawing/2010/main" val="0"/>
               </a:ext>
               <a:ext uri="{96DAC541-7B7A-43D3-8B79-37D633B846F1}">
-                <asvg:svgBlip xmlns:asvg="http://schemas.microsoft.com/office/drawing/2016/SVG/main" r:embed="rId4"/>
+                <asvg:svgBlip xmlns:asvg="http://schemas.microsoft.com/office/drawing/2016/SVG/main" r:embed="rId3"/>
               </a:ext>
             </a:extLst>
           </a:blip>
@@ -7972,7 +8044,7 @@
         </p:blipFill>
         <p:spPr>
           <a:xfrm>
-            <a:off x="11082849" y="2264696"/>
+            <a:off x="10716711" y="466828"/>
             <a:ext cx="659225" cy="584601"/>
           </a:xfrm>
           <a:prstGeom prst="rect">
@@ -7995,13 +8067,13 @@
           <p:nvPr/>
         </p:nvPicPr>
         <p:blipFill>
-          <a:blip r:embed="rId5">
+          <a:blip r:embed="rId4">
             <a:extLst>
               <a:ext uri="{28A0092B-C50C-407E-A947-70E740481C1C}">
                 <a14:useLocalDpi xmlns:a14="http://schemas.microsoft.com/office/drawing/2010/main" val="0"/>
               </a:ext>
               <a:ext uri="{96DAC541-7B7A-43D3-8B79-37D633B846F1}">
-                <asvg:svgBlip xmlns:asvg="http://schemas.microsoft.com/office/drawing/2016/SVG/main" r:embed="rId6"/>
+                <asvg:svgBlip xmlns:asvg="http://schemas.microsoft.com/office/drawing/2016/SVG/main" r:embed="rId5"/>
               </a:ext>
             </a:extLst>
           </a:blip>
@@ -8011,7 +8083,7 @@
         </p:blipFill>
         <p:spPr>
           <a:xfrm>
-            <a:off x="823205" y="5069006"/>
+            <a:off x="2063055" y="434119"/>
             <a:ext cx="493332" cy="484452"/>
           </a:xfrm>
           <a:prstGeom prst="rect">
@@ -8034,13 +8106,13 @@
           <p:nvPr/>
         </p:nvPicPr>
         <p:blipFill>
-          <a:blip r:embed="rId7">
+          <a:blip r:embed="rId6">
             <a:extLst>
               <a:ext uri="{28A0092B-C50C-407E-A947-70E740481C1C}">
                 <a14:useLocalDpi xmlns:a14="http://schemas.microsoft.com/office/drawing/2010/main" val="0"/>
               </a:ext>
               <a:ext uri="{96DAC541-7B7A-43D3-8B79-37D633B846F1}">
-                <asvg:svgBlip xmlns:asvg="http://schemas.microsoft.com/office/drawing/2016/SVG/main" r:embed="rId8"/>
+                <asvg:svgBlip xmlns:asvg="http://schemas.microsoft.com/office/drawing/2016/SVG/main" r:embed="rId7"/>
               </a:ext>
             </a:extLst>
           </a:blip>
@@ -8050,7 +8122,7 @@
         </p:blipFill>
         <p:spPr>
           <a:xfrm>
-            <a:off x="10289812" y="5374609"/>
+            <a:off x="9648431" y="782477"/>
             <a:ext cx="585652" cy="605513"/>
           </a:xfrm>
           <a:prstGeom prst="rect">
@@ -8073,13 +8145,13 @@
           <p:nvPr/>
         </p:nvPicPr>
         <p:blipFill>
-          <a:blip r:embed="rId9">
+          <a:blip r:embed="rId8">
             <a:extLst>
               <a:ext uri="{28A0092B-C50C-407E-A947-70E740481C1C}">
                 <a14:useLocalDpi xmlns:a14="http://schemas.microsoft.com/office/drawing/2010/main" val="0"/>
               </a:ext>
               <a:ext uri="{96DAC541-7B7A-43D3-8B79-37D633B846F1}">
-                <asvg:svgBlip xmlns:asvg="http://schemas.microsoft.com/office/drawing/2016/SVG/main" r:embed="rId10"/>
+                <asvg:svgBlip xmlns:asvg="http://schemas.microsoft.com/office/drawing/2016/SVG/main" r:embed="rId9"/>
               </a:ext>
             </a:extLst>
           </a:blip>
@@ -8112,13 +8184,13 @@
           <p:nvPr/>
         </p:nvPicPr>
         <p:blipFill>
-          <a:blip r:embed="rId11">
+          <a:blip r:embed="rId10">
             <a:extLst>
               <a:ext uri="{28A0092B-C50C-407E-A947-70E740481C1C}">
                 <a14:useLocalDpi xmlns:a14="http://schemas.microsoft.com/office/drawing/2010/main" val="0"/>
               </a:ext>
               <a:ext uri="{96DAC541-7B7A-43D3-8B79-37D633B846F1}">
-                <asvg:svgBlip xmlns:asvg="http://schemas.microsoft.com/office/drawing/2016/SVG/main" r:embed="rId12"/>
+                <asvg:svgBlip xmlns:asvg="http://schemas.microsoft.com/office/drawing/2016/SVG/main" r:embed="rId11"/>
               </a:ext>
             </a:extLst>
           </a:blip>
@@ -8128,7 +8200,7 @@
         </p:blipFill>
         <p:spPr>
           <a:xfrm>
-            <a:off x="1457873" y="3053069"/>
+            <a:off x="3001645" y="1014097"/>
             <a:ext cx="564361" cy="555557"/>
           </a:xfrm>
           <a:prstGeom prst="rect">
@@ -8151,7 +8223,7 @@
           <p:nvPr/>
         </p:nvPicPr>
         <p:blipFill>
-          <a:blip r:embed="rId13">
+          <a:blip r:embed="rId12">
             <a:extLst>
               <a:ext uri="{28A0092B-C50C-407E-A947-70E740481C1C}">
                 <a14:useLocalDpi xmlns:a14="http://schemas.microsoft.com/office/drawing/2010/main" val="0"/>
@@ -8187,7 +8259,7 @@
           <p:nvPr/>
         </p:nvPicPr>
         <p:blipFill rotWithShape="1">
-          <a:blip r:embed="rId14">
+          <a:blip r:embed="rId13">
             <a:extLst>
               <a:ext uri="{28A0092B-C50C-407E-A947-70E740481C1C}">
                 <a14:useLocalDpi xmlns:a14="http://schemas.microsoft.com/office/drawing/2010/main" val="0"/>
@@ -8201,6 +8273,150 @@
           <a:xfrm>
             <a:off x="9635613" y="-5126374"/>
             <a:ext cx="3273819" cy="4642666"/>
+          </a:xfrm>
+          <a:prstGeom prst="rect">
+            <a:avLst/>
+          </a:prstGeom>
+        </p:spPr>
+      </p:pic>
+      <p:pic>
+        <p:nvPicPr>
+          <p:cNvPr id="9" name="Picture 8">
+            <a:extLst>
+              <a:ext uri="{FF2B5EF4-FFF2-40B4-BE49-F238E27FC236}">
+                <a16:creationId xmlns:a16="http://schemas.microsoft.com/office/drawing/2014/main" id="{D2821478-FD51-0767-0B77-810EA1F58083}"/>
+              </a:ext>
+            </a:extLst>
+          </p:cNvPr>
+          <p:cNvPicPr>
+            <a:picLocks noChangeAspect="1"/>
+          </p:cNvPicPr>
+          <p:nvPr/>
+        </p:nvPicPr>
+        <p:blipFill>
+          <a:blip r:embed="rId14">
+            <a:extLst>
+              <a:ext uri="{28A0092B-C50C-407E-A947-70E740481C1C}">
+                <a14:useLocalDpi xmlns:a14="http://schemas.microsoft.com/office/drawing/2010/main" val="0"/>
+              </a:ext>
+            </a:extLst>
+          </a:blip>
+          <a:stretch>
+            <a:fillRect/>
+          </a:stretch>
+        </p:blipFill>
+        <p:spPr>
+          <a:xfrm>
+            <a:off x="48820" y="2849297"/>
+            <a:ext cx="2667000" cy="5400675"/>
+          </a:xfrm>
+          <a:prstGeom prst="rect">
+            <a:avLst/>
+          </a:prstGeom>
+        </p:spPr>
+      </p:pic>
+      <p:pic>
+        <p:nvPicPr>
+          <p:cNvPr id="12" name="Picture 11">
+            <a:extLst>
+              <a:ext uri="{FF2B5EF4-FFF2-40B4-BE49-F238E27FC236}">
+                <a16:creationId xmlns:a16="http://schemas.microsoft.com/office/drawing/2014/main" id="{7D54311B-B926-6078-DB70-D7A93A3AE7F0}"/>
+              </a:ext>
+            </a:extLst>
+          </p:cNvPr>
+          <p:cNvPicPr>
+            <a:picLocks noChangeAspect="1"/>
+          </p:cNvPicPr>
+          <p:nvPr/>
+        </p:nvPicPr>
+        <p:blipFill>
+          <a:blip r:embed="rId15">
+            <a:extLst>
+              <a:ext uri="{28A0092B-C50C-407E-A947-70E740481C1C}">
+                <a14:useLocalDpi xmlns:a14="http://schemas.microsoft.com/office/drawing/2010/main" val="0"/>
+              </a:ext>
+            </a:extLst>
+          </a:blip>
+          <a:stretch>
+            <a:fillRect/>
+          </a:stretch>
+        </p:blipFill>
+        <p:spPr>
+          <a:xfrm>
+            <a:off x="1482091" y="3601328"/>
+            <a:ext cx="9096375" cy="5229225"/>
+          </a:xfrm>
+          <a:prstGeom prst="rect">
+            <a:avLst/>
+          </a:prstGeom>
+        </p:spPr>
+      </p:pic>
+      <p:pic>
+        <p:nvPicPr>
+          <p:cNvPr id="17" name="Picture 16">
+            <a:extLst>
+              <a:ext uri="{FF2B5EF4-FFF2-40B4-BE49-F238E27FC236}">
+                <a16:creationId xmlns:a16="http://schemas.microsoft.com/office/drawing/2014/main" id="{CE73B322-D386-2107-446F-9E89C4841798}"/>
+              </a:ext>
+            </a:extLst>
+          </p:cNvPr>
+          <p:cNvPicPr>
+            <a:picLocks noChangeAspect="1"/>
+          </p:cNvPicPr>
+          <p:nvPr/>
+        </p:nvPicPr>
+        <p:blipFill>
+          <a:blip r:embed="rId16">
+            <a:extLst>
+              <a:ext uri="{28A0092B-C50C-407E-A947-70E740481C1C}">
+                <a14:useLocalDpi xmlns:a14="http://schemas.microsoft.com/office/drawing/2010/main" val="0"/>
+              </a:ext>
+            </a:extLst>
+          </a:blip>
+          <a:stretch>
+            <a:fillRect/>
+          </a:stretch>
+        </p:blipFill>
+        <p:spPr>
+          <a:xfrm>
+            <a:off x="8428355" y="3010783"/>
+            <a:ext cx="4257675" cy="5895975"/>
+          </a:xfrm>
+          <a:prstGeom prst="rect">
+            <a:avLst/>
+          </a:prstGeom>
+        </p:spPr>
+      </p:pic>
+      <p:pic>
+        <p:nvPicPr>
+          <p:cNvPr id="18" name="Picture 17">
+            <a:extLst>
+              <a:ext uri="{FF2B5EF4-FFF2-40B4-BE49-F238E27FC236}">
+                <a16:creationId xmlns:a16="http://schemas.microsoft.com/office/drawing/2014/main" id="{D30FBD98-DC73-E5F4-2530-8207C7B63ED7}"/>
+              </a:ext>
+            </a:extLst>
+          </p:cNvPr>
+          <p:cNvPicPr>
+            <a:picLocks noChangeAspect="1"/>
+          </p:cNvPicPr>
+          <p:nvPr/>
+        </p:nvPicPr>
+        <p:blipFill>
+          <a:blip r:embed="rId17">
+            <a:extLst>
+              <a:ext uri="{28A0092B-C50C-407E-A947-70E740481C1C}">
+                <a14:useLocalDpi xmlns:a14="http://schemas.microsoft.com/office/drawing/2010/main" val="0"/>
+              </a:ext>
+            </a:extLst>
+          </a:blip>
+          <a:stretch>
+            <a:fillRect/>
+          </a:stretch>
+        </p:blipFill>
+        <p:spPr>
+          <a:xfrm>
+            <a:off x="4252984" y="-5358524"/>
+            <a:ext cx="7079226" cy="3980121"/>
           </a:xfrm>
           <a:prstGeom prst="rect">
             <a:avLst/>
@@ -11453,6 +11669,114 @@
           </a:p>
         </p:txBody>
       </p:sp>
+      <p:pic>
+        <p:nvPicPr>
+          <p:cNvPr id="4" name="Picture 3">
+            <a:extLst>
+              <a:ext uri="{FF2B5EF4-FFF2-40B4-BE49-F238E27FC236}">
+                <a16:creationId xmlns:a16="http://schemas.microsoft.com/office/drawing/2014/main" id="{ED6057BB-3477-A491-A1BC-6EDDA1B7D5A7}"/>
+              </a:ext>
+            </a:extLst>
+          </p:cNvPr>
+          <p:cNvPicPr>
+            <a:picLocks noChangeAspect="1"/>
+          </p:cNvPicPr>
+          <p:nvPr/>
+        </p:nvPicPr>
+        <p:blipFill>
+          <a:blip r:embed="rId5">
+            <a:extLst>
+              <a:ext uri="{28A0092B-C50C-407E-A947-70E740481C1C}">
+                <a14:useLocalDpi xmlns:a14="http://schemas.microsoft.com/office/drawing/2010/main" val="0"/>
+              </a:ext>
+            </a:extLst>
+          </a:blip>
+          <a:stretch>
+            <a:fillRect/>
+          </a:stretch>
+        </p:blipFill>
+        <p:spPr>
+          <a:xfrm>
+            <a:off x="-17695" y="7764197"/>
+            <a:ext cx="2667000" cy="5400675"/>
+          </a:xfrm>
+          <a:prstGeom prst="rect">
+            <a:avLst/>
+          </a:prstGeom>
+        </p:spPr>
+      </p:pic>
+      <p:pic>
+        <p:nvPicPr>
+          <p:cNvPr id="7" name="Picture 6">
+            <a:extLst>
+              <a:ext uri="{FF2B5EF4-FFF2-40B4-BE49-F238E27FC236}">
+                <a16:creationId xmlns:a16="http://schemas.microsoft.com/office/drawing/2014/main" id="{65EA7414-FB45-C0DB-CCE1-CC02ED17B899}"/>
+              </a:ext>
+            </a:extLst>
+          </p:cNvPr>
+          <p:cNvPicPr>
+            <a:picLocks noChangeAspect="1"/>
+          </p:cNvPicPr>
+          <p:nvPr/>
+        </p:nvPicPr>
+        <p:blipFill>
+          <a:blip r:embed="rId6">
+            <a:extLst>
+              <a:ext uri="{28A0092B-C50C-407E-A947-70E740481C1C}">
+                <a14:useLocalDpi xmlns:a14="http://schemas.microsoft.com/office/drawing/2010/main" val="0"/>
+              </a:ext>
+            </a:extLst>
+          </a:blip>
+          <a:stretch>
+            <a:fillRect/>
+          </a:stretch>
+        </p:blipFill>
+        <p:spPr>
+          <a:xfrm>
+            <a:off x="1415576" y="8516228"/>
+            <a:ext cx="9096375" cy="5229225"/>
+          </a:xfrm>
+          <a:prstGeom prst="rect">
+            <a:avLst/>
+          </a:prstGeom>
+        </p:spPr>
+      </p:pic>
+      <p:pic>
+        <p:nvPicPr>
+          <p:cNvPr id="12" name="Picture 11">
+            <a:extLst>
+              <a:ext uri="{FF2B5EF4-FFF2-40B4-BE49-F238E27FC236}">
+                <a16:creationId xmlns:a16="http://schemas.microsoft.com/office/drawing/2014/main" id="{9C20215D-6D6C-E335-526C-C746318FCE88}"/>
+              </a:ext>
+            </a:extLst>
+          </p:cNvPr>
+          <p:cNvPicPr>
+            <a:picLocks noChangeAspect="1"/>
+          </p:cNvPicPr>
+          <p:nvPr/>
+        </p:nvPicPr>
+        <p:blipFill>
+          <a:blip r:embed="rId7">
+            <a:extLst>
+              <a:ext uri="{28A0092B-C50C-407E-A947-70E740481C1C}">
+                <a14:useLocalDpi xmlns:a14="http://schemas.microsoft.com/office/drawing/2010/main" val="0"/>
+              </a:ext>
+            </a:extLst>
+          </a:blip>
+          <a:stretch>
+            <a:fillRect/>
+          </a:stretch>
+        </p:blipFill>
+        <p:spPr>
+          <a:xfrm>
+            <a:off x="8361840" y="7925683"/>
+            <a:ext cx="4257675" cy="5895975"/>
+          </a:xfrm>
+          <a:prstGeom prst="rect">
+            <a:avLst/>
+          </a:prstGeom>
+        </p:spPr>
+      </p:pic>
     </p:spTree>
     <p:extLst>
       <p:ext uri="{BB962C8B-B14F-4D97-AF65-F5344CB8AC3E}">

--- a/PPT.pptx
+++ b/PPT.pptx
@@ -8083,7 +8083,7 @@
         </p:blipFill>
         <p:spPr>
           <a:xfrm>
-            <a:off x="2063055" y="434119"/>
+            <a:off x="2063055" y="428153"/>
             <a:ext cx="493332" cy="484452"/>
           </a:xfrm>
           <a:prstGeom prst="rect">
@@ -8161,7 +8161,7 @@
         </p:blipFill>
         <p:spPr>
           <a:xfrm>
-            <a:off x="739292" y="657003"/>
+            <a:off x="739292" y="651037"/>
             <a:ext cx="807959" cy="484452"/>
           </a:xfrm>
           <a:prstGeom prst="rect">
@@ -8200,7 +8200,7 @@
         </p:blipFill>
         <p:spPr>
           <a:xfrm>
-            <a:off x="3001645" y="1014097"/>
+            <a:off x="3001645" y="1008131"/>
             <a:ext cx="564361" cy="555557"/>
           </a:xfrm>
           <a:prstGeom prst="rect">
@@ -11771,6 +11771,201 @@
           <a:xfrm>
             <a:off x="8361840" y="7925683"/>
             <a:ext cx="4257675" cy="5895975"/>
+          </a:xfrm>
+          <a:prstGeom prst="rect">
+            <a:avLst/>
+          </a:prstGeom>
+        </p:spPr>
+      </p:pic>
+      <p:pic>
+        <p:nvPicPr>
+          <p:cNvPr id="13" name="Graphic 12">
+            <a:extLst>
+              <a:ext uri="{FF2B5EF4-FFF2-40B4-BE49-F238E27FC236}">
+                <a16:creationId xmlns:a16="http://schemas.microsoft.com/office/drawing/2014/main" id="{8B247F3D-9711-B112-2F4D-210183981387}"/>
+              </a:ext>
+            </a:extLst>
+          </p:cNvPr>
+          <p:cNvPicPr>
+            <a:picLocks noChangeAspect="1"/>
+          </p:cNvPicPr>
+          <p:nvPr/>
+        </p:nvPicPr>
+        <p:blipFill>
+          <a:blip r:embed="rId8">
+            <a:extLst>
+              <a:ext uri="{28A0092B-C50C-407E-A947-70E740481C1C}">
+                <a14:useLocalDpi xmlns:a14="http://schemas.microsoft.com/office/drawing/2010/main" val="0"/>
+              </a:ext>
+              <a:ext uri="{96DAC541-7B7A-43D3-8B79-37D633B846F1}">
+                <asvg:svgBlip xmlns:asvg="http://schemas.microsoft.com/office/drawing/2016/SVG/main" r:embed="rId9"/>
+              </a:ext>
+            </a:extLst>
+          </a:blip>
+          <a:stretch>
+            <a:fillRect/>
+          </a:stretch>
+        </p:blipFill>
+        <p:spPr>
+          <a:xfrm>
+            <a:off x="10716711" y="-3876838"/>
+            <a:ext cx="659225" cy="584601"/>
+          </a:xfrm>
+          <a:prstGeom prst="rect">
+            <a:avLst/>
+          </a:prstGeom>
+        </p:spPr>
+      </p:pic>
+      <p:pic>
+        <p:nvPicPr>
+          <p:cNvPr id="16" name="Graphic 15">
+            <a:extLst>
+              <a:ext uri="{FF2B5EF4-FFF2-40B4-BE49-F238E27FC236}">
+                <a16:creationId xmlns:a16="http://schemas.microsoft.com/office/drawing/2014/main" id="{C874E756-A424-8DFA-D0F0-B0DC49B033E1}"/>
+              </a:ext>
+            </a:extLst>
+          </p:cNvPr>
+          <p:cNvPicPr>
+            <a:picLocks noChangeAspect="1"/>
+          </p:cNvPicPr>
+          <p:nvPr/>
+        </p:nvPicPr>
+        <p:blipFill>
+          <a:blip r:embed="rId10">
+            <a:extLst>
+              <a:ext uri="{28A0092B-C50C-407E-A947-70E740481C1C}">
+                <a14:useLocalDpi xmlns:a14="http://schemas.microsoft.com/office/drawing/2010/main" val="0"/>
+              </a:ext>
+              <a:ext uri="{96DAC541-7B7A-43D3-8B79-37D633B846F1}">
+                <asvg:svgBlip xmlns:asvg="http://schemas.microsoft.com/office/drawing/2016/SVG/main" r:embed="rId11"/>
+              </a:ext>
+            </a:extLst>
+          </a:blip>
+          <a:stretch>
+            <a:fillRect/>
+          </a:stretch>
+        </p:blipFill>
+        <p:spPr>
+          <a:xfrm>
+            <a:off x="2063055" y="-3915513"/>
+            <a:ext cx="493332" cy="484452"/>
+          </a:xfrm>
+          <a:prstGeom prst="rect">
+            <a:avLst/>
+          </a:prstGeom>
+        </p:spPr>
+      </p:pic>
+      <p:pic>
+        <p:nvPicPr>
+          <p:cNvPr id="17" name="Graphic 16">
+            <a:extLst>
+              <a:ext uri="{FF2B5EF4-FFF2-40B4-BE49-F238E27FC236}">
+                <a16:creationId xmlns:a16="http://schemas.microsoft.com/office/drawing/2014/main" id="{BED2937A-3622-3CC1-00B1-4C9F6064FBB8}"/>
+              </a:ext>
+            </a:extLst>
+          </p:cNvPr>
+          <p:cNvPicPr>
+            <a:picLocks noChangeAspect="1"/>
+          </p:cNvPicPr>
+          <p:nvPr/>
+        </p:nvPicPr>
+        <p:blipFill>
+          <a:blip r:embed="rId12">
+            <a:extLst>
+              <a:ext uri="{28A0092B-C50C-407E-A947-70E740481C1C}">
+                <a14:useLocalDpi xmlns:a14="http://schemas.microsoft.com/office/drawing/2010/main" val="0"/>
+              </a:ext>
+              <a:ext uri="{96DAC541-7B7A-43D3-8B79-37D633B846F1}">
+                <asvg:svgBlip xmlns:asvg="http://schemas.microsoft.com/office/drawing/2016/SVG/main" r:embed="rId13"/>
+              </a:ext>
+            </a:extLst>
+          </a:blip>
+          <a:stretch>
+            <a:fillRect/>
+          </a:stretch>
+        </p:blipFill>
+        <p:spPr>
+          <a:xfrm>
+            <a:off x="9648431" y="-3561189"/>
+            <a:ext cx="585652" cy="605513"/>
+          </a:xfrm>
+          <a:prstGeom prst="rect">
+            <a:avLst/>
+          </a:prstGeom>
+        </p:spPr>
+      </p:pic>
+      <p:pic>
+        <p:nvPicPr>
+          <p:cNvPr id="18" name="Graphic 17">
+            <a:extLst>
+              <a:ext uri="{FF2B5EF4-FFF2-40B4-BE49-F238E27FC236}">
+                <a16:creationId xmlns:a16="http://schemas.microsoft.com/office/drawing/2014/main" id="{E65CD67C-FC35-6FE1-3E69-023D19C0E005}"/>
+              </a:ext>
+            </a:extLst>
+          </p:cNvPr>
+          <p:cNvPicPr>
+            <a:picLocks noChangeAspect="1"/>
+          </p:cNvPicPr>
+          <p:nvPr/>
+        </p:nvPicPr>
+        <p:blipFill>
+          <a:blip r:embed="rId14">
+            <a:extLst>
+              <a:ext uri="{28A0092B-C50C-407E-A947-70E740481C1C}">
+                <a14:useLocalDpi xmlns:a14="http://schemas.microsoft.com/office/drawing/2010/main" val="0"/>
+              </a:ext>
+              <a:ext uri="{96DAC541-7B7A-43D3-8B79-37D633B846F1}">
+                <asvg:svgBlip xmlns:asvg="http://schemas.microsoft.com/office/drawing/2016/SVG/main" r:embed="rId15"/>
+              </a:ext>
+            </a:extLst>
+          </a:blip>
+          <a:stretch>
+            <a:fillRect/>
+          </a:stretch>
+        </p:blipFill>
+        <p:spPr>
+          <a:xfrm>
+            <a:off x="739292" y="-3692629"/>
+            <a:ext cx="807959" cy="484452"/>
+          </a:xfrm>
+          <a:prstGeom prst="rect">
+            <a:avLst/>
+          </a:prstGeom>
+        </p:spPr>
+      </p:pic>
+      <p:pic>
+        <p:nvPicPr>
+          <p:cNvPr id="19" name="Graphic 18">
+            <a:extLst>
+              <a:ext uri="{FF2B5EF4-FFF2-40B4-BE49-F238E27FC236}">
+                <a16:creationId xmlns:a16="http://schemas.microsoft.com/office/drawing/2014/main" id="{1AD3B48A-26A9-6456-2C84-ADA18620B87C}"/>
+              </a:ext>
+            </a:extLst>
+          </p:cNvPr>
+          <p:cNvPicPr>
+            <a:picLocks noChangeAspect="1"/>
+          </p:cNvPicPr>
+          <p:nvPr/>
+        </p:nvPicPr>
+        <p:blipFill>
+          <a:blip r:embed="rId16">
+            <a:extLst>
+              <a:ext uri="{28A0092B-C50C-407E-A947-70E740481C1C}">
+                <a14:useLocalDpi xmlns:a14="http://schemas.microsoft.com/office/drawing/2010/main" val="0"/>
+              </a:ext>
+              <a:ext uri="{96DAC541-7B7A-43D3-8B79-37D633B846F1}">
+                <asvg:svgBlip xmlns:asvg="http://schemas.microsoft.com/office/drawing/2016/SVG/main" r:embed="rId17"/>
+              </a:ext>
+            </a:extLst>
+          </a:blip>
+          <a:stretch>
+            <a:fillRect/>
+          </a:stretch>
+        </p:blipFill>
+        <p:spPr>
+          <a:xfrm>
+            <a:off x="3001645" y="-3335535"/>
+            <a:ext cx="564361" cy="555557"/>
           </a:xfrm>
           <a:prstGeom prst="rect">
             <a:avLst/>
